--- a/Angular Beginner Tutorial_New.pptx
+++ b/Angular Beginner Tutorial_New.pptx
@@ -40,24 +40,25 @@
     <p:sldId id="292" r:id="rId34"/>
     <p:sldId id="264" r:id="rId35"/>
     <p:sldId id="280" r:id="rId36"/>
-    <p:sldId id="301" r:id="rId37"/>
-    <p:sldId id="302" r:id="rId38"/>
-    <p:sldId id="266" r:id="rId39"/>
-    <p:sldId id="303" r:id="rId40"/>
-    <p:sldId id="304" r:id="rId41"/>
-    <p:sldId id="307" r:id="rId42"/>
-    <p:sldId id="308" r:id="rId43"/>
-    <p:sldId id="309" r:id="rId44"/>
-    <p:sldId id="310" r:id="rId45"/>
-    <p:sldId id="311" r:id="rId46"/>
-    <p:sldId id="312" r:id="rId47"/>
-    <p:sldId id="313" r:id="rId48"/>
-    <p:sldId id="317" r:id="rId49"/>
-    <p:sldId id="316" r:id="rId50"/>
-    <p:sldId id="318" r:id="rId51"/>
-    <p:sldId id="319" r:id="rId52"/>
-    <p:sldId id="320" r:id="rId53"/>
-    <p:sldId id="315" r:id="rId54"/>
+    <p:sldId id="321" r:id="rId37"/>
+    <p:sldId id="301" r:id="rId38"/>
+    <p:sldId id="302" r:id="rId39"/>
+    <p:sldId id="266" r:id="rId40"/>
+    <p:sldId id="303" r:id="rId41"/>
+    <p:sldId id="304" r:id="rId42"/>
+    <p:sldId id="307" r:id="rId43"/>
+    <p:sldId id="308" r:id="rId44"/>
+    <p:sldId id="309" r:id="rId45"/>
+    <p:sldId id="310" r:id="rId46"/>
+    <p:sldId id="311" r:id="rId47"/>
+    <p:sldId id="312" r:id="rId48"/>
+    <p:sldId id="313" r:id="rId49"/>
+    <p:sldId id="317" r:id="rId50"/>
+    <p:sldId id="316" r:id="rId51"/>
+    <p:sldId id="318" r:id="rId52"/>
+    <p:sldId id="319" r:id="rId53"/>
+    <p:sldId id="320" r:id="rId54"/>
+    <p:sldId id="315" r:id="rId55"/>
   </p:sldIdLst>
   <p:sldSz cx="12192000" cy="6858000"/>
   <p:notesSz cx="6858000" cy="9144000"/>
@@ -129,35 +130,35 @@
         <p:sld r:id="rId34"/>
         <p:sld r:id="rId35"/>
         <p:sld r:id="rId36"/>
-        <p:sld r:id="rId37"/>
         <p:sld r:id="rId38"/>
+        <p:sld r:id="rId39"/>
       </p:sldLst>
     </p:custShow>
     <p:custShow name="Chapter 8" id="7">
       <p:sldLst>
-        <p:sld r:id="rId38"/>
         <p:sld r:id="rId39"/>
         <p:sld r:id="rId40"/>
         <p:sld r:id="rId41"/>
         <p:sld r:id="rId42"/>
+        <p:sld r:id="rId43"/>
       </p:sldLst>
     </p:custShow>
     <p:custShow name="Chapter 9" id="8">
       <p:sldLst>
-        <p:sld r:id="rId42"/>
         <p:sld r:id="rId43"/>
         <p:sld r:id="rId44"/>
         <p:sld r:id="rId45"/>
+        <p:sld r:id="rId46"/>
       </p:sldLst>
     </p:custShow>
     <p:custShow name="Chapter 10" id="9">
       <p:sldLst>
-        <p:sld r:id="rId45"/>
         <p:sld r:id="rId46"/>
         <p:sld r:id="rId47"/>
         <p:sld r:id="rId48"/>
         <p:sld r:id="rId49"/>
         <p:sld r:id="rId50"/>
+        <p:sld r:id="rId51"/>
       </p:sldLst>
     </p:custShow>
   </p:custShowLst>
@@ -415,11 +416,11 @@
           </c:extLst>
         </c:ser>
         <c:overlap val="100"/>
-        <c:axId val="132406656"/>
-        <c:axId val="132412544"/>
+        <c:axId val="142482048"/>
+        <c:axId val="142483840"/>
       </c:barChart>
       <c:catAx>
-        <c:axId val="132406656"/>
+        <c:axId val="142482048"/>
         <c:scaling>
           <c:orientation val="minMax"/>
         </c:scaling>
@@ -456,14 +457,14 @@
             <a:endParaRPr lang="en-US"/>
           </a:p>
         </c:txPr>
-        <c:crossAx val="132412544"/>
+        <c:crossAx val="142483840"/>
         <c:crosses val="autoZero"/>
         <c:auto val="1"/>
         <c:lblAlgn val="ctr"/>
         <c:lblOffset val="100"/>
       </c:catAx>
       <c:valAx>
-        <c:axId val="132412544"/>
+        <c:axId val="142483840"/>
         <c:scaling>
           <c:orientation val="minMax"/>
         </c:scaling>
@@ -471,7 +472,7 @@
         <c:axPos val="l"/>
         <c:numFmt formatCode="General" sourceLinked="1"/>
         <c:tickLblPos val="none"/>
-        <c:crossAx val="132406656"/>
+        <c:crossAx val="142482048"/>
         <c:crosses val="autoZero"/>
         <c:crossBetween val="between"/>
       </c:valAx>
@@ -485,6 +486,7 @@
     </c:plotArea>
     <c:legend>
       <c:legendPos val="r"/>
+      <c:layout/>
       <c:spPr>
         <a:noFill/>
         <a:ln>
@@ -9692,7 +9694,7 @@
             <a:fld id="{69130C74-A61F-4C63-945F-8E4780C6B3E9}" type="datetimeFigureOut">
               <a:rPr lang="en-US" smtClean="0"/>
               <a:pPr/>
-              <a:t>7/4/2020</a:t>
+              <a:t>7/13/2020</a:t>
             </a:fld>
             <a:endParaRPr lang="en-US"/>
           </a:p>
@@ -9902,7 +9904,7 @@
             <a:fld id="{69130C74-A61F-4C63-945F-8E4780C6B3E9}" type="datetimeFigureOut">
               <a:rPr lang="en-US" smtClean="0"/>
               <a:pPr/>
-              <a:t>7/4/2020</a:t>
+              <a:t>7/13/2020</a:t>
             </a:fld>
             <a:endParaRPr lang="en-US"/>
           </a:p>
@@ -10160,7 +10162,7 @@
             <a:fld id="{69130C74-A61F-4C63-945F-8E4780C6B3E9}" type="datetimeFigureOut">
               <a:rPr lang="en-US" smtClean="0"/>
               <a:pPr/>
-              <a:t>7/4/2020</a:t>
+              <a:t>7/13/2020</a:t>
             </a:fld>
             <a:endParaRPr lang="en-US"/>
           </a:p>
@@ -10332,7 +10334,7 @@
             <a:fld id="{69130C74-A61F-4C63-945F-8E4780C6B3E9}" type="datetimeFigureOut">
               <a:rPr lang="en-US" smtClean="0"/>
               <a:pPr/>
-              <a:t>7/4/2020</a:t>
+              <a:t>7/13/2020</a:t>
             </a:fld>
             <a:endParaRPr lang="en-US"/>
           </a:p>
@@ -10677,7 +10679,7 @@
             <a:fld id="{69130C74-A61F-4C63-945F-8E4780C6B3E9}" type="datetimeFigureOut">
               <a:rPr lang="en-US" smtClean="0"/>
               <a:pPr/>
-              <a:t>7/4/2020</a:t>
+              <a:t>7/13/2020</a:t>
             </a:fld>
             <a:endParaRPr lang="en-US"/>
           </a:p>
@@ -10954,7 +10956,7 @@
             <a:fld id="{69130C74-A61F-4C63-945F-8E4780C6B3E9}" type="datetimeFigureOut">
               <a:rPr lang="en-US" smtClean="0"/>
               <a:pPr/>
-              <a:t>7/4/2020</a:t>
+              <a:t>7/13/2020</a:t>
             </a:fld>
             <a:endParaRPr lang="en-US"/>
           </a:p>
@@ -11335,7 +11337,7 @@
             <a:fld id="{69130C74-A61F-4C63-945F-8E4780C6B3E9}" type="datetimeFigureOut">
               <a:rPr lang="en-US" smtClean="0"/>
               <a:pPr/>
-              <a:t>7/4/2020</a:t>
+              <a:t>7/13/2020</a:t>
             </a:fld>
             <a:endParaRPr lang="en-US"/>
           </a:p>
@@ -11455,7 +11457,7 @@
             <a:fld id="{69130C74-A61F-4C63-945F-8E4780C6B3E9}" type="datetimeFigureOut">
               <a:rPr lang="en-US" smtClean="0"/>
               <a:pPr/>
-              <a:t>7/4/2020</a:t>
+              <a:t>7/13/2020</a:t>
             </a:fld>
             <a:endParaRPr lang="en-US"/>
           </a:p>
@@ -11628,7 +11630,7 @@
             <a:fld id="{69130C74-A61F-4C63-945F-8E4780C6B3E9}" type="datetimeFigureOut">
               <a:rPr lang="en-US" smtClean="0"/>
               <a:pPr/>
-              <a:t>7/4/2020</a:t>
+              <a:t>7/13/2020</a:t>
             </a:fld>
             <a:endParaRPr lang="en-US"/>
           </a:p>
@@ -11984,7 +11986,7 @@
             <a:fld id="{69130C74-A61F-4C63-945F-8E4780C6B3E9}" type="datetimeFigureOut">
               <a:rPr lang="en-US" smtClean="0"/>
               <a:pPr/>
-              <a:t>7/4/2020</a:t>
+              <a:t>7/13/2020</a:t>
             </a:fld>
             <a:endParaRPr lang="en-US"/>
           </a:p>
@@ -12363,7 +12365,7 @@
             <a:fld id="{69130C74-A61F-4C63-945F-8E4780C6B3E9}" type="datetimeFigureOut">
               <a:rPr lang="en-US" smtClean="0"/>
               <a:pPr/>
-              <a:t>7/4/2020</a:t>
+              <a:t>7/13/2020</a:t>
             </a:fld>
             <a:endParaRPr lang="en-US"/>
           </a:p>
@@ -12652,7 +12654,7 @@
             <a:fld id="{69130C74-A61F-4C63-945F-8E4780C6B3E9}" type="datetimeFigureOut">
               <a:rPr lang="en-US" smtClean="0"/>
               <a:pPr/>
-              <a:t>7/4/2020</a:t>
+              <a:t>7/13/2020</a:t>
             </a:fld>
             <a:endParaRPr lang="en-US"/>
           </a:p>
@@ -16227,7 +16229,7 @@
         </p:nvSpPr>
         <p:spPr>
           <a:xfrm>
-            <a:off x="661852" y="2555966"/>
+            <a:off x="661852" y="2582092"/>
             <a:ext cx="3265714" cy="901337"/>
           </a:xfrm>
           <a:prstGeom prst="roundRect">
@@ -16281,7 +16283,7 @@
         </p:nvSpPr>
         <p:spPr>
           <a:xfrm>
-            <a:off x="8168637" y="2564675"/>
+            <a:off x="8168637" y="2551612"/>
             <a:ext cx="3265714" cy="901337"/>
           </a:xfrm>
           <a:prstGeom prst="roundRect">
@@ -16335,7 +16337,7 @@
         </p:nvSpPr>
         <p:spPr>
           <a:xfrm>
-            <a:off x="4328160" y="2590800"/>
+            <a:off x="4328160" y="2577737"/>
             <a:ext cx="3265716" cy="901337"/>
           </a:xfrm>
           <a:prstGeom prst="roundRect">
@@ -16389,7 +16391,7 @@
         </p:nvSpPr>
         <p:spPr>
           <a:xfrm>
-            <a:off x="683623" y="4288973"/>
+            <a:off x="683623" y="4132217"/>
             <a:ext cx="3265714" cy="901337"/>
           </a:xfrm>
           <a:prstGeom prst="roundRect">
@@ -16443,7 +16445,7 @@
         </p:nvSpPr>
         <p:spPr>
           <a:xfrm>
-            <a:off x="4362993" y="4310744"/>
+            <a:off x="4362993" y="4153988"/>
             <a:ext cx="3265716" cy="901337"/>
           </a:xfrm>
           <a:prstGeom prst="roundRect">
@@ -16497,7 +16499,7 @@
         </p:nvSpPr>
         <p:spPr>
           <a:xfrm>
-            <a:off x="8190409" y="4245430"/>
+            <a:off x="8190409" y="4088674"/>
             <a:ext cx="3265714" cy="901337"/>
           </a:xfrm>
           <a:prstGeom prst="roundRect">
@@ -16538,6 +16540,69 @@
             <a:r>
               <a:rPr lang="en-US" dirty="0" smtClean="0"/>
               <a:t>[DOM Manipulation]</a:t>
+            </a:r>
+            <a:endParaRPr lang="en-US" dirty="0"/>
+          </a:p>
+        </p:txBody>
+      </p:sp>
+      <p:sp>
+        <p:nvSpPr>
+          <p:cNvPr id="10" name="Rounded Rectangle 9"/>
+          <p:cNvSpPr/>
+          <p:nvPr/>
+        </p:nvSpPr>
+        <p:spPr>
+          <a:xfrm>
+            <a:off x="4389120" y="5577843"/>
+            <a:ext cx="3265714" cy="822958"/>
+          </a:xfrm>
+          <a:prstGeom prst="roundRect">
+            <a:avLst/>
+          </a:prstGeom>
+          <a:solidFill>
+            <a:srgbClr val="0070C0"/>
+          </a:solidFill>
+        </p:spPr>
+        <p:style>
+          <a:lnRef idx="2">
+            <a:schemeClr val="accent1">
+              <a:shade val="50000"/>
+            </a:schemeClr>
+          </a:lnRef>
+          <a:fillRef idx="1">
+            <a:schemeClr val="accent1"/>
+          </a:fillRef>
+          <a:effectRef idx="0">
+            <a:schemeClr val="accent1"/>
+          </a:effectRef>
+          <a:fontRef idx="minor">
+            <a:schemeClr val="lt1"/>
+          </a:fontRef>
+        </p:style>
+        <p:txBody>
+          <a:bodyPr rtlCol="0" anchor="ctr"/>
+          <a:lstStyle/>
+          <a:p>
+            <a:pPr algn="ctr"/>
+            <a:r>
+              <a:rPr lang="en-US" b="1" dirty="0" smtClean="0"/>
+              <a:t>Routing</a:t>
+            </a:r>
+            <a:endParaRPr lang="en-US" b="1" dirty="0" smtClean="0"/>
+          </a:p>
+          <a:p>
+            <a:pPr algn="ctr"/>
+            <a:r>
+              <a:rPr lang="en-US" dirty="0" smtClean="0"/>
+              <a:t>[</a:t>
+            </a:r>
+            <a:r>
+              <a:rPr lang="en-US" dirty="0" smtClean="0"/>
+              <a:t>Navigating URL</a:t>
+            </a:r>
+            <a:r>
+              <a:rPr lang="en-US" dirty="0" smtClean="0"/>
+              <a:t>]</a:t>
             </a:r>
             <a:endParaRPr lang="en-US" dirty="0"/>
           </a:p>
@@ -18914,6 +18979,13 @@
   <p:clrMapOvr>
     <a:masterClrMapping/>
   </p:clrMapOvr>
+  <p:timing>
+    <p:tnLst>
+      <p:par>
+        <p:cTn id="1" dur="indefinite" restart="never" nodeType="tmRoot"/>
+      </p:par>
+    </p:tnLst>
+  </p:timing>
 </p:sld>
 </file>
 
@@ -19252,6 +19324,13 @@
   <p:clrMapOvr>
     <a:masterClrMapping/>
   </p:clrMapOvr>
+  <p:timing>
+    <p:tnLst>
+      <p:par>
+        <p:cTn id="1" dur="indefinite" restart="never" nodeType="tmRoot"/>
+      </p:par>
+    </p:tnLst>
+  </p:timing>
 </p:sld>
 </file>
 
@@ -19309,6 +19388,399 @@
           <a:lstStyle/>
           <a:p>
             <a:r>
+              <a:rPr lang="en-US" sz="3000" dirty="0" smtClean="0">
+                <a:latin typeface="DINPro" panose="02000503030000020004" pitchFamily="2" charset="0"/>
+              </a:rPr>
+              <a:t>Data Binding</a:t>
+            </a:r>
+            <a:endParaRPr lang="en-US" sz="3000" dirty="0">
+              <a:latin typeface="DINPro" panose="02000503030000020004" pitchFamily="2" charset="0"/>
+            </a:endParaRPr>
+          </a:p>
+        </p:txBody>
+      </p:sp>
+      <p:sp>
+        <p:nvSpPr>
+          <p:cNvPr id="3" name="Content Placeholder 2"/>
+          <p:cNvSpPr>
+            <a:spLocks noGrp="1"/>
+          </p:cNvSpPr>
+          <p:nvPr>
+            <p:ph idx="1"/>
+          </p:nvPr>
+        </p:nvSpPr>
+        <p:spPr>
+          <a:xfrm>
+            <a:off x="345718" y="2125487"/>
+            <a:ext cx="10058400" cy="4023360"/>
+          </a:xfrm>
+          <a:noFill/>
+        </p:spPr>
+        <p:txBody>
+          <a:bodyPr>
+            <a:noAutofit/>
+          </a:bodyPr>
+          <a:lstStyle/>
+          <a:p>
+            <a:pPr lvl="1">
+              <a:buClr>
+                <a:srgbClr val="0070C0"/>
+              </a:buClr>
+              <a:buFont typeface="Wingdings" pitchFamily="2" charset="2"/>
+              <a:buChar char="Ø"/>
+            </a:pPr>
+            <a:r>
+              <a:rPr lang="en-US" sz="2000" b="1" dirty="0" smtClean="0">
+                <a:latin typeface="DINPro" panose="02000503030000020004" pitchFamily="2" charset="0"/>
+              </a:rPr>
+              <a:t> Property Binding </a:t>
+            </a:r>
+            <a:r>
+              <a:rPr lang="en-US" sz="2000" dirty="0" smtClean="0">
+                <a:latin typeface="DINPro" panose="02000503030000020004" pitchFamily="2" charset="0"/>
+              </a:rPr>
+              <a:t>– [property-name]</a:t>
+            </a:r>
+          </a:p>
+          <a:p>
+            <a:pPr lvl="2">
+              <a:buClr>
+                <a:srgbClr val="0070C0"/>
+              </a:buClr>
+            </a:pPr>
+            <a:r>
+              <a:rPr lang="en-US" sz="2000" dirty="0" smtClean="0">
+                <a:latin typeface="DINPro" panose="02000503030000020004" pitchFamily="2" charset="0"/>
+              </a:rPr>
+              <a:t>&lt;input type="email" [value]="</a:t>
+            </a:r>
+            <a:r>
+              <a:rPr lang="en-US" sz="2000" dirty="0" err="1" smtClean="0">
+                <a:latin typeface="DINPro" panose="02000503030000020004" pitchFamily="2" charset="0"/>
+              </a:rPr>
+              <a:t>user.email</a:t>
+            </a:r>
+            <a:r>
+              <a:rPr lang="en-US" sz="2000" dirty="0" smtClean="0">
+                <a:latin typeface="DINPro" panose="02000503030000020004" pitchFamily="2" charset="0"/>
+              </a:rPr>
+              <a:t>"&gt; </a:t>
+            </a:r>
+          </a:p>
+          <a:p>
+            <a:pPr lvl="2">
+              <a:buClr>
+                <a:srgbClr val="0070C0"/>
+              </a:buClr>
+            </a:pPr>
+            <a:endParaRPr lang="en-US" sz="2000" dirty="0">
+              <a:latin typeface="DINPro" panose="02000503030000020004" pitchFamily="2" charset="0"/>
+            </a:endParaRPr>
+          </a:p>
+          <a:p>
+            <a:pPr lvl="1">
+              <a:buClr>
+                <a:srgbClr val="0070C0"/>
+              </a:buClr>
+              <a:buFont typeface="Wingdings" pitchFamily="2" charset="2"/>
+              <a:buChar char="Ø"/>
+            </a:pPr>
+            <a:r>
+              <a:rPr lang="en-US" sz="2000" b="1" dirty="0" smtClean="0">
+                <a:latin typeface="DINPro" panose="02000503030000020004" pitchFamily="2" charset="0"/>
+              </a:rPr>
+              <a:t>Attribute Binding </a:t>
+            </a:r>
+            <a:r>
+              <a:rPr lang="en-US" sz="2000" dirty="0" smtClean="0">
+                <a:latin typeface="DINPro" panose="02000503030000020004" pitchFamily="2" charset="0"/>
+              </a:rPr>
+              <a:t>– [</a:t>
+            </a:r>
+            <a:r>
+              <a:rPr lang="en-US" sz="2000" dirty="0" err="1" smtClean="0">
+                <a:latin typeface="DINPro" panose="02000503030000020004" pitchFamily="2" charset="0"/>
+              </a:rPr>
+              <a:t>attr.attribute</a:t>
+            </a:r>
+            <a:r>
+              <a:rPr lang="en-US" sz="2000" dirty="0" smtClean="0">
+                <a:latin typeface="DINPro" panose="02000503030000020004" pitchFamily="2" charset="0"/>
+              </a:rPr>
+              <a:t>-name]</a:t>
+            </a:r>
+            <a:endParaRPr lang="en-US" sz="2000" dirty="0">
+              <a:latin typeface="DINPro" panose="02000503030000020004" pitchFamily="2" charset="0"/>
+            </a:endParaRPr>
+          </a:p>
+          <a:p>
+            <a:pPr lvl="2">
+              <a:buClr>
+                <a:srgbClr val="0070C0"/>
+              </a:buClr>
+            </a:pPr>
+            <a:r>
+              <a:rPr lang="en-GB" sz="2000" dirty="0" smtClean="0"/>
+              <a:t>&lt;</a:t>
+            </a:r>
+            <a:r>
+              <a:rPr lang="en-GB" sz="2000" dirty="0" err="1" smtClean="0"/>
+              <a:t>tr</a:t>
+            </a:r>
+            <a:r>
+              <a:rPr lang="en-GB" sz="2000" dirty="0" smtClean="0"/>
+              <a:t>&gt;&lt;td [</a:t>
+            </a:r>
+            <a:r>
+              <a:rPr lang="en-GB" sz="2000" dirty="0" err="1" smtClean="0"/>
+              <a:t>attr.colspan</a:t>
+            </a:r>
+            <a:r>
+              <a:rPr lang="en-GB" sz="2000" dirty="0" smtClean="0"/>
+              <a:t>]="3"&gt;three&lt;/td&gt;&lt;/</a:t>
+            </a:r>
+            <a:r>
+              <a:rPr lang="en-GB" sz="2000" dirty="0" err="1" smtClean="0"/>
+              <a:t>tr</a:t>
+            </a:r>
+            <a:r>
+              <a:rPr lang="en-GB" sz="2000" dirty="0" smtClean="0"/>
+              <a:t>&gt;</a:t>
+            </a:r>
+          </a:p>
+          <a:p>
+            <a:pPr lvl="2">
+              <a:buClr>
+                <a:srgbClr val="0070C0"/>
+              </a:buClr>
+            </a:pPr>
+            <a:endParaRPr lang="en-US" sz="2000" b="1" dirty="0">
+              <a:latin typeface="DINPro" panose="02000503030000020004" pitchFamily="2" charset="0"/>
+            </a:endParaRPr>
+          </a:p>
+          <a:p>
+            <a:pPr lvl="1">
+              <a:buClr>
+                <a:srgbClr val="0070C0"/>
+              </a:buClr>
+              <a:buFont typeface="Wingdings" pitchFamily="2" charset="2"/>
+              <a:buChar char="Ø"/>
+            </a:pPr>
+            <a:r>
+              <a:rPr lang="en-US" sz="2000" b="1" dirty="0" smtClean="0">
+                <a:latin typeface="DINPro" panose="02000503030000020004" pitchFamily="2" charset="0"/>
+              </a:rPr>
+              <a:t>Class Binding </a:t>
+            </a:r>
+            <a:r>
+              <a:rPr lang="en-US" sz="2000" dirty="0">
+                <a:latin typeface="DINPro" panose="02000503030000020004" pitchFamily="2" charset="0"/>
+              </a:rPr>
+              <a:t>– </a:t>
+            </a:r>
+            <a:r>
+              <a:rPr lang="en-US" sz="2000" dirty="0" smtClean="0">
+                <a:latin typeface="DINPro" panose="02000503030000020004" pitchFamily="2" charset="0"/>
+              </a:rPr>
+              <a:t>[</a:t>
+            </a:r>
+            <a:r>
+              <a:rPr lang="en-US" sz="2000" dirty="0" err="1" smtClean="0">
+                <a:latin typeface="DINPro" panose="02000503030000020004" pitchFamily="2" charset="0"/>
+              </a:rPr>
+              <a:t>class.class</a:t>
+            </a:r>
+            <a:r>
+              <a:rPr lang="en-US" sz="2000" dirty="0" smtClean="0">
+                <a:latin typeface="DINPro" panose="02000503030000020004" pitchFamily="2" charset="0"/>
+              </a:rPr>
+              <a:t>-name]</a:t>
+            </a:r>
+            <a:endParaRPr lang="en-US" sz="2000" dirty="0">
+              <a:latin typeface="DINPro" panose="02000503030000020004" pitchFamily="2" charset="0"/>
+            </a:endParaRPr>
+          </a:p>
+          <a:p>
+            <a:pPr lvl="2">
+              <a:buClr>
+                <a:srgbClr val="0070C0"/>
+              </a:buClr>
+            </a:pPr>
+            <a:r>
+              <a:rPr lang="en-GB" sz="2000" dirty="0" smtClean="0"/>
+              <a:t>&lt;h1 [</a:t>
+            </a:r>
+            <a:r>
+              <a:rPr lang="en-GB" sz="2000" dirty="0" err="1" smtClean="0"/>
+              <a:t>class.myClass</a:t>
+            </a:r>
+            <a:r>
+              <a:rPr lang="en-GB" sz="2000" dirty="0" smtClean="0"/>
+              <a:t>]="</a:t>
+            </a:r>
+            <a:r>
+              <a:rPr lang="en-GB" sz="2000" dirty="0" err="1" smtClean="0"/>
+              <a:t>isTrue</a:t>
+            </a:r>
+            <a:r>
+              <a:rPr lang="en-GB" sz="2000" dirty="0" smtClean="0"/>
+              <a:t>"&gt;This class is true value&lt;/h1&gt;</a:t>
+            </a:r>
+          </a:p>
+          <a:p>
+            <a:pPr lvl="2">
+              <a:buClr>
+                <a:srgbClr val="0070C0"/>
+              </a:buClr>
+            </a:pPr>
+            <a:endParaRPr lang="en-US" sz="2000" b="1" dirty="0">
+              <a:latin typeface="DINPro" panose="02000503030000020004" pitchFamily="2" charset="0"/>
+            </a:endParaRPr>
+          </a:p>
+          <a:p>
+            <a:pPr lvl="1">
+              <a:buClr>
+                <a:srgbClr val="0070C0"/>
+              </a:buClr>
+              <a:buFont typeface="Wingdings" pitchFamily="2" charset="2"/>
+              <a:buChar char="Ø"/>
+            </a:pPr>
+            <a:r>
+              <a:rPr lang="en-US" sz="2000" b="1" dirty="0" smtClean="0">
+                <a:latin typeface="DINPro" panose="02000503030000020004" pitchFamily="2" charset="0"/>
+              </a:rPr>
+              <a:t>Style Binding </a:t>
+            </a:r>
+            <a:r>
+              <a:rPr lang="en-US" sz="2000" dirty="0">
+                <a:latin typeface="DINPro" panose="02000503030000020004" pitchFamily="2" charset="0"/>
+              </a:rPr>
+              <a:t>–</a:t>
+            </a:r>
+            <a:r>
+              <a:rPr lang="en-US" sz="2000" b="1" dirty="0">
+                <a:latin typeface="DINPro" panose="02000503030000020004" pitchFamily="2" charset="0"/>
+              </a:rPr>
+              <a:t> </a:t>
+            </a:r>
+            <a:r>
+              <a:rPr lang="en-US" sz="2000" dirty="0" smtClean="0">
+                <a:latin typeface="DINPro" panose="02000503030000020004" pitchFamily="2" charset="0"/>
+              </a:rPr>
+              <a:t>[</a:t>
+            </a:r>
+            <a:r>
+              <a:rPr lang="en-US" sz="2000" dirty="0" err="1" smtClean="0">
+                <a:latin typeface="DINPro" panose="02000503030000020004" pitchFamily="2" charset="0"/>
+              </a:rPr>
+              <a:t>style.style</a:t>
+            </a:r>
+            <a:r>
+              <a:rPr lang="en-US" sz="2000" dirty="0" smtClean="0">
+                <a:latin typeface="DINPro" panose="02000503030000020004" pitchFamily="2" charset="0"/>
+              </a:rPr>
+              <a:t>-name]</a:t>
+            </a:r>
+            <a:endParaRPr lang="en-US" sz="2000" dirty="0">
+              <a:latin typeface="DINPro" panose="02000503030000020004" pitchFamily="2" charset="0"/>
+            </a:endParaRPr>
+          </a:p>
+          <a:p>
+            <a:pPr lvl="2">
+              <a:buClr>
+                <a:srgbClr val="0070C0"/>
+              </a:buClr>
+            </a:pPr>
+            <a:r>
+              <a:rPr lang="en-GB" sz="2000" dirty="0" smtClean="0"/>
+              <a:t>&lt;h1 [</a:t>
+            </a:r>
+            <a:r>
+              <a:rPr lang="en-GB" sz="2000" dirty="0" err="1" smtClean="0"/>
+              <a:t>style.color</a:t>
+            </a:r>
+            <a:r>
+              <a:rPr lang="en-GB" sz="2000" dirty="0" smtClean="0"/>
+              <a:t>]="blue"&gt;This is a Blue Heading&lt;/h1&gt;</a:t>
+            </a:r>
+            <a:r>
+              <a:rPr lang="en-US" sz="2000" dirty="0">
+                <a:latin typeface="DINPro" panose="02000503030000020004" pitchFamily="2" charset="0"/>
+              </a:rPr>
+              <a:t> </a:t>
+            </a:r>
+          </a:p>
+        </p:txBody>
+      </p:sp>
+    </p:spTree>
+  </p:cSld>
+  <p:clrMapOvr>
+    <a:masterClrMapping/>
+  </p:clrMapOvr>
+  <p:timing>
+    <p:tnLst>
+      <p:par>
+        <p:cTn id="1" dur="indefinite" restart="never" nodeType="tmRoot"/>
+      </p:par>
+    </p:tnLst>
+  </p:timing>
+</p:sld>
+</file>
+
+<file path=ppt/slides/slide37.xml><?xml version="1.0" encoding="utf-8"?>
+<p:sld xmlns:a="http://schemas.openxmlformats.org/drawingml/2006/main" xmlns:r="http://schemas.openxmlformats.org/officeDocument/2006/relationships" xmlns:p="http://schemas.openxmlformats.org/presentationml/2006/main" showMasterSp="0">
+  <p:cSld>
+    <p:bg>
+      <p:bgPr>
+        <a:blipFill dpi="0" rotWithShape="1">
+          <a:blip r:embed="rId2" cstate="print">
+            <a:lum/>
+          </a:blip>
+          <a:srcRect/>
+          <a:stretch>
+            <a:fillRect/>
+          </a:stretch>
+        </a:blipFill>
+        <a:effectLst/>
+      </p:bgPr>
+    </p:bg>
+    <p:spTree>
+      <p:nvGrpSpPr>
+        <p:cNvPr id="1" name=""/>
+        <p:cNvGrpSpPr/>
+        <p:nvPr/>
+      </p:nvGrpSpPr>
+      <p:grpSpPr>
+        <a:xfrm>
+          <a:off x="0" y="0"/>
+          <a:ext cx="0" cy="0"/>
+          <a:chOff x="0" y="0"/>
+          <a:chExt cx="0" cy="0"/>
+        </a:xfrm>
+      </p:grpSpPr>
+      <p:sp>
+        <p:nvSpPr>
+          <p:cNvPr id="2" name="Title 1"/>
+          <p:cNvSpPr>
+            <a:spLocks noGrp="1"/>
+          </p:cNvSpPr>
+          <p:nvPr>
+            <p:ph type="title"/>
+          </p:nvPr>
+        </p:nvSpPr>
+        <p:spPr>
+          <a:xfrm>
+            <a:off x="345718" y="1386029"/>
+            <a:ext cx="10058400" cy="459705"/>
+          </a:xfrm>
+        </p:spPr>
+        <p:txBody>
+          <a:bodyPr>
+            <a:noAutofit/>
+          </a:bodyPr>
+          <a:lstStyle/>
+          <a:p>
+            <a:r>
               <a:rPr lang="en-US" sz="3000" dirty="0">
                 <a:latin typeface="DINPro" panose="02000503030000020004" pitchFamily="2" charset="0"/>
               </a:rPr>
@@ -19599,10 +20071,17 @@
   <p:clrMapOvr>
     <a:masterClrMapping/>
   </p:clrMapOvr>
+  <p:timing>
+    <p:tnLst>
+      <p:par>
+        <p:cTn id="1" dur="indefinite" restart="never" nodeType="tmRoot"/>
+      </p:par>
+    </p:tnLst>
+  </p:timing>
 </p:sld>
 </file>
 
-<file path=ppt/slides/slide37.xml><?xml version="1.0" encoding="utf-8"?>
+<file path=ppt/slides/slide38.xml><?xml version="1.0" encoding="utf-8"?>
 <p:sld xmlns:a="http://schemas.openxmlformats.org/drawingml/2006/main" xmlns:r="http://schemas.openxmlformats.org/officeDocument/2006/relationships" xmlns:p="http://schemas.openxmlformats.org/presentationml/2006/main" showMasterSp="0">
   <p:cSld>
     <p:bg>
@@ -19672,223 +20151,6 @@
 </p:sld>
 </file>
 
-<file path=ppt/slides/slide38.xml><?xml version="1.0" encoding="utf-8"?>
-<p:sld xmlns:a="http://schemas.openxmlformats.org/drawingml/2006/main" xmlns:r="http://schemas.openxmlformats.org/officeDocument/2006/relationships" xmlns:p="http://schemas.openxmlformats.org/presentationml/2006/main" showMasterSp="0">
-  <p:cSld>
-    <p:bg>
-      <p:bgPr>
-        <a:blipFill dpi="0" rotWithShape="1">
-          <a:blip r:embed="rId2" cstate="print">
-            <a:lum/>
-          </a:blip>
-          <a:srcRect/>
-          <a:stretch>
-            <a:fillRect/>
-          </a:stretch>
-        </a:blipFill>
-        <a:effectLst/>
-      </p:bgPr>
-    </p:bg>
-    <p:spTree>
-      <p:nvGrpSpPr>
-        <p:cNvPr id="1" name=""/>
-        <p:cNvGrpSpPr/>
-        <p:nvPr/>
-      </p:nvGrpSpPr>
-      <p:grpSpPr>
-        <a:xfrm>
-          <a:off x="0" y="0"/>
-          <a:ext cx="0" cy="0"/>
-          <a:chOff x="0" y="0"/>
-          <a:chExt cx="0" cy="0"/>
-        </a:xfrm>
-      </p:grpSpPr>
-      <p:sp>
-        <p:nvSpPr>
-          <p:cNvPr id="2" name="Title 1"/>
-          <p:cNvSpPr>
-            <a:spLocks noGrp="1"/>
-          </p:cNvSpPr>
-          <p:nvPr>
-            <p:ph type="title"/>
-          </p:nvPr>
-        </p:nvSpPr>
-        <p:spPr>
-          <a:xfrm>
-            <a:off x="370771" y="1207025"/>
-            <a:ext cx="10058400" cy="559913"/>
-          </a:xfrm>
-        </p:spPr>
-        <p:txBody>
-          <a:bodyPr>
-            <a:normAutofit/>
-          </a:bodyPr>
-          <a:lstStyle/>
-          <a:p>
-            <a:r>
-              <a:rPr lang="en-US" sz="3000" dirty="0" smtClean="0">
-                <a:latin typeface="DINPro" panose="02000503030000020004" pitchFamily="2" charset="0"/>
-              </a:rPr>
-              <a:t>What is Directives ???</a:t>
-            </a:r>
-            <a:endParaRPr lang="en-US" sz="3000" dirty="0">
-              <a:latin typeface="DINPro" panose="02000503030000020004" pitchFamily="2" charset="0"/>
-            </a:endParaRPr>
-          </a:p>
-        </p:txBody>
-      </p:sp>
-      <p:sp>
-        <p:nvSpPr>
-          <p:cNvPr id="3" name="Content Placeholder 2"/>
-          <p:cNvSpPr>
-            <a:spLocks noGrp="1"/>
-          </p:cNvSpPr>
-          <p:nvPr>
-            <p:ph idx="1"/>
-          </p:nvPr>
-        </p:nvSpPr>
-        <p:spPr>
-          <a:xfrm>
-            <a:off x="270563" y="1886952"/>
-            <a:ext cx="10058400" cy="4023360"/>
-          </a:xfrm>
-        </p:spPr>
-        <p:txBody>
-          <a:bodyPr>
-            <a:noAutofit/>
-          </a:bodyPr>
-          <a:lstStyle/>
-          <a:p>
-            <a:pPr lvl="1">
-              <a:buNone/>
-            </a:pPr>
-            <a:r>
-              <a:rPr lang="en-US" sz="2000" dirty="0" smtClean="0">
-                <a:latin typeface="DINPro" panose="02000503030000020004" pitchFamily="2" charset="0"/>
-              </a:rPr>
-              <a:t> used </a:t>
-            </a:r>
-            <a:r>
-              <a:rPr lang="en-US" sz="2000" dirty="0">
-                <a:latin typeface="DINPro" panose="02000503030000020004" pitchFamily="2" charset="0"/>
-              </a:rPr>
-              <a:t>to manipulate the DOM. </a:t>
-            </a:r>
-          </a:p>
-          <a:p>
-            <a:pPr lvl="1">
-              <a:buNone/>
-            </a:pPr>
-            <a:r>
-              <a:rPr lang="en-US" sz="2000" dirty="0" smtClean="0">
-                <a:latin typeface="DINPro" panose="02000503030000020004" pitchFamily="2" charset="0"/>
-              </a:rPr>
-              <a:t> you </a:t>
-            </a:r>
-            <a:r>
-              <a:rPr lang="en-US" sz="2000" dirty="0">
-                <a:latin typeface="DINPro" panose="02000503030000020004" pitchFamily="2" charset="0"/>
-              </a:rPr>
-              <a:t>can change the appearance, behavior or a layout of a DOM element. It also helps you to extend HTML</a:t>
-            </a:r>
-            <a:r>
-              <a:rPr lang="en-US" sz="2000" dirty="0" smtClean="0">
-                <a:latin typeface="DINPro" panose="02000503030000020004" pitchFamily="2" charset="0"/>
-              </a:rPr>
-              <a:t>.</a:t>
-            </a:r>
-          </a:p>
-          <a:p>
-            <a:pPr lvl="1">
-              <a:buNone/>
-            </a:pPr>
-            <a:r>
-              <a:rPr lang="en-US" sz="2000" dirty="0" smtClean="0">
-                <a:latin typeface="DINPro" panose="02000503030000020004" pitchFamily="2" charset="0"/>
-              </a:rPr>
-              <a:t>Code Modular &amp; Manageable – we can write code from separate the view. App logic </a:t>
-            </a:r>
-            <a:r>
-              <a:rPr lang="en-US" sz="2000" dirty="0" err="1" smtClean="0">
-                <a:latin typeface="DINPro" panose="02000503030000020004" pitchFamily="2" charset="0"/>
-              </a:rPr>
-              <a:t>seprately</a:t>
-            </a:r>
-            <a:endParaRPr lang="en-US" sz="2000" dirty="0" smtClean="0">
-              <a:latin typeface="DINPro" panose="02000503030000020004" pitchFamily="2" charset="0"/>
-            </a:endParaRPr>
-          </a:p>
-          <a:p>
-            <a:pPr lvl="1">
-              <a:buNone/>
-            </a:pPr>
-            <a:r>
-              <a:rPr lang="en-US" sz="2000" dirty="0" smtClean="0">
-                <a:latin typeface="DINPro" panose="02000503030000020004" pitchFamily="2" charset="0"/>
-              </a:rPr>
-              <a:t>Reusable code </a:t>
-            </a:r>
-            <a:endParaRPr lang="fr-FR" sz="2000" b="1" dirty="0" smtClean="0">
-              <a:latin typeface="DINPro" panose="02000503030000020004" pitchFamily="2" charset="0"/>
-            </a:endParaRPr>
-          </a:p>
-          <a:p>
-            <a:endParaRPr lang="en-US" b="1" dirty="0">
-              <a:latin typeface="DINPro" panose="02000503030000020004" pitchFamily="2" charset="0"/>
-            </a:endParaRPr>
-          </a:p>
-        </p:txBody>
-      </p:sp>
-      <p:pic>
-        <p:nvPicPr>
-          <p:cNvPr id="5" name="Picture 4"/>
-          <p:cNvPicPr>
-            <a:picLocks noChangeAspect="1"/>
-          </p:cNvPicPr>
-          <p:nvPr/>
-        </p:nvPicPr>
-        <p:blipFill>
-          <a:blip r:embed="rId3" cstate="print">
-            <a:extLst>
-              <a:ext uri="{28A0092B-C50C-407E-A947-70E740481C1C}">
-                <a14:useLocalDpi xmlns:a14="http://schemas.microsoft.com/office/drawing/2010/main" xmlns="" val="0"/>
-              </a:ext>
-            </a:extLst>
-          </a:blip>
-          <a:stretch>
-            <a:fillRect/>
-          </a:stretch>
-        </p:blipFill>
-        <p:spPr>
-          <a:xfrm>
-            <a:off x="3918983" y="3455817"/>
-            <a:ext cx="1904762" cy="1866667"/>
-          </a:xfrm>
-          <a:prstGeom prst="rect">
-            <a:avLst/>
-          </a:prstGeom>
-        </p:spPr>
-      </p:pic>
-    </p:spTree>
-    <p:extLst>
-      <p:ext uri="{BB962C8B-B14F-4D97-AF65-F5344CB8AC3E}">
-        <p14:creationId xmlns:p14="http://schemas.microsoft.com/office/powerpoint/2010/main" xmlns="" val="1189706594"/>
-      </p:ext>
-    </p:extLst>
-  </p:cSld>
-  <p:clrMapOvr>
-    <a:masterClrMapping/>
-  </p:clrMapOvr>
-  <p:timing>
-    <p:tnLst>
-      <p:par>
-        <p:cTn id="1" dur="indefinite" restart="never" nodeType="tmRoot"/>
-      </p:par>
-    </p:tnLst>
-  </p:timing>
-</p:sld>
-</file>
-
 <file path=ppt/slides/slide39.xml><?xml version="1.0" encoding="utf-8"?>
 <p:sld xmlns:a="http://schemas.openxmlformats.org/drawingml/2006/main" xmlns:r="http://schemas.openxmlformats.org/officeDocument/2006/relationships" xmlns:p="http://schemas.openxmlformats.org/presentationml/2006/main" showMasterSp="0">
   <p:cSld>
@@ -19946,7 +20208,7 @@
               <a:rPr lang="en-US" sz="3000" dirty="0" smtClean="0">
                 <a:latin typeface="DINPro" panose="02000503030000020004" pitchFamily="2" charset="0"/>
               </a:rPr>
-              <a:t>Types of Directives</a:t>
+              <a:t>What is Directives ???</a:t>
             </a:r>
             <a:endParaRPr lang="en-US" sz="3000" dirty="0">
               <a:latin typeface="DINPro" panose="02000503030000020004" pitchFamily="2" charset="0"/>
@@ -19977,189 +20239,19 @@
           <a:lstStyle/>
           <a:p>
             <a:pPr lvl="1">
-              <a:buFont typeface="Wingdings" pitchFamily="2" charset="2"/>
-              <a:buChar char="Ø"/>
-            </a:pPr>
-            <a:r>
-              <a:rPr lang="fr-FR" sz="2000" b="1" dirty="0" smtClean="0">
-                <a:latin typeface="DINPro" panose="02000503030000020004" pitchFamily="2" charset="0"/>
-              </a:rPr>
-              <a:t>Component </a:t>
-            </a:r>
-            <a:r>
-              <a:rPr lang="fr-FR" sz="2000" b="1" dirty="0">
-                <a:latin typeface="DINPro" panose="02000503030000020004" pitchFamily="2" charset="0"/>
-              </a:rPr>
-              <a:t>Directives </a:t>
-            </a:r>
-          </a:p>
-          <a:p>
-            <a:pPr lvl="2">
-              <a:buFontTx/>
-              <a:buChar char="-"/>
+              <a:buNone/>
             </a:pPr>
             <a:r>
               <a:rPr lang="en-US" sz="2000" dirty="0" smtClean="0">
                 <a:latin typeface="DINPro" panose="02000503030000020004" pitchFamily="2" charset="0"/>
               </a:rPr>
-              <a:t>@Component directives are used in main class. They contain the detail of how the component should be processed, instantiated and utilized at runtime.</a:t>
-            </a:r>
-          </a:p>
-          <a:p>
-            <a:pPr lvl="2">
-              <a:buFontTx/>
-              <a:buChar char="-"/>
-            </a:pPr>
-            <a:endParaRPr lang="fr-FR" sz="2000" dirty="0">
-              <a:latin typeface="DINPro" panose="02000503030000020004" pitchFamily="2" charset="0"/>
-            </a:endParaRPr>
-          </a:p>
-          <a:p>
-            <a:pPr lvl="1">
-              <a:buFont typeface="Wingdings" pitchFamily="2" charset="2"/>
-              <a:buChar char="Ø"/>
-            </a:pPr>
-            <a:r>
-              <a:rPr lang="fr-FR" sz="2000" dirty="0">
-                <a:latin typeface="DINPro" panose="02000503030000020004" pitchFamily="2" charset="0"/>
-              </a:rPr>
-              <a:t> </a:t>
-            </a:r>
-            <a:r>
-              <a:rPr lang="fr-FR" sz="2000" b="1" dirty="0">
-                <a:latin typeface="DINPro" panose="02000503030000020004" pitchFamily="2" charset="0"/>
-              </a:rPr>
-              <a:t>Structural Directives</a:t>
-            </a:r>
-          </a:p>
-          <a:p>
-            <a:pPr lvl="2">
-              <a:buFontTx/>
-              <a:buChar char="-"/>
-            </a:pPr>
-            <a:r>
-              <a:rPr lang="en-US" sz="2000" dirty="0" smtClean="0">
-                <a:latin typeface="DINPro" panose="02000503030000020004" pitchFamily="2" charset="0"/>
-              </a:rPr>
-              <a:t>*</a:t>
-            </a:r>
-            <a:r>
-              <a:rPr lang="en-US" sz="2000" dirty="0" err="1">
-                <a:latin typeface="DINPro" panose="02000503030000020004" pitchFamily="2" charset="0"/>
-              </a:rPr>
-              <a:t>ngIf</a:t>
+              <a:t> used </a:t>
             </a:r>
             <a:r>
               <a:rPr lang="en-US" sz="2000" dirty="0">
                 <a:latin typeface="DINPro" panose="02000503030000020004" pitchFamily="2" charset="0"/>
               </a:rPr>
-              <a:t> Directive, *</a:t>
-            </a:r>
-            <a:r>
-              <a:rPr lang="en-US" sz="2000" dirty="0" err="1">
-                <a:latin typeface="DINPro" panose="02000503030000020004" pitchFamily="2" charset="0"/>
-              </a:rPr>
-              <a:t>ngSwitch</a:t>
-            </a:r>
-            <a:r>
-              <a:rPr lang="en-US" sz="2000" dirty="0">
-                <a:latin typeface="DINPro" panose="02000503030000020004" pitchFamily="2" charset="0"/>
-              </a:rPr>
-              <a:t> Directive, *</a:t>
-            </a:r>
-            <a:r>
-              <a:rPr lang="en-US" sz="2000" dirty="0" err="1">
-                <a:latin typeface="DINPro" panose="02000503030000020004" pitchFamily="2" charset="0"/>
-              </a:rPr>
-              <a:t>ngFor</a:t>
-            </a:r>
-            <a:r>
-              <a:rPr lang="en-US" sz="2000" dirty="0">
-                <a:latin typeface="DINPro" panose="02000503030000020004" pitchFamily="2" charset="0"/>
-              </a:rPr>
-              <a:t> </a:t>
-            </a:r>
-            <a:r>
-              <a:rPr lang="en-US" sz="2000" dirty="0" smtClean="0">
-                <a:latin typeface="DINPro" panose="02000503030000020004" pitchFamily="2" charset="0"/>
-              </a:rPr>
-              <a:t>Directive</a:t>
-            </a:r>
-          </a:p>
-          <a:p>
-            <a:pPr lvl="2">
-              <a:buNone/>
-            </a:pPr>
-            <a:endParaRPr lang="fr-FR" sz="2000" dirty="0">
-              <a:latin typeface="DINPro" panose="02000503030000020004" pitchFamily="2" charset="0"/>
-            </a:endParaRPr>
-          </a:p>
-          <a:p>
-            <a:pPr lvl="1">
-              <a:buFont typeface="Wingdings" pitchFamily="2" charset="2"/>
-              <a:buChar char="Ø"/>
-            </a:pPr>
-            <a:r>
-              <a:rPr lang="fr-FR" sz="2000" b="1" dirty="0" err="1">
-                <a:latin typeface="DINPro" panose="02000503030000020004" pitchFamily="2" charset="0"/>
-              </a:rPr>
-              <a:t>Attribute</a:t>
-            </a:r>
-            <a:r>
-              <a:rPr lang="fr-FR" sz="2000" b="1" dirty="0">
-                <a:latin typeface="DINPro" panose="02000503030000020004" pitchFamily="2" charset="0"/>
-              </a:rPr>
-              <a:t> Directives </a:t>
-            </a:r>
-          </a:p>
-          <a:p>
-            <a:pPr lvl="2">
-              <a:buFontTx/>
-              <a:buChar char="-"/>
-            </a:pPr>
-            <a:r>
-              <a:rPr lang="en-US" sz="2000" dirty="0" err="1" smtClean="0">
-                <a:latin typeface="DINPro" panose="02000503030000020004" pitchFamily="2" charset="0"/>
-              </a:rPr>
-              <a:t>ngClass</a:t>
-            </a:r>
-            <a:r>
-              <a:rPr lang="en-US" sz="2000" dirty="0" smtClean="0">
-                <a:latin typeface="DINPro" panose="02000503030000020004" pitchFamily="2" charset="0"/>
-              </a:rPr>
-              <a:t> Directive, </a:t>
-            </a:r>
-            <a:r>
-              <a:rPr lang="en-US" sz="2000" dirty="0" err="1" smtClean="0">
-                <a:latin typeface="DINPro" panose="02000503030000020004" pitchFamily="2" charset="0"/>
-              </a:rPr>
-              <a:t>ngStyle</a:t>
-            </a:r>
-            <a:r>
-              <a:rPr lang="en-US" sz="2000" dirty="0" smtClean="0">
-                <a:latin typeface="DINPro" panose="02000503030000020004" pitchFamily="2" charset="0"/>
-              </a:rPr>
-              <a:t> Directive</a:t>
-            </a:r>
-          </a:p>
-          <a:p>
-            <a:pPr lvl="2">
-              <a:buNone/>
-            </a:pPr>
-            <a:endParaRPr lang="fr-FR" sz="2000" dirty="0" smtClean="0">
-              <a:latin typeface="DINPro" panose="02000503030000020004" pitchFamily="2" charset="0"/>
-            </a:endParaRPr>
-          </a:p>
-          <a:p>
-            <a:pPr lvl="1">
-              <a:buFont typeface="Wingdings" pitchFamily="2" charset="2"/>
-              <a:buChar char="Ø"/>
-            </a:pPr>
-            <a:r>
-              <a:rPr lang="fr-FR" sz="2000" b="1" dirty="0" smtClean="0">
-                <a:latin typeface="DINPro" panose="02000503030000020004" pitchFamily="2" charset="0"/>
-              </a:rPr>
-              <a:t>Custom Directives </a:t>
+              <a:t>to manipulate the DOM. </a:t>
             </a:r>
           </a:p>
           <a:p>
@@ -20170,13 +20262,36 @@
               <a:rPr lang="en-US" sz="2000" dirty="0" smtClean="0">
                 <a:latin typeface="DINPro" panose="02000503030000020004" pitchFamily="2" charset="0"/>
               </a:rPr>
-              <a:t>  - </a:t>
+              <a:t> you </a:t>
+            </a:r>
+            <a:r>
+              <a:rPr lang="en-US" sz="2000" dirty="0">
+                <a:latin typeface="DINPro" panose="02000503030000020004" pitchFamily="2" charset="0"/>
+              </a:rPr>
+              <a:t>can change the appearance, behavior or a layout of a DOM element. It also helps you to extend HTML</a:t>
+            </a:r>
+            <a:r>
+              <a:rPr lang="en-US" sz="2000" dirty="0" smtClean="0">
+                <a:latin typeface="DINPro" panose="02000503030000020004" pitchFamily="2" charset="0"/>
+              </a:rPr>
+              <a:t>.</a:t>
+            </a:r>
+          </a:p>
+          <a:p>
+            <a:pPr lvl="1">
+              <a:buNone/>
+            </a:pPr>
+            <a:r>
+              <a:rPr lang="en-US" sz="2000" dirty="0" smtClean="0">
+                <a:latin typeface="DINPro" panose="02000503030000020004" pitchFamily="2" charset="0"/>
+              </a:rPr>
+              <a:t>Code Modular &amp; Manageable – we can write code from separate the view. App logic </a:t>
             </a:r>
             <a:r>
               <a:rPr lang="en-US" sz="2000" dirty="0" err="1" smtClean="0">
                 <a:latin typeface="DINPro" panose="02000503030000020004" pitchFamily="2" charset="0"/>
               </a:rPr>
-              <a:t>CustomHighLighterDirective</a:t>
+              <a:t>seprately</a:t>
             </a:r>
             <a:endParaRPr lang="en-US" sz="2000" dirty="0" smtClean="0">
               <a:latin typeface="DINPro" panose="02000503030000020004" pitchFamily="2" charset="0"/>
@@ -20184,9 +20299,14 @@
           </a:p>
           <a:p>
             <a:pPr lvl="1">
-              <a:buFont typeface="Wingdings" pitchFamily="2" charset="2"/>
-              <a:buChar char="Ø"/>
-            </a:pPr>
+              <a:buNone/>
+            </a:pPr>
+            <a:r>
+              <a:rPr lang="en-US" sz="2000" dirty="0" smtClean="0">
+                <a:latin typeface="DINPro" panose="02000503030000020004" pitchFamily="2" charset="0"/>
+              </a:rPr>
+              <a:t>Reusable code </a:t>
+            </a:r>
             <a:endParaRPr lang="fr-FR" sz="2000" b="1" dirty="0" smtClean="0">
               <a:latin typeface="DINPro" panose="02000503030000020004" pitchFamily="2" charset="0"/>
             </a:endParaRPr>
@@ -20198,6 +20318,36 @@
           </a:p>
         </p:txBody>
       </p:sp>
+      <p:pic>
+        <p:nvPicPr>
+          <p:cNvPr id="5" name="Picture 4"/>
+          <p:cNvPicPr>
+            <a:picLocks noChangeAspect="1"/>
+          </p:cNvPicPr>
+          <p:nvPr/>
+        </p:nvPicPr>
+        <p:blipFill>
+          <a:blip r:embed="rId3" cstate="print">
+            <a:extLst>
+              <a:ext uri="{28A0092B-C50C-407E-A947-70E740481C1C}">
+                <a14:useLocalDpi xmlns:a14="http://schemas.microsoft.com/office/drawing/2010/main" xmlns="" val="0"/>
+              </a:ext>
+            </a:extLst>
+          </a:blip>
+          <a:stretch>
+            <a:fillRect/>
+          </a:stretch>
+        </p:blipFill>
+        <p:spPr>
+          <a:xfrm>
+            <a:off x="3918983" y="3455817"/>
+            <a:ext cx="1904762" cy="1866667"/>
+          </a:xfrm>
+          <a:prstGeom prst="rect">
+            <a:avLst/>
+          </a:prstGeom>
+        </p:spPr>
+      </p:pic>
     </p:spTree>
     <p:extLst>
       <p:ext uri="{BB962C8B-B14F-4D97-AF65-F5344CB8AC3E}">
@@ -20528,6 +20678,335 @@
       </p:grpSpPr>
       <p:sp>
         <p:nvSpPr>
+          <p:cNvPr id="2" name="Title 1"/>
+          <p:cNvSpPr>
+            <a:spLocks noGrp="1"/>
+          </p:cNvSpPr>
+          <p:nvPr>
+            <p:ph type="title"/>
+          </p:nvPr>
+        </p:nvSpPr>
+        <p:spPr>
+          <a:xfrm>
+            <a:off x="370771" y="1207025"/>
+            <a:ext cx="10058400" cy="559913"/>
+          </a:xfrm>
+        </p:spPr>
+        <p:txBody>
+          <a:bodyPr>
+            <a:normAutofit/>
+          </a:bodyPr>
+          <a:lstStyle/>
+          <a:p>
+            <a:r>
+              <a:rPr lang="en-US" sz="3000" dirty="0" smtClean="0">
+                <a:latin typeface="DINPro" panose="02000503030000020004" pitchFamily="2" charset="0"/>
+              </a:rPr>
+              <a:t>Types of Directives</a:t>
+            </a:r>
+            <a:endParaRPr lang="en-US" sz="3000" dirty="0">
+              <a:latin typeface="DINPro" panose="02000503030000020004" pitchFamily="2" charset="0"/>
+            </a:endParaRPr>
+          </a:p>
+        </p:txBody>
+      </p:sp>
+      <p:sp>
+        <p:nvSpPr>
+          <p:cNvPr id="3" name="Content Placeholder 2"/>
+          <p:cNvSpPr>
+            <a:spLocks noGrp="1"/>
+          </p:cNvSpPr>
+          <p:nvPr>
+            <p:ph idx="1"/>
+          </p:nvPr>
+        </p:nvSpPr>
+        <p:spPr>
+          <a:xfrm>
+            <a:off x="270563" y="1886952"/>
+            <a:ext cx="10058400" cy="4023360"/>
+          </a:xfrm>
+        </p:spPr>
+        <p:txBody>
+          <a:bodyPr>
+            <a:noAutofit/>
+          </a:bodyPr>
+          <a:lstStyle/>
+          <a:p>
+            <a:pPr lvl="1">
+              <a:buFont typeface="Wingdings" pitchFamily="2" charset="2"/>
+              <a:buChar char="Ø"/>
+            </a:pPr>
+            <a:r>
+              <a:rPr lang="fr-FR" sz="2000" b="1" dirty="0" smtClean="0">
+                <a:latin typeface="DINPro" panose="02000503030000020004" pitchFamily="2" charset="0"/>
+              </a:rPr>
+              <a:t>Component </a:t>
+            </a:r>
+            <a:r>
+              <a:rPr lang="fr-FR" sz="2000" b="1" dirty="0">
+                <a:latin typeface="DINPro" panose="02000503030000020004" pitchFamily="2" charset="0"/>
+              </a:rPr>
+              <a:t>Directives </a:t>
+            </a:r>
+          </a:p>
+          <a:p>
+            <a:pPr lvl="2">
+              <a:buFontTx/>
+              <a:buChar char="-"/>
+            </a:pPr>
+            <a:r>
+              <a:rPr lang="en-US" sz="2000" dirty="0" smtClean="0">
+                <a:latin typeface="DINPro" panose="02000503030000020004" pitchFamily="2" charset="0"/>
+              </a:rPr>
+              <a:t>@Component directives are used in main class. They contain the detail of how the component should be processed, instantiated and utilized at runtime.</a:t>
+            </a:r>
+          </a:p>
+          <a:p>
+            <a:pPr lvl="2">
+              <a:buFontTx/>
+              <a:buChar char="-"/>
+            </a:pPr>
+            <a:endParaRPr lang="fr-FR" sz="2000" dirty="0">
+              <a:latin typeface="DINPro" panose="02000503030000020004" pitchFamily="2" charset="0"/>
+            </a:endParaRPr>
+          </a:p>
+          <a:p>
+            <a:pPr lvl="1">
+              <a:buFont typeface="Wingdings" pitchFamily="2" charset="2"/>
+              <a:buChar char="Ø"/>
+            </a:pPr>
+            <a:r>
+              <a:rPr lang="fr-FR" sz="2000" dirty="0">
+                <a:latin typeface="DINPro" panose="02000503030000020004" pitchFamily="2" charset="0"/>
+              </a:rPr>
+              <a:t> </a:t>
+            </a:r>
+            <a:r>
+              <a:rPr lang="fr-FR" sz="2000" b="1" dirty="0">
+                <a:latin typeface="DINPro" panose="02000503030000020004" pitchFamily="2" charset="0"/>
+              </a:rPr>
+              <a:t>Structural Directives</a:t>
+            </a:r>
+          </a:p>
+          <a:p>
+            <a:pPr lvl="2">
+              <a:buFontTx/>
+              <a:buChar char="-"/>
+            </a:pPr>
+            <a:r>
+              <a:rPr lang="en-US" sz="2000" dirty="0" smtClean="0">
+                <a:latin typeface="DINPro" panose="02000503030000020004" pitchFamily="2" charset="0"/>
+              </a:rPr>
+              <a:t>*</a:t>
+            </a:r>
+            <a:r>
+              <a:rPr lang="en-US" sz="2000" dirty="0" err="1">
+                <a:latin typeface="DINPro" panose="02000503030000020004" pitchFamily="2" charset="0"/>
+              </a:rPr>
+              <a:t>ngIf</a:t>
+            </a:r>
+            <a:r>
+              <a:rPr lang="en-US" sz="2000" dirty="0">
+                <a:latin typeface="DINPro" panose="02000503030000020004" pitchFamily="2" charset="0"/>
+              </a:rPr>
+              <a:t> Directive, *</a:t>
+            </a:r>
+            <a:r>
+              <a:rPr lang="en-US" sz="2000" dirty="0" err="1">
+                <a:latin typeface="DINPro" panose="02000503030000020004" pitchFamily="2" charset="0"/>
+              </a:rPr>
+              <a:t>ngSwitch</a:t>
+            </a:r>
+            <a:r>
+              <a:rPr lang="en-US" sz="2000" dirty="0">
+                <a:latin typeface="DINPro" panose="02000503030000020004" pitchFamily="2" charset="0"/>
+              </a:rPr>
+              <a:t> Directive, *</a:t>
+            </a:r>
+            <a:r>
+              <a:rPr lang="en-US" sz="2000" dirty="0" err="1">
+                <a:latin typeface="DINPro" panose="02000503030000020004" pitchFamily="2" charset="0"/>
+              </a:rPr>
+              <a:t>ngFor</a:t>
+            </a:r>
+            <a:r>
+              <a:rPr lang="en-US" sz="2000" dirty="0">
+                <a:latin typeface="DINPro" panose="02000503030000020004" pitchFamily="2" charset="0"/>
+              </a:rPr>
+              <a:t> </a:t>
+            </a:r>
+            <a:r>
+              <a:rPr lang="en-US" sz="2000" dirty="0" smtClean="0">
+                <a:latin typeface="DINPro" panose="02000503030000020004" pitchFamily="2" charset="0"/>
+              </a:rPr>
+              <a:t>Directive</a:t>
+            </a:r>
+          </a:p>
+          <a:p>
+            <a:pPr lvl="2">
+              <a:buNone/>
+            </a:pPr>
+            <a:endParaRPr lang="fr-FR" sz="2000" dirty="0">
+              <a:latin typeface="DINPro" panose="02000503030000020004" pitchFamily="2" charset="0"/>
+            </a:endParaRPr>
+          </a:p>
+          <a:p>
+            <a:pPr lvl="1">
+              <a:buFont typeface="Wingdings" pitchFamily="2" charset="2"/>
+              <a:buChar char="Ø"/>
+            </a:pPr>
+            <a:r>
+              <a:rPr lang="fr-FR" sz="2000" b="1" dirty="0" err="1">
+                <a:latin typeface="DINPro" panose="02000503030000020004" pitchFamily="2" charset="0"/>
+              </a:rPr>
+              <a:t>Attribute</a:t>
+            </a:r>
+            <a:r>
+              <a:rPr lang="fr-FR" sz="2000" b="1" dirty="0">
+                <a:latin typeface="DINPro" panose="02000503030000020004" pitchFamily="2" charset="0"/>
+              </a:rPr>
+              <a:t> Directives </a:t>
+            </a:r>
+          </a:p>
+          <a:p>
+            <a:pPr lvl="2">
+              <a:buFontTx/>
+              <a:buChar char="-"/>
+            </a:pPr>
+            <a:r>
+              <a:rPr lang="en-US" sz="2000" dirty="0" err="1" smtClean="0">
+                <a:latin typeface="DINPro" panose="02000503030000020004" pitchFamily="2" charset="0"/>
+              </a:rPr>
+              <a:t>ngClass</a:t>
+            </a:r>
+            <a:r>
+              <a:rPr lang="en-US" sz="2000" dirty="0" smtClean="0">
+                <a:latin typeface="DINPro" panose="02000503030000020004" pitchFamily="2" charset="0"/>
+              </a:rPr>
+              <a:t> Directive, </a:t>
+            </a:r>
+            <a:r>
+              <a:rPr lang="en-US" sz="2000" dirty="0" err="1" smtClean="0">
+                <a:latin typeface="DINPro" panose="02000503030000020004" pitchFamily="2" charset="0"/>
+              </a:rPr>
+              <a:t>ngStyle</a:t>
+            </a:r>
+            <a:r>
+              <a:rPr lang="en-US" sz="2000" dirty="0" smtClean="0">
+                <a:latin typeface="DINPro" panose="02000503030000020004" pitchFamily="2" charset="0"/>
+              </a:rPr>
+              <a:t> Directive</a:t>
+            </a:r>
+          </a:p>
+          <a:p>
+            <a:pPr lvl="2">
+              <a:buNone/>
+            </a:pPr>
+            <a:endParaRPr lang="fr-FR" sz="2000" dirty="0" smtClean="0">
+              <a:latin typeface="DINPro" panose="02000503030000020004" pitchFamily="2" charset="0"/>
+            </a:endParaRPr>
+          </a:p>
+          <a:p>
+            <a:pPr lvl="1">
+              <a:buFont typeface="Wingdings" pitchFamily="2" charset="2"/>
+              <a:buChar char="Ø"/>
+            </a:pPr>
+            <a:r>
+              <a:rPr lang="fr-FR" sz="2000" b="1" dirty="0" smtClean="0">
+                <a:latin typeface="DINPro" panose="02000503030000020004" pitchFamily="2" charset="0"/>
+              </a:rPr>
+              <a:t>Custom Directives </a:t>
+            </a:r>
+          </a:p>
+          <a:p>
+            <a:pPr lvl="1">
+              <a:buNone/>
+            </a:pPr>
+            <a:r>
+              <a:rPr lang="en-US" sz="2000" dirty="0" smtClean="0">
+                <a:latin typeface="DINPro" panose="02000503030000020004" pitchFamily="2" charset="0"/>
+              </a:rPr>
+              <a:t>  - </a:t>
+            </a:r>
+            <a:r>
+              <a:rPr lang="en-US" sz="2000" dirty="0" err="1" smtClean="0">
+                <a:latin typeface="DINPro" panose="02000503030000020004" pitchFamily="2" charset="0"/>
+              </a:rPr>
+              <a:t>CustomHighLighterDirective</a:t>
+            </a:r>
+            <a:endParaRPr lang="en-US" sz="2000" dirty="0" smtClean="0">
+              <a:latin typeface="DINPro" panose="02000503030000020004" pitchFamily="2" charset="0"/>
+            </a:endParaRPr>
+          </a:p>
+          <a:p>
+            <a:pPr lvl="1">
+              <a:buFont typeface="Wingdings" pitchFamily="2" charset="2"/>
+              <a:buChar char="Ø"/>
+            </a:pPr>
+            <a:endParaRPr lang="fr-FR" sz="2000" b="1" dirty="0" smtClean="0">
+              <a:latin typeface="DINPro" panose="02000503030000020004" pitchFamily="2" charset="0"/>
+            </a:endParaRPr>
+          </a:p>
+          <a:p>
+            <a:endParaRPr lang="en-US" b="1" dirty="0">
+              <a:latin typeface="DINPro" panose="02000503030000020004" pitchFamily="2" charset="0"/>
+            </a:endParaRPr>
+          </a:p>
+        </p:txBody>
+      </p:sp>
+    </p:spTree>
+    <p:extLst>
+      <p:ext uri="{BB962C8B-B14F-4D97-AF65-F5344CB8AC3E}">
+        <p14:creationId xmlns:p14="http://schemas.microsoft.com/office/powerpoint/2010/main" xmlns="" val="1189706594"/>
+      </p:ext>
+    </p:extLst>
+  </p:cSld>
+  <p:clrMapOvr>
+    <a:masterClrMapping/>
+  </p:clrMapOvr>
+  <p:timing>
+    <p:tnLst>
+      <p:par>
+        <p:cTn id="1" dur="indefinite" restart="never" nodeType="tmRoot"/>
+      </p:par>
+    </p:tnLst>
+  </p:timing>
+</p:sld>
+</file>
+
+<file path=ppt/slides/slide41.xml><?xml version="1.0" encoding="utf-8"?>
+<p:sld xmlns:a="http://schemas.openxmlformats.org/drawingml/2006/main" xmlns:r="http://schemas.openxmlformats.org/officeDocument/2006/relationships" xmlns:p="http://schemas.openxmlformats.org/presentationml/2006/main" showMasterSp="0">
+  <p:cSld>
+    <p:bg>
+      <p:bgPr>
+        <a:blipFill dpi="0" rotWithShape="1">
+          <a:blip r:embed="rId2" cstate="print">
+            <a:lum/>
+          </a:blip>
+          <a:srcRect/>
+          <a:stretch>
+            <a:fillRect/>
+          </a:stretch>
+        </a:blipFill>
+        <a:effectLst/>
+      </p:bgPr>
+    </p:bg>
+    <p:spTree>
+      <p:nvGrpSpPr>
+        <p:cNvPr id="1" name=""/>
+        <p:cNvGrpSpPr/>
+        <p:nvPr/>
+      </p:nvGrpSpPr>
+      <p:grpSpPr>
+        <a:xfrm>
+          <a:off x="0" y="0"/>
+          <a:ext cx="0" cy="0"/>
+          <a:chOff x="0" y="0"/>
+          <a:chExt cx="0" cy="0"/>
+        </a:xfrm>
+      </p:grpSpPr>
+      <p:sp>
+        <p:nvSpPr>
           <p:cNvPr id="3" name="Content Placeholder 2"/>
           <p:cNvSpPr>
             <a:spLocks noGrp="1"/>
@@ -20607,7 +21086,7 @@
 </p:sld>
 </file>
 
-<file path=ppt/slides/slide41.xml><?xml version="1.0" encoding="utf-8"?>
+<file path=ppt/slides/slide42.xml><?xml version="1.0" encoding="utf-8"?>
 <p:sld xmlns:a="http://schemas.openxmlformats.org/drawingml/2006/main" xmlns:r="http://schemas.openxmlformats.org/officeDocument/2006/relationships" xmlns:p="http://schemas.openxmlformats.org/presentationml/2006/main" showMasterSp="0">
   <p:cSld>
     <p:bg>
@@ -20782,335 +21261,6 @@
         </p:txBody>
       </p:sp>
     </p:spTree>
-  </p:cSld>
-  <p:clrMapOvr>
-    <a:masterClrMapping/>
-  </p:clrMapOvr>
-  <p:timing>
-    <p:tnLst>
-      <p:par>
-        <p:cTn id="1" dur="indefinite" restart="never" nodeType="tmRoot"/>
-      </p:par>
-    </p:tnLst>
-  </p:timing>
-</p:sld>
-</file>
-
-<file path=ppt/slides/slide42.xml><?xml version="1.0" encoding="utf-8"?>
-<p:sld xmlns:a="http://schemas.openxmlformats.org/drawingml/2006/main" xmlns:r="http://schemas.openxmlformats.org/officeDocument/2006/relationships" xmlns:p="http://schemas.openxmlformats.org/presentationml/2006/main" showMasterSp="0">
-  <p:cSld>
-    <p:bg>
-      <p:bgPr>
-        <a:blipFill dpi="0" rotWithShape="1">
-          <a:blip r:embed="rId2" cstate="print">
-            <a:lum/>
-          </a:blip>
-          <a:srcRect/>
-          <a:stretch>
-            <a:fillRect/>
-          </a:stretch>
-        </a:blipFill>
-        <a:effectLst/>
-      </p:bgPr>
-    </p:bg>
-    <p:spTree>
-      <p:nvGrpSpPr>
-        <p:cNvPr id="1" name=""/>
-        <p:cNvGrpSpPr/>
-        <p:nvPr/>
-      </p:nvGrpSpPr>
-      <p:grpSpPr>
-        <a:xfrm>
-          <a:off x="0" y="0"/>
-          <a:ext cx="0" cy="0"/>
-          <a:chOff x="0" y="0"/>
-          <a:chExt cx="0" cy="0"/>
-        </a:xfrm>
-      </p:grpSpPr>
-      <p:sp>
-        <p:nvSpPr>
-          <p:cNvPr id="2" name="Title 1"/>
-          <p:cNvSpPr>
-            <a:spLocks noGrp="1"/>
-          </p:cNvSpPr>
-          <p:nvPr>
-            <p:ph type="title"/>
-          </p:nvPr>
-        </p:nvSpPr>
-        <p:spPr>
-          <a:xfrm>
-            <a:off x="370771" y="1207025"/>
-            <a:ext cx="10058400" cy="559913"/>
-          </a:xfrm>
-        </p:spPr>
-        <p:txBody>
-          <a:bodyPr>
-            <a:normAutofit/>
-          </a:bodyPr>
-          <a:lstStyle/>
-          <a:p>
-            <a:r>
-              <a:rPr lang="en-US" sz="3000" dirty="0" smtClean="0">
-                <a:latin typeface="DINPro" panose="02000503030000020004" pitchFamily="2" charset="0"/>
-              </a:rPr>
-              <a:t>Types of Directives</a:t>
-            </a:r>
-            <a:endParaRPr lang="en-US" sz="3000" dirty="0">
-              <a:latin typeface="DINPro" panose="02000503030000020004" pitchFamily="2" charset="0"/>
-            </a:endParaRPr>
-          </a:p>
-        </p:txBody>
-      </p:sp>
-      <p:sp>
-        <p:nvSpPr>
-          <p:cNvPr id="3" name="Content Placeholder 2"/>
-          <p:cNvSpPr>
-            <a:spLocks noGrp="1"/>
-          </p:cNvSpPr>
-          <p:nvPr>
-            <p:ph idx="1"/>
-          </p:nvPr>
-        </p:nvSpPr>
-        <p:spPr>
-          <a:xfrm>
-            <a:off x="270563" y="1886952"/>
-            <a:ext cx="10058400" cy="4023360"/>
-          </a:xfrm>
-        </p:spPr>
-        <p:txBody>
-          <a:bodyPr>
-            <a:noAutofit/>
-          </a:bodyPr>
-          <a:lstStyle/>
-          <a:p>
-            <a:pPr lvl="1">
-              <a:buFont typeface="Wingdings" pitchFamily="2" charset="2"/>
-              <a:buChar char="Ø"/>
-            </a:pPr>
-            <a:r>
-              <a:rPr lang="fr-FR" sz="2000" b="1" dirty="0" smtClean="0">
-                <a:latin typeface="DINPro" panose="02000503030000020004" pitchFamily="2" charset="0"/>
-              </a:rPr>
-              <a:t>Component </a:t>
-            </a:r>
-            <a:r>
-              <a:rPr lang="fr-FR" sz="2000" b="1" dirty="0">
-                <a:latin typeface="DINPro" panose="02000503030000020004" pitchFamily="2" charset="0"/>
-              </a:rPr>
-              <a:t>Directives </a:t>
-            </a:r>
-          </a:p>
-          <a:p>
-            <a:pPr lvl="2">
-              <a:buFontTx/>
-              <a:buChar char="-"/>
-            </a:pPr>
-            <a:r>
-              <a:rPr lang="en-US" sz="2000" dirty="0" smtClean="0">
-                <a:latin typeface="DINPro" panose="02000503030000020004" pitchFamily="2" charset="0"/>
-              </a:rPr>
-              <a:t>@Component directives are used in main class. They contain the detail of how the component should be processed, instantiated and utilized at runtime.</a:t>
-            </a:r>
-          </a:p>
-          <a:p>
-            <a:pPr lvl="2">
-              <a:buFontTx/>
-              <a:buChar char="-"/>
-            </a:pPr>
-            <a:endParaRPr lang="fr-FR" sz="2000" dirty="0">
-              <a:latin typeface="DINPro" panose="02000503030000020004" pitchFamily="2" charset="0"/>
-            </a:endParaRPr>
-          </a:p>
-          <a:p>
-            <a:pPr lvl="1">
-              <a:buFont typeface="Wingdings" pitchFamily="2" charset="2"/>
-              <a:buChar char="Ø"/>
-            </a:pPr>
-            <a:r>
-              <a:rPr lang="fr-FR" sz="2000" dirty="0">
-                <a:latin typeface="DINPro" panose="02000503030000020004" pitchFamily="2" charset="0"/>
-              </a:rPr>
-              <a:t> </a:t>
-            </a:r>
-            <a:r>
-              <a:rPr lang="fr-FR" sz="2000" b="1" dirty="0">
-                <a:latin typeface="DINPro" panose="02000503030000020004" pitchFamily="2" charset="0"/>
-              </a:rPr>
-              <a:t>Structural Directives</a:t>
-            </a:r>
-          </a:p>
-          <a:p>
-            <a:pPr lvl="2">
-              <a:buFontTx/>
-              <a:buChar char="-"/>
-            </a:pPr>
-            <a:r>
-              <a:rPr lang="en-US" sz="2000" dirty="0" smtClean="0">
-                <a:latin typeface="DINPro" panose="02000503030000020004" pitchFamily="2" charset="0"/>
-              </a:rPr>
-              <a:t>*</a:t>
-            </a:r>
-            <a:r>
-              <a:rPr lang="en-US" sz="2000" dirty="0" err="1">
-                <a:latin typeface="DINPro" panose="02000503030000020004" pitchFamily="2" charset="0"/>
-              </a:rPr>
-              <a:t>ngIf</a:t>
-            </a:r>
-            <a:r>
-              <a:rPr lang="en-US" sz="2000" dirty="0">
-                <a:latin typeface="DINPro" panose="02000503030000020004" pitchFamily="2" charset="0"/>
-              </a:rPr>
-              <a:t> Directive, *</a:t>
-            </a:r>
-            <a:r>
-              <a:rPr lang="en-US" sz="2000" dirty="0" err="1">
-                <a:latin typeface="DINPro" panose="02000503030000020004" pitchFamily="2" charset="0"/>
-              </a:rPr>
-              <a:t>ngSwitch</a:t>
-            </a:r>
-            <a:r>
-              <a:rPr lang="en-US" sz="2000" dirty="0">
-                <a:latin typeface="DINPro" panose="02000503030000020004" pitchFamily="2" charset="0"/>
-              </a:rPr>
-              <a:t> Directive, *</a:t>
-            </a:r>
-            <a:r>
-              <a:rPr lang="en-US" sz="2000" dirty="0" err="1">
-                <a:latin typeface="DINPro" panose="02000503030000020004" pitchFamily="2" charset="0"/>
-              </a:rPr>
-              <a:t>ngFor</a:t>
-            </a:r>
-            <a:r>
-              <a:rPr lang="en-US" sz="2000" dirty="0">
-                <a:latin typeface="DINPro" panose="02000503030000020004" pitchFamily="2" charset="0"/>
-              </a:rPr>
-              <a:t> </a:t>
-            </a:r>
-            <a:r>
-              <a:rPr lang="en-US" sz="2000" dirty="0" smtClean="0">
-                <a:latin typeface="DINPro" panose="02000503030000020004" pitchFamily="2" charset="0"/>
-              </a:rPr>
-              <a:t>Directive</a:t>
-            </a:r>
-          </a:p>
-          <a:p>
-            <a:pPr lvl="2">
-              <a:buNone/>
-            </a:pPr>
-            <a:endParaRPr lang="fr-FR" sz="2000" dirty="0">
-              <a:latin typeface="DINPro" panose="02000503030000020004" pitchFamily="2" charset="0"/>
-            </a:endParaRPr>
-          </a:p>
-          <a:p>
-            <a:pPr lvl="1">
-              <a:buFont typeface="Wingdings" pitchFamily="2" charset="2"/>
-              <a:buChar char="Ø"/>
-            </a:pPr>
-            <a:r>
-              <a:rPr lang="fr-FR" sz="2000" b="1" dirty="0" err="1">
-                <a:latin typeface="DINPro" panose="02000503030000020004" pitchFamily="2" charset="0"/>
-              </a:rPr>
-              <a:t>Attribute</a:t>
-            </a:r>
-            <a:r>
-              <a:rPr lang="fr-FR" sz="2000" b="1" dirty="0">
-                <a:latin typeface="DINPro" panose="02000503030000020004" pitchFamily="2" charset="0"/>
-              </a:rPr>
-              <a:t> Directives </a:t>
-            </a:r>
-          </a:p>
-          <a:p>
-            <a:pPr lvl="2">
-              <a:buFontTx/>
-              <a:buChar char="-"/>
-            </a:pPr>
-            <a:r>
-              <a:rPr lang="en-US" sz="2000" dirty="0" err="1" smtClean="0">
-                <a:latin typeface="DINPro" panose="02000503030000020004" pitchFamily="2" charset="0"/>
-              </a:rPr>
-              <a:t>ngClass</a:t>
-            </a:r>
-            <a:r>
-              <a:rPr lang="en-US" sz="2000" dirty="0" smtClean="0">
-                <a:latin typeface="DINPro" panose="02000503030000020004" pitchFamily="2" charset="0"/>
-              </a:rPr>
-              <a:t> Directive, </a:t>
-            </a:r>
-            <a:r>
-              <a:rPr lang="en-US" sz="2000" dirty="0" err="1" smtClean="0">
-                <a:latin typeface="DINPro" panose="02000503030000020004" pitchFamily="2" charset="0"/>
-              </a:rPr>
-              <a:t>ngStyle</a:t>
-            </a:r>
-            <a:r>
-              <a:rPr lang="en-US" sz="2000" dirty="0" smtClean="0">
-                <a:latin typeface="DINPro" panose="02000503030000020004" pitchFamily="2" charset="0"/>
-              </a:rPr>
-              <a:t> Directive</a:t>
-            </a:r>
-          </a:p>
-          <a:p>
-            <a:pPr lvl="2">
-              <a:buNone/>
-            </a:pPr>
-            <a:endParaRPr lang="fr-FR" sz="2000" dirty="0" smtClean="0">
-              <a:latin typeface="DINPro" panose="02000503030000020004" pitchFamily="2" charset="0"/>
-            </a:endParaRPr>
-          </a:p>
-          <a:p>
-            <a:pPr lvl="1">
-              <a:buFont typeface="Wingdings" pitchFamily="2" charset="2"/>
-              <a:buChar char="Ø"/>
-            </a:pPr>
-            <a:r>
-              <a:rPr lang="fr-FR" sz="2000" b="1" dirty="0" smtClean="0">
-                <a:latin typeface="DINPro" panose="02000503030000020004" pitchFamily="2" charset="0"/>
-              </a:rPr>
-              <a:t>Custom Directives </a:t>
-            </a:r>
-          </a:p>
-          <a:p>
-            <a:pPr lvl="1">
-              <a:buNone/>
-            </a:pPr>
-            <a:r>
-              <a:rPr lang="en-US" sz="2000" dirty="0" smtClean="0">
-                <a:latin typeface="DINPro" panose="02000503030000020004" pitchFamily="2" charset="0"/>
-              </a:rPr>
-              <a:t>  - </a:t>
-            </a:r>
-            <a:r>
-              <a:rPr lang="en-US" sz="2000" dirty="0" err="1" smtClean="0">
-                <a:latin typeface="DINPro" panose="02000503030000020004" pitchFamily="2" charset="0"/>
-              </a:rPr>
-              <a:t>CustomHighLighterDirective</a:t>
-            </a:r>
-            <a:endParaRPr lang="en-US" sz="2000" dirty="0" smtClean="0">
-              <a:latin typeface="DINPro" panose="02000503030000020004" pitchFamily="2" charset="0"/>
-            </a:endParaRPr>
-          </a:p>
-          <a:p>
-            <a:pPr lvl="1">
-              <a:buFont typeface="Wingdings" pitchFamily="2" charset="2"/>
-              <a:buChar char="Ø"/>
-            </a:pPr>
-            <a:endParaRPr lang="fr-FR" sz="2000" b="1" dirty="0" smtClean="0">
-              <a:latin typeface="DINPro" panose="02000503030000020004" pitchFamily="2" charset="0"/>
-            </a:endParaRPr>
-          </a:p>
-          <a:p>
-            <a:endParaRPr lang="en-US" b="1" dirty="0">
-              <a:latin typeface="DINPro" panose="02000503030000020004" pitchFamily="2" charset="0"/>
-            </a:endParaRPr>
-          </a:p>
-        </p:txBody>
-      </p:sp>
-    </p:spTree>
-    <p:extLst>
-      <p:ext uri="{BB962C8B-B14F-4D97-AF65-F5344CB8AC3E}">
-        <p14:creationId xmlns:p14="http://schemas.microsoft.com/office/powerpoint/2010/main" xmlns="" val="1189706594"/>
-      </p:ext>
-    </p:extLst>
   </p:cSld>
   <p:clrMapOvr>
     <a:masterClrMapping/>
@@ -21182,7 +21332,7 @@
               <a:rPr lang="en-US" sz="3000" dirty="0" smtClean="0">
                 <a:latin typeface="DINPro" panose="02000503030000020004" pitchFamily="2" charset="0"/>
               </a:rPr>
-              <a:t>How to use in code?</a:t>
+              <a:t>Types of Directives</a:t>
             </a:r>
             <a:endParaRPr lang="en-US" sz="3000" dirty="0">
               <a:latin typeface="DINPro" panose="02000503030000020004" pitchFamily="2" charset="0"/>
@@ -21212,8 +21362,39 @@
           </a:bodyPr>
           <a:lstStyle/>
           <a:p>
+            <a:pPr lvl="1">
+              <a:buFont typeface="Wingdings" pitchFamily="2" charset="2"/>
+              <a:buChar char="Ø"/>
+            </a:pPr>
+            <a:r>
+              <a:rPr lang="fr-FR" sz="2000" b="1" dirty="0" smtClean="0">
+                <a:latin typeface="DINPro" panose="02000503030000020004" pitchFamily="2" charset="0"/>
+              </a:rPr>
+              <a:t>Component </a:t>
+            </a:r>
+            <a:r>
+              <a:rPr lang="fr-FR" sz="2000" b="1" dirty="0">
+                <a:latin typeface="DINPro" panose="02000503030000020004" pitchFamily="2" charset="0"/>
+              </a:rPr>
+              <a:t>Directives </a:t>
+            </a:r>
+          </a:p>
+          <a:p>
             <a:pPr lvl="2">
-              <a:buNone/>
+              <a:buFontTx/>
+              <a:buChar char="-"/>
+            </a:pPr>
+            <a:r>
+              <a:rPr lang="en-US" sz="2000" dirty="0" smtClean="0">
+                <a:latin typeface="DINPro" panose="02000503030000020004" pitchFamily="2" charset="0"/>
+              </a:rPr>
+              <a:t>@Component directives are used in main class. They contain the detail of how the component should be processed, instantiated and utilized at runtime.</a:t>
+            </a:r>
+          </a:p>
+          <a:p>
+            <a:pPr lvl="2">
+              <a:buFontTx/>
+              <a:buChar char="-"/>
             </a:pPr>
             <a:endParaRPr lang="fr-FR" sz="2000" dirty="0">
               <a:latin typeface="DINPro" panose="02000503030000020004" pitchFamily="2" charset="0"/>
@@ -21225,16 +21406,16 @@
               <a:buChar char="Ø"/>
             </a:pPr>
             <a:r>
-              <a:rPr lang="fr-FR" sz="2000" b="1" dirty="0" err="1">
-                <a:latin typeface="DINPro" panose="02000503030000020004" pitchFamily="2" charset="0"/>
-              </a:rPr>
-              <a:t>Attribute</a:t>
+              <a:rPr lang="fr-FR" sz="2000" dirty="0">
+                <a:latin typeface="DINPro" panose="02000503030000020004" pitchFamily="2" charset="0"/>
+              </a:rPr>
+              <a:t> </a:t>
             </a:r>
             <a:r>
               <a:rPr lang="fr-FR" sz="2000" b="1" dirty="0">
                 <a:latin typeface="DINPro" panose="02000503030000020004" pitchFamily="2" charset="0"/>
               </a:rPr>
-              <a:t> Directives </a:t>
+              <a:t>Structural Directives</a:t>
             </a:r>
           </a:p>
           <a:p>
@@ -21243,16 +21424,78 @@
               <a:buChar char="-"/>
             </a:pPr>
             <a:r>
-              <a:rPr lang="en-US" sz="2000" dirty="0" err="1" smtClean="0">
-                <a:latin typeface="DINPro" panose="02000503030000020004" pitchFamily="2" charset="0"/>
-              </a:rPr>
-              <a:t>ngClass</a:t>
-            </a:r>
-            <a:r>
               <a:rPr lang="en-US" sz="2000" dirty="0" smtClean="0">
                 <a:latin typeface="DINPro" panose="02000503030000020004" pitchFamily="2" charset="0"/>
               </a:rPr>
-              <a:t> Directive</a:t>
+              <a:t>*</a:t>
+            </a:r>
+            <a:r>
+              <a:rPr lang="en-US" sz="2000" dirty="0" err="1">
+                <a:latin typeface="DINPro" panose="02000503030000020004" pitchFamily="2" charset="0"/>
+              </a:rPr>
+              <a:t>ngIf</a:t>
+            </a:r>
+            <a:r>
+              <a:rPr lang="en-US" sz="2000" dirty="0">
+                <a:latin typeface="DINPro" panose="02000503030000020004" pitchFamily="2" charset="0"/>
+              </a:rPr>
+              <a:t> Directive, *</a:t>
+            </a:r>
+            <a:r>
+              <a:rPr lang="en-US" sz="2000" dirty="0" err="1">
+                <a:latin typeface="DINPro" panose="02000503030000020004" pitchFamily="2" charset="0"/>
+              </a:rPr>
+              <a:t>ngSwitch</a:t>
+            </a:r>
+            <a:r>
+              <a:rPr lang="en-US" sz="2000" dirty="0">
+                <a:latin typeface="DINPro" panose="02000503030000020004" pitchFamily="2" charset="0"/>
+              </a:rPr>
+              <a:t> Directive, *</a:t>
+            </a:r>
+            <a:r>
+              <a:rPr lang="en-US" sz="2000" dirty="0" err="1">
+                <a:latin typeface="DINPro" panose="02000503030000020004" pitchFamily="2" charset="0"/>
+              </a:rPr>
+              <a:t>ngFor</a:t>
+            </a:r>
+            <a:r>
+              <a:rPr lang="en-US" sz="2000" dirty="0">
+                <a:latin typeface="DINPro" panose="02000503030000020004" pitchFamily="2" charset="0"/>
+              </a:rPr>
+              <a:t> </a:t>
+            </a:r>
+            <a:r>
+              <a:rPr lang="en-US" sz="2000" dirty="0" smtClean="0">
+                <a:latin typeface="DINPro" panose="02000503030000020004" pitchFamily="2" charset="0"/>
+              </a:rPr>
+              <a:t>Directive</a:t>
+            </a:r>
+          </a:p>
+          <a:p>
+            <a:pPr lvl="2">
+              <a:buNone/>
+            </a:pPr>
+            <a:endParaRPr lang="fr-FR" sz="2000" dirty="0">
+              <a:latin typeface="DINPro" panose="02000503030000020004" pitchFamily="2" charset="0"/>
+            </a:endParaRPr>
+          </a:p>
+          <a:p>
+            <a:pPr lvl="1">
+              <a:buFont typeface="Wingdings" pitchFamily="2" charset="2"/>
+              <a:buChar char="Ø"/>
+            </a:pPr>
+            <a:r>
+              <a:rPr lang="fr-FR" sz="2000" b="1" dirty="0" err="1">
+                <a:latin typeface="DINPro" panose="02000503030000020004" pitchFamily="2" charset="0"/>
+              </a:rPr>
+              <a:t>Attribute</a:t>
+            </a:r>
+            <a:r>
+              <a:rPr lang="fr-FR" sz="2000" b="1" dirty="0">
+                <a:latin typeface="DINPro" panose="02000503030000020004" pitchFamily="2" charset="0"/>
+              </a:rPr>
+              <a:t> Directives </a:t>
             </a:r>
           </a:p>
           <a:p>
@@ -21264,6 +21507,18 @@
               <a:rPr lang="en-US" sz="2000" dirty="0" err="1" smtClean="0">
                 <a:latin typeface="DINPro" panose="02000503030000020004" pitchFamily="2" charset="0"/>
               </a:rPr>
+              <a:t>ngClass</a:t>
+            </a:r>
+            <a:r>
+              <a:rPr lang="en-US" sz="2000" dirty="0" smtClean="0">
+                <a:latin typeface="DINPro" panose="02000503030000020004" pitchFamily="2" charset="0"/>
+              </a:rPr>
+              <a:t> Directive, </a:t>
+            </a:r>
+            <a:r>
+              <a:rPr lang="en-US" sz="2000" dirty="0" err="1" smtClean="0">
+                <a:latin typeface="DINPro" panose="02000503030000020004" pitchFamily="2" charset="0"/>
+              </a:rPr>
               <a:t>ngStyle</a:t>
             </a:r>
             <a:r>
@@ -21315,38 +21570,9 @@
           </a:p>
           <a:p>
             <a:pPr lvl="1">
-              <a:buNone/>
-            </a:pPr>
-            <a:r>
-              <a:rPr lang="en-US" sz="2000" dirty="0" smtClean="0">
-                <a:latin typeface="DINPro" panose="02000503030000020004" pitchFamily="2" charset="0"/>
-              </a:rPr>
-              <a:t>  - </a:t>
-            </a:r>
-            <a:r>
-              <a:rPr lang="en-US" sz="2000" dirty="0" err="1" smtClean="0">
-                <a:latin typeface="DINPro" panose="02000503030000020004" pitchFamily="2" charset="0"/>
-              </a:rPr>
-              <a:t>ng</a:t>
-            </a:r>
-            <a:r>
-              <a:rPr lang="en-US" sz="2000" dirty="0" smtClean="0">
-                <a:latin typeface="DINPro" panose="02000503030000020004" pitchFamily="2" charset="0"/>
-              </a:rPr>
-              <a:t> g d </a:t>
-            </a:r>
-            <a:r>
-              <a:rPr lang="en-US" sz="2000" dirty="0" err="1" smtClean="0">
-                <a:latin typeface="DINPro" panose="02000503030000020004" pitchFamily="2" charset="0"/>
-              </a:rPr>
-              <a:t>directiveName</a:t>
-            </a:r>
-            <a:r>
-              <a:rPr lang="en-US" sz="2000" dirty="0" smtClean="0">
-                <a:latin typeface="DINPro" panose="02000503030000020004" pitchFamily="2" charset="0"/>
-              </a:rPr>
-              <a:t> options</a:t>
-            </a:r>
+              <a:buFont typeface="Wingdings" pitchFamily="2" charset="2"/>
+              <a:buChar char="Ø"/>
+            </a:pPr>
             <a:endParaRPr lang="fr-FR" sz="2000" b="1" dirty="0" smtClean="0">
               <a:latin typeface="DINPro" panose="02000503030000020004" pitchFamily="2" charset="0"/>
             </a:endParaRPr>
@@ -21379,6 +21605,259 @@
 </file>
 
 <file path=ppt/slides/slide44.xml><?xml version="1.0" encoding="utf-8"?>
+<p:sld xmlns:a="http://schemas.openxmlformats.org/drawingml/2006/main" xmlns:r="http://schemas.openxmlformats.org/officeDocument/2006/relationships" xmlns:p="http://schemas.openxmlformats.org/presentationml/2006/main" showMasterSp="0">
+  <p:cSld>
+    <p:bg>
+      <p:bgPr>
+        <a:blipFill dpi="0" rotWithShape="1">
+          <a:blip r:embed="rId2" cstate="print">
+            <a:lum/>
+          </a:blip>
+          <a:srcRect/>
+          <a:stretch>
+            <a:fillRect/>
+          </a:stretch>
+        </a:blipFill>
+        <a:effectLst/>
+      </p:bgPr>
+    </p:bg>
+    <p:spTree>
+      <p:nvGrpSpPr>
+        <p:cNvPr id="1" name=""/>
+        <p:cNvGrpSpPr/>
+        <p:nvPr/>
+      </p:nvGrpSpPr>
+      <p:grpSpPr>
+        <a:xfrm>
+          <a:off x="0" y="0"/>
+          <a:ext cx="0" cy="0"/>
+          <a:chOff x="0" y="0"/>
+          <a:chExt cx="0" cy="0"/>
+        </a:xfrm>
+      </p:grpSpPr>
+      <p:sp>
+        <p:nvSpPr>
+          <p:cNvPr id="2" name="Title 1"/>
+          <p:cNvSpPr>
+            <a:spLocks noGrp="1"/>
+          </p:cNvSpPr>
+          <p:nvPr>
+            <p:ph type="title"/>
+          </p:nvPr>
+        </p:nvSpPr>
+        <p:spPr>
+          <a:xfrm>
+            <a:off x="370771" y="1207025"/>
+            <a:ext cx="10058400" cy="559913"/>
+          </a:xfrm>
+        </p:spPr>
+        <p:txBody>
+          <a:bodyPr>
+            <a:normAutofit/>
+          </a:bodyPr>
+          <a:lstStyle/>
+          <a:p>
+            <a:r>
+              <a:rPr lang="en-US" sz="3000" dirty="0" smtClean="0">
+                <a:latin typeface="DINPro" panose="02000503030000020004" pitchFamily="2" charset="0"/>
+              </a:rPr>
+              <a:t>How to use in code?</a:t>
+            </a:r>
+            <a:endParaRPr lang="en-US" sz="3000" dirty="0">
+              <a:latin typeface="DINPro" panose="02000503030000020004" pitchFamily="2" charset="0"/>
+            </a:endParaRPr>
+          </a:p>
+        </p:txBody>
+      </p:sp>
+      <p:sp>
+        <p:nvSpPr>
+          <p:cNvPr id="3" name="Content Placeholder 2"/>
+          <p:cNvSpPr>
+            <a:spLocks noGrp="1"/>
+          </p:cNvSpPr>
+          <p:nvPr>
+            <p:ph idx="1"/>
+          </p:nvPr>
+        </p:nvSpPr>
+        <p:spPr>
+          <a:xfrm>
+            <a:off x="270563" y="1886952"/>
+            <a:ext cx="10058400" cy="4023360"/>
+          </a:xfrm>
+        </p:spPr>
+        <p:txBody>
+          <a:bodyPr>
+            <a:noAutofit/>
+          </a:bodyPr>
+          <a:lstStyle/>
+          <a:p>
+            <a:pPr lvl="2">
+              <a:buNone/>
+            </a:pPr>
+            <a:endParaRPr lang="fr-FR" sz="2000" dirty="0">
+              <a:latin typeface="DINPro" panose="02000503030000020004" pitchFamily="2" charset="0"/>
+            </a:endParaRPr>
+          </a:p>
+          <a:p>
+            <a:pPr lvl="1">
+              <a:buFont typeface="Wingdings" pitchFamily="2" charset="2"/>
+              <a:buChar char="Ø"/>
+            </a:pPr>
+            <a:r>
+              <a:rPr lang="fr-FR" sz="2000" b="1" dirty="0" err="1">
+                <a:latin typeface="DINPro" panose="02000503030000020004" pitchFamily="2" charset="0"/>
+              </a:rPr>
+              <a:t>Attribute</a:t>
+            </a:r>
+            <a:r>
+              <a:rPr lang="fr-FR" sz="2000" b="1" dirty="0">
+                <a:latin typeface="DINPro" panose="02000503030000020004" pitchFamily="2" charset="0"/>
+              </a:rPr>
+              <a:t> Directives </a:t>
+            </a:r>
+          </a:p>
+          <a:p>
+            <a:pPr lvl="2">
+              <a:buFontTx/>
+              <a:buChar char="-"/>
+            </a:pPr>
+            <a:r>
+              <a:rPr lang="en-US" sz="2000" dirty="0" err="1" smtClean="0">
+                <a:latin typeface="DINPro" panose="02000503030000020004" pitchFamily="2" charset="0"/>
+              </a:rPr>
+              <a:t>ngClass</a:t>
+            </a:r>
+            <a:r>
+              <a:rPr lang="en-US" sz="2000" dirty="0" smtClean="0">
+                <a:latin typeface="DINPro" panose="02000503030000020004" pitchFamily="2" charset="0"/>
+              </a:rPr>
+              <a:t> Directive</a:t>
+            </a:r>
+          </a:p>
+          <a:p>
+            <a:pPr lvl="2">
+              <a:buFontTx/>
+              <a:buChar char="-"/>
+            </a:pPr>
+            <a:r>
+              <a:rPr lang="en-US" sz="2000" dirty="0" err="1" smtClean="0">
+                <a:latin typeface="DINPro" panose="02000503030000020004" pitchFamily="2" charset="0"/>
+              </a:rPr>
+              <a:t>ngStyle</a:t>
+            </a:r>
+            <a:r>
+              <a:rPr lang="en-US" sz="2000" dirty="0" smtClean="0">
+                <a:latin typeface="DINPro" panose="02000503030000020004" pitchFamily="2" charset="0"/>
+              </a:rPr>
+              <a:t> Directive</a:t>
+            </a:r>
+          </a:p>
+          <a:p>
+            <a:pPr lvl="2">
+              <a:buNone/>
+            </a:pPr>
+            <a:endParaRPr lang="fr-FR" sz="2000" dirty="0" smtClean="0">
+              <a:latin typeface="DINPro" panose="02000503030000020004" pitchFamily="2" charset="0"/>
+            </a:endParaRPr>
+          </a:p>
+          <a:p>
+            <a:pPr lvl="1">
+              <a:buFont typeface="Wingdings" pitchFamily="2" charset="2"/>
+              <a:buChar char="Ø"/>
+            </a:pPr>
+            <a:r>
+              <a:rPr lang="fr-FR" sz="2000" b="1" dirty="0" smtClean="0">
+                <a:latin typeface="DINPro" panose="02000503030000020004" pitchFamily="2" charset="0"/>
+              </a:rPr>
+              <a:t>Custom Directives </a:t>
+            </a:r>
+          </a:p>
+          <a:p>
+            <a:pPr lvl="1">
+              <a:buNone/>
+            </a:pPr>
+            <a:r>
+              <a:rPr lang="en-US" sz="2000" dirty="0" smtClean="0">
+                <a:latin typeface="DINPro" panose="02000503030000020004" pitchFamily="2" charset="0"/>
+              </a:rPr>
+              <a:t>  - </a:t>
+            </a:r>
+            <a:r>
+              <a:rPr lang="en-US" sz="2000" dirty="0" err="1" smtClean="0">
+                <a:latin typeface="DINPro" panose="02000503030000020004" pitchFamily="2" charset="0"/>
+              </a:rPr>
+              <a:t>CustomHighLighterDirective</a:t>
+            </a:r>
+            <a:endParaRPr lang="en-US" sz="2000" dirty="0" smtClean="0">
+              <a:latin typeface="DINPro" panose="02000503030000020004" pitchFamily="2" charset="0"/>
+            </a:endParaRPr>
+          </a:p>
+          <a:p>
+            <a:pPr lvl="1">
+              <a:buNone/>
+            </a:pPr>
+            <a:r>
+              <a:rPr lang="en-US" sz="2000" dirty="0" smtClean="0">
+                <a:latin typeface="DINPro" panose="02000503030000020004" pitchFamily="2" charset="0"/>
+              </a:rPr>
+              <a:t>  - </a:t>
+            </a:r>
+            <a:r>
+              <a:rPr lang="en-US" sz="2000" dirty="0" err="1" smtClean="0">
+                <a:latin typeface="DINPro" panose="02000503030000020004" pitchFamily="2" charset="0"/>
+              </a:rPr>
+              <a:t>ng</a:t>
+            </a:r>
+            <a:r>
+              <a:rPr lang="en-US" sz="2000" dirty="0" smtClean="0">
+                <a:latin typeface="DINPro" panose="02000503030000020004" pitchFamily="2" charset="0"/>
+              </a:rPr>
+              <a:t> g d </a:t>
+            </a:r>
+            <a:r>
+              <a:rPr lang="en-US" sz="2000" dirty="0" err="1" smtClean="0">
+                <a:latin typeface="DINPro" panose="02000503030000020004" pitchFamily="2" charset="0"/>
+              </a:rPr>
+              <a:t>directiveName</a:t>
+            </a:r>
+            <a:r>
+              <a:rPr lang="en-US" sz="2000" dirty="0" smtClean="0">
+                <a:latin typeface="DINPro" panose="02000503030000020004" pitchFamily="2" charset="0"/>
+              </a:rPr>
+              <a:t> options</a:t>
+            </a:r>
+            <a:endParaRPr lang="fr-FR" sz="2000" b="1" dirty="0" smtClean="0">
+              <a:latin typeface="DINPro" panose="02000503030000020004" pitchFamily="2" charset="0"/>
+            </a:endParaRPr>
+          </a:p>
+          <a:p>
+            <a:endParaRPr lang="en-US" b="1" dirty="0">
+              <a:latin typeface="DINPro" panose="02000503030000020004" pitchFamily="2" charset="0"/>
+            </a:endParaRPr>
+          </a:p>
+        </p:txBody>
+      </p:sp>
+    </p:spTree>
+    <p:extLst>
+      <p:ext uri="{BB962C8B-B14F-4D97-AF65-F5344CB8AC3E}">
+        <p14:creationId xmlns:p14="http://schemas.microsoft.com/office/powerpoint/2010/main" xmlns="" val="1189706594"/>
+      </p:ext>
+    </p:extLst>
+  </p:cSld>
+  <p:clrMapOvr>
+    <a:masterClrMapping/>
+  </p:clrMapOvr>
+  <p:timing>
+    <p:tnLst>
+      <p:par>
+        <p:cTn id="1" dur="indefinite" restart="never" nodeType="tmRoot"/>
+      </p:par>
+    </p:tnLst>
+  </p:timing>
+</p:sld>
+</file>
+
+<file path=ppt/slides/slide45.xml><?xml version="1.0" encoding="utf-8"?>
 <p:sld xmlns:a="http://schemas.openxmlformats.org/drawingml/2006/main" xmlns:r="http://schemas.openxmlformats.org/officeDocument/2006/relationships" xmlns:p="http://schemas.openxmlformats.org/presentationml/2006/main" showMasterSp="0">
   <p:cSld>
     <p:bg>
@@ -21720,346 +22199,6 @@
         </p:txBody>
       </p:sp>
     </p:spTree>
-  </p:cSld>
-  <p:clrMapOvr>
-    <a:masterClrMapping/>
-  </p:clrMapOvr>
-  <p:timing>
-    <p:tnLst>
-      <p:par>
-        <p:cTn id="1" dur="indefinite" restart="never" nodeType="tmRoot"/>
-      </p:par>
-    </p:tnLst>
-  </p:timing>
-</p:sld>
-</file>
-
-<file path=ppt/slides/slide45.xml><?xml version="1.0" encoding="utf-8"?>
-<p:sld xmlns:a="http://schemas.openxmlformats.org/drawingml/2006/main" xmlns:r="http://schemas.openxmlformats.org/officeDocument/2006/relationships" xmlns:p="http://schemas.openxmlformats.org/presentationml/2006/main" showMasterSp="0">
-  <p:cSld>
-    <p:bg>
-      <p:bgPr>
-        <a:blipFill dpi="0" rotWithShape="1">
-          <a:blip r:embed="rId2" cstate="print">
-            <a:lum/>
-          </a:blip>
-          <a:srcRect/>
-          <a:stretch>
-            <a:fillRect/>
-          </a:stretch>
-        </a:blipFill>
-        <a:effectLst/>
-      </p:bgPr>
-    </p:bg>
-    <p:spTree>
-      <p:nvGrpSpPr>
-        <p:cNvPr id="1" name=""/>
-        <p:cNvGrpSpPr/>
-        <p:nvPr/>
-      </p:nvGrpSpPr>
-      <p:grpSpPr>
-        <a:xfrm>
-          <a:off x="0" y="0"/>
-          <a:ext cx="0" cy="0"/>
-          <a:chOff x="0" y="0"/>
-          <a:chExt cx="0" cy="0"/>
-        </a:xfrm>
-      </p:grpSpPr>
-      <p:sp>
-        <p:nvSpPr>
-          <p:cNvPr id="2" name="Title 1"/>
-          <p:cNvSpPr>
-            <a:spLocks noGrp="1"/>
-          </p:cNvSpPr>
-          <p:nvPr>
-            <p:ph type="title"/>
-          </p:nvPr>
-        </p:nvSpPr>
-        <p:spPr>
-          <a:xfrm>
-            <a:off x="370771" y="1207025"/>
-            <a:ext cx="10058400" cy="559913"/>
-          </a:xfrm>
-        </p:spPr>
-        <p:txBody>
-          <a:bodyPr>
-            <a:normAutofit/>
-          </a:bodyPr>
-          <a:lstStyle/>
-          <a:p>
-            <a:r>
-              <a:rPr lang="en-US" sz="3000" dirty="0" smtClean="0">
-                <a:latin typeface="DINPro" panose="02000503030000020004" pitchFamily="2" charset="0"/>
-              </a:rPr>
-              <a:t>Lifecycle Hooks</a:t>
-            </a:r>
-            <a:endParaRPr lang="en-US" sz="3000" dirty="0">
-              <a:latin typeface="DINPro" panose="02000503030000020004" pitchFamily="2" charset="0"/>
-            </a:endParaRPr>
-          </a:p>
-        </p:txBody>
-      </p:sp>
-      <p:sp>
-        <p:nvSpPr>
-          <p:cNvPr id="3" name="Content Placeholder 2"/>
-          <p:cNvSpPr>
-            <a:spLocks noGrp="1"/>
-          </p:cNvSpPr>
-          <p:nvPr>
-            <p:ph idx="1"/>
-          </p:nvPr>
-        </p:nvSpPr>
-        <p:spPr>
-          <a:xfrm>
-            <a:off x="270563" y="1886952"/>
-            <a:ext cx="10058400" cy="4023360"/>
-          </a:xfrm>
-        </p:spPr>
-        <p:txBody>
-          <a:bodyPr>
-            <a:noAutofit/>
-          </a:bodyPr>
-          <a:lstStyle/>
-          <a:p>
-            <a:pPr lvl="1">
-              <a:buFont typeface="Wingdings" pitchFamily="2" charset="2"/>
-              <a:buChar char="Ø"/>
-            </a:pPr>
-            <a:r>
-              <a:rPr lang="fr-FR" sz="2000" b="1" dirty="0" smtClean="0">
-                <a:latin typeface="DINPro" panose="02000503030000020004" pitchFamily="2" charset="0"/>
-              </a:rPr>
-              <a:t> </a:t>
-            </a:r>
-            <a:r>
-              <a:rPr lang="fr-FR" sz="2000" b="1" dirty="0" err="1" smtClean="0">
-                <a:latin typeface="DINPro" panose="02000503030000020004" pitchFamily="2" charset="0"/>
-              </a:rPr>
-              <a:t>Constructor</a:t>
-            </a:r>
-            <a:r>
-              <a:rPr lang="fr-FR" sz="2000" b="1" dirty="0" smtClean="0">
-                <a:latin typeface="DINPro" panose="02000503030000020004" pitchFamily="2" charset="0"/>
-              </a:rPr>
-              <a:t> ( not </a:t>
-            </a:r>
-            <a:r>
-              <a:rPr lang="fr-FR" sz="2000" b="1" dirty="0" err="1" smtClean="0">
-                <a:latin typeface="DINPro" panose="02000503030000020004" pitchFamily="2" charset="0"/>
-              </a:rPr>
-              <a:t>lifecycle</a:t>
-            </a:r>
-            <a:r>
-              <a:rPr lang="fr-FR" sz="2000" b="1" dirty="0" smtClean="0">
-                <a:latin typeface="DINPro" panose="02000503030000020004" pitchFamily="2" charset="0"/>
-              </a:rPr>
-              <a:t> </a:t>
-            </a:r>
-            <a:r>
-              <a:rPr lang="fr-FR" sz="2000" b="1" dirty="0" err="1" smtClean="0">
-                <a:latin typeface="DINPro" panose="02000503030000020004" pitchFamily="2" charset="0"/>
-              </a:rPr>
-              <a:t>hook</a:t>
-            </a:r>
-            <a:r>
-              <a:rPr lang="fr-FR" sz="2000" b="1" dirty="0" smtClean="0">
-                <a:latin typeface="DINPro" panose="02000503030000020004" pitchFamily="2" charset="0"/>
-              </a:rPr>
-              <a:t>)</a:t>
-            </a:r>
-          </a:p>
-          <a:p>
-            <a:pPr lvl="1">
-              <a:buNone/>
-            </a:pPr>
-            <a:r>
-              <a:rPr lang="fr-FR" sz="2000" b="1" dirty="0" smtClean="0">
-                <a:latin typeface="DINPro" panose="02000503030000020004" pitchFamily="2" charset="0"/>
-              </a:rPr>
-              <a:t>	</a:t>
-            </a:r>
-            <a:r>
-              <a:rPr lang="fr-FR" sz="2000" dirty="0" smtClean="0">
-                <a:latin typeface="DINPro" panose="02000503030000020004" pitchFamily="2" charset="0"/>
-              </a:rPr>
-              <a:t>- </a:t>
-            </a:r>
-            <a:r>
-              <a:rPr lang="fr-FR" sz="2000" dirty="0" err="1" smtClean="0">
-                <a:latin typeface="DINPro" panose="02000503030000020004" pitchFamily="2" charset="0"/>
-              </a:rPr>
-              <a:t>Constructor</a:t>
-            </a:r>
-            <a:r>
-              <a:rPr lang="fr-FR" sz="2000" dirty="0" smtClean="0">
-                <a:latin typeface="DINPro" panose="02000503030000020004" pitchFamily="2" charset="0"/>
-              </a:rPr>
-              <a:t> </a:t>
-            </a:r>
-            <a:r>
-              <a:rPr lang="fr-FR" sz="2000" dirty="0" err="1" smtClean="0">
-                <a:latin typeface="DINPro" panose="02000503030000020004" pitchFamily="2" charset="0"/>
-              </a:rPr>
-              <a:t>always</a:t>
-            </a:r>
-            <a:r>
-              <a:rPr lang="fr-FR" sz="2000" dirty="0" smtClean="0">
-                <a:latin typeface="DINPro" panose="02000503030000020004" pitchFamily="2" charset="0"/>
-              </a:rPr>
-              <a:t> </a:t>
-            </a:r>
-            <a:r>
-              <a:rPr lang="fr-FR" sz="2000" dirty="0" err="1" smtClean="0">
-                <a:latin typeface="DINPro" panose="02000503030000020004" pitchFamily="2" charset="0"/>
-              </a:rPr>
-              <a:t>called</a:t>
-            </a:r>
-            <a:r>
-              <a:rPr lang="fr-FR" sz="2000" dirty="0" smtClean="0">
-                <a:latin typeface="DINPro" panose="02000503030000020004" pitchFamily="2" charset="0"/>
-              </a:rPr>
-              <a:t> first</a:t>
-            </a:r>
-          </a:p>
-          <a:p>
-            <a:pPr lvl="1">
-              <a:buNone/>
-            </a:pPr>
-            <a:endParaRPr lang="fr-FR" sz="2000" dirty="0" smtClean="0">
-              <a:latin typeface="DINPro" panose="02000503030000020004" pitchFamily="2" charset="0"/>
-            </a:endParaRPr>
-          </a:p>
-          <a:p>
-            <a:pPr lvl="1">
-              <a:buFont typeface="Wingdings" pitchFamily="2" charset="2"/>
-              <a:buChar char="Ø"/>
-            </a:pPr>
-            <a:r>
-              <a:rPr lang="en-US" sz="2000" b="1" dirty="0" smtClean="0">
-                <a:latin typeface="DINPro" panose="02000503030000020004" pitchFamily="2" charset="0"/>
-              </a:rPr>
-              <a:t> </a:t>
-            </a:r>
-            <a:r>
-              <a:rPr lang="en-US" sz="2000" b="1" dirty="0" err="1" smtClean="0">
-                <a:latin typeface="DINPro" panose="02000503030000020004" pitchFamily="2" charset="0"/>
-              </a:rPr>
-              <a:t>ngOnchanges</a:t>
-            </a:r>
-            <a:r>
-              <a:rPr lang="en-US" sz="2000" b="1" dirty="0" smtClean="0">
-                <a:latin typeface="DINPro" panose="02000503030000020004" pitchFamily="2" charset="0"/>
-              </a:rPr>
-              <a:t> </a:t>
-            </a:r>
-          </a:p>
-          <a:p>
-            <a:pPr lvl="1">
-              <a:buNone/>
-            </a:pPr>
-            <a:r>
-              <a:rPr lang="en-US" sz="2000" dirty="0" smtClean="0">
-                <a:latin typeface="DINPro" panose="02000503030000020004" pitchFamily="2" charset="0"/>
-              </a:rPr>
-              <a:t>  - Its called when any input data bound property change</a:t>
-            </a:r>
-          </a:p>
-          <a:p>
-            <a:pPr lvl="1">
-              <a:buNone/>
-            </a:pPr>
-            <a:endParaRPr lang="fr-FR" sz="2000" dirty="0" smtClean="0">
-              <a:latin typeface="DINPro" panose="02000503030000020004" pitchFamily="2" charset="0"/>
-            </a:endParaRPr>
-          </a:p>
-          <a:p>
-            <a:pPr lvl="1">
-              <a:buFont typeface="Wingdings" pitchFamily="2" charset="2"/>
-              <a:buChar char="Ø"/>
-            </a:pPr>
-            <a:r>
-              <a:rPr lang="en-US" sz="2000" b="1" dirty="0" smtClean="0">
-                <a:latin typeface="DINPro" panose="02000503030000020004" pitchFamily="2" charset="0"/>
-              </a:rPr>
-              <a:t> </a:t>
-            </a:r>
-            <a:r>
-              <a:rPr lang="en-US" sz="2000" b="1" dirty="0" err="1" smtClean="0">
-                <a:latin typeface="DINPro" panose="02000503030000020004" pitchFamily="2" charset="0"/>
-              </a:rPr>
-              <a:t>ngOnInit</a:t>
-            </a:r>
-            <a:endParaRPr lang="en-US" sz="2000" b="1" dirty="0" smtClean="0">
-              <a:latin typeface="DINPro" panose="02000503030000020004" pitchFamily="2" charset="0"/>
-            </a:endParaRPr>
-          </a:p>
-          <a:p>
-            <a:pPr lvl="1">
-              <a:buNone/>
-            </a:pPr>
-            <a:r>
-              <a:rPr lang="en-US" sz="2000" dirty="0" smtClean="0">
-                <a:latin typeface="DINPro" panose="02000503030000020004" pitchFamily="2" charset="0"/>
-              </a:rPr>
-              <a:t>  - Its called when component is initialized</a:t>
-            </a:r>
-          </a:p>
-          <a:p>
-            <a:pPr lvl="1">
-              <a:buNone/>
-            </a:pPr>
-            <a:endParaRPr lang="fr-FR" sz="2000" dirty="0" smtClean="0">
-              <a:latin typeface="DINPro" panose="02000503030000020004" pitchFamily="2" charset="0"/>
-            </a:endParaRPr>
-          </a:p>
-          <a:p>
-            <a:pPr lvl="1">
-              <a:buFont typeface="Wingdings" pitchFamily="2" charset="2"/>
-              <a:buChar char="Ø"/>
-            </a:pPr>
-            <a:r>
-              <a:rPr lang="en-US" sz="2000" b="1" dirty="0" smtClean="0">
-                <a:latin typeface="DINPro" panose="02000503030000020004" pitchFamily="2" charset="0"/>
-              </a:rPr>
-              <a:t> </a:t>
-            </a:r>
-            <a:r>
-              <a:rPr lang="en-US" sz="2000" b="1" dirty="0" err="1" smtClean="0">
-                <a:latin typeface="DINPro" panose="02000503030000020004" pitchFamily="2" charset="0"/>
-              </a:rPr>
-              <a:t>ngDoCheck</a:t>
-            </a:r>
-            <a:endParaRPr lang="en-US" sz="2000" b="1" dirty="0" smtClean="0">
-              <a:latin typeface="DINPro" panose="02000503030000020004" pitchFamily="2" charset="0"/>
-            </a:endParaRPr>
-          </a:p>
-          <a:p>
-            <a:pPr lvl="1">
-              <a:buNone/>
-            </a:pPr>
-            <a:r>
-              <a:rPr lang="en-US" sz="2000" dirty="0" smtClean="0">
-                <a:latin typeface="DINPro" panose="02000503030000020004" pitchFamily="2" charset="0"/>
-              </a:rPr>
-              <a:t>  - Its called when any change detection</a:t>
-            </a:r>
-          </a:p>
-          <a:p>
-            <a:pPr lvl="1">
-              <a:buNone/>
-            </a:pPr>
-            <a:endParaRPr lang="en-US" b="1" dirty="0">
-              <a:latin typeface="DINPro" panose="02000503030000020004" pitchFamily="2" charset="0"/>
-            </a:endParaRPr>
-          </a:p>
-        </p:txBody>
-      </p:sp>
-    </p:spTree>
-    <p:extLst>
-      <p:ext uri="{BB962C8B-B14F-4D97-AF65-F5344CB8AC3E}">
-        <p14:creationId xmlns:p14="http://schemas.microsoft.com/office/powerpoint/2010/main" xmlns="" val="1189706594"/>
-      </p:ext>
-    </p:extLst>
   </p:cSld>
   <p:clrMapOvr>
     <a:masterClrMapping/>
@@ -22162,7 +22301,8 @@
           <a:lstStyle/>
           <a:p>
             <a:pPr lvl="1">
-              <a:buNone/>
+              <a:buFont typeface="Wingdings" pitchFamily="2" charset="2"/>
+              <a:buChar char="Ø"/>
             </a:pPr>
             <a:r>
               <a:rPr lang="fr-FR" sz="2000" b="1" dirty="0" smtClean="0">
@@ -22174,11 +22314,38 @@
               <a:rPr lang="fr-FR" sz="2000" b="1" dirty="0" err="1" smtClean="0">
                 <a:latin typeface="DINPro" panose="02000503030000020004" pitchFamily="2" charset="0"/>
               </a:rPr>
-              <a:t>ngAfterContentInit</a:t>
-            </a:r>
-            <a:endParaRPr lang="fr-FR" sz="2000" b="1" dirty="0" smtClean="0">
-              <a:latin typeface="DINPro" panose="02000503030000020004" pitchFamily="2" charset="0"/>
-            </a:endParaRPr>
+              <a:t>Constructor</a:t>
+            </a:r>
+            <a:r>
+              <a:rPr lang="fr-FR" sz="2000" b="1" dirty="0" smtClean="0">
+                <a:latin typeface="DINPro" panose="02000503030000020004" pitchFamily="2" charset="0"/>
+              </a:rPr>
+              <a:t> ( not </a:t>
+            </a:r>
+            <a:r>
+              <a:rPr lang="fr-FR" sz="2000" b="1" dirty="0" err="1" smtClean="0">
+                <a:latin typeface="DINPro" panose="02000503030000020004" pitchFamily="2" charset="0"/>
+              </a:rPr>
+              <a:t>lifecycle</a:t>
+            </a:r>
+            <a:r>
+              <a:rPr lang="fr-FR" sz="2000" b="1" dirty="0" smtClean="0">
+                <a:latin typeface="DINPro" panose="02000503030000020004" pitchFamily="2" charset="0"/>
+              </a:rPr>
+              <a:t> </a:t>
+            </a:r>
+            <a:r>
+              <a:rPr lang="fr-FR" sz="2000" b="1" dirty="0" err="1" smtClean="0">
+                <a:latin typeface="DINPro" panose="02000503030000020004" pitchFamily="2" charset="0"/>
+              </a:rPr>
+              <a:t>hook</a:t>
+            </a:r>
+            <a:r>
+              <a:rPr lang="fr-FR" sz="2000" b="1" dirty="0" smtClean="0">
+                <a:latin typeface="DINPro" panose="02000503030000020004" pitchFamily="2" charset="0"/>
+              </a:rPr>
+              <a:t>)</a:t>
+            </a:r>
           </a:p>
           <a:p>
             <a:pPr lvl="1">
@@ -22200,7 +22367,7 @@
               <a:rPr lang="fr-FR" sz="2000" dirty="0" err="1" smtClean="0">
                 <a:latin typeface="DINPro" panose="02000503030000020004" pitchFamily="2" charset="0"/>
               </a:rPr>
-              <a:t>Its</a:t>
+              <a:t>Constructor</a:t>
             </a:r>
             <a:r>
               <a:rPr lang="fr-FR" sz="2000" dirty="0" smtClean="0">
@@ -22212,50 +22379,72 @@
               <a:rPr lang="fr-FR" sz="2000" dirty="0" err="1" smtClean="0">
                 <a:latin typeface="DINPro" panose="02000503030000020004" pitchFamily="2" charset="0"/>
               </a:rPr>
+              <a:t>always</a:t>
+            </a:r>
+            <a:r>
+              <a:rPr lang="fr-FR" sz="2000" dirty="0" smtClean="0">
+                <a:latin typeface="DINPro" panose="02000503030000020004" pitchFamily="2" charset="0"/>
+              </a:rPr>
+              <a:t> </a:t>
+            </a:r>
+            <a:r>
+              <a:rPr lang="fr-FR" sz="2000" dirty="0" err="1" smtClean="0">
+                <a:latin typeface="DINPro" panose="02000503030000020004" pitchFamily="2" charset="0"/>
+              </a:rPr>
               <a:t>called</a:t>
             </a:r>
             <a:r>
               <a:rPr lang="fr-FR" sz="2000" dirty="0" smtClean="0">
                 <a:latin typeface="DINPro" panose="02000503030000020004" pitchFamily="2" charset="0"/>
               </a:rPr>
-              <a:t> </a:t>
-            </a:r>
-            <a:r>
-              <a:rPr lang="fr-FR" sz="2000" dirty="0" err="1" smtClean="0">
-                <a:latin typeface="DINPro" panose="02000503030000020004" pitchFamily="2" charset="0"/>
-              </a:rPr>
-              <a:t>after</a:t>
-            </a:r>
-            <a:r>
-              <a:rPr lang="fr-FR" sz="2000" dirty="0" smtClean="0">
-                <a:latin typeface="DINPro" panose="02000503030000020004" pitchFamily="2" charset="0"/>
-              </a:rPr>
-              <a:t> content </a:t>
-            </a:r>
-            <a:r>
-              <a:rPr lang="fr-FR" sz="2000" dirty="0" err="1" smtClean="0">
-                <a:latin typeface="DINPro" panose="02000503030000020004" pitchFamily="2" charset="0"/>
-              </a:rPr>
-              <a:t>projected</a:t>
-            </a:r>
-            <a:r>
-              <a:rPr lang="fr-FR" sz="2000" dirty="0" smtClean="0">
-                <a:latin typeface="DINPro" panose="02000503030000020004" pitchFamily="2" charset="0"/>
-              </a:rPr>
-              <a:t> in to the component </a:t>
-            </a:r>
-            <a:r>
-              <a:rPr lang="fr-FR" sz="2000" dirty="0" err="1" smtClean="0">
-                <a:latin typeface="DINPro" panose="02000503030000020004" pitchFamily="2" charset="0"/>
-              </a:rPr>
-              <a:t>view</a:t>
-            </a:r>
+              <a:t> first</a:t>
+            </a:r>
+          </a:p>
+          <a:p>
+            <a:pPr lvl="1">
+              <a:buNone/>
+            </a:pPr>
             <a:endParaRPr lang="fr-FR" sz="2000" dirty="0" smtClean="0">
               <a:latin typeface="DINPro" panose="02000503030000020004" pitchFamily="2" charset="0"/>
             </a:endParaRPr>
           </a:p>
           <a:p>
             <a:pPr lvl="1">
+              <a:buFont typeface="Wingdings" pitchFamily="2" charset="2"/>
+              <a:buChar char="Ø"/>
+            </a:pPr>
+            <a:r>
+              <a:rPr lang="en-US" sz="2000" b="1" dirty="0" smtClean="0">
+                <a:latin typeface="DINPro" panose="02000503030000020004" pitchFamily="2" charset="0"/>
+              </a:rPr>
+              <a:t> </a:t>
+            </a:r>
+            <a:r>
+              <a:rPr lang="en-US" sz="2000" b="1" dirty="0" err="1" smtClean="0">
+                <a:latin typeface="DINPro" panose="02000503030000020004" pitchFamily="2" charset="0"/>
+              </a:rPr>
+              <a:t>ngOnchanges</a:t>
+            </a:r>
+            <a:r>
+              <a:rPr lang="en-US" sz="2000" b="1" dirty="0" smtClean="0">
+                <a:latin typeface="DINPro" panose="02000503030000020004" pitchFamily="2" charset="0"/>
+              </a:rPr>
+              <a:t> </a:t>
+            </a:r>
+          </a:p>
+          <a:p>
+            <a:pPr lvl="1">
+              <a:buNone/>
+            </a:pPr>
+            <a:r>
+              <a:rPr lang="en-US" sz="2000" dirty="0" smtClean="0">
+                <a:latin typeface="DINPro" panose="02000503030000020004" pitchFamily="2" charset="0"/>
+              </a:rPr>
+              <a:t>  - Its called when any input data bound property change</a:t>
+            </a:r>
+          </a:p>
+          <a:p>
+            <a:pPr lvl="1">
               <a:buNone/>
             </a:pPr>
             <a:endParaRPr lang="fr-FR" sz="2000" dirty="0" smtClean="0">
@@ -22277,7 +22466,7 @@
               <a:rPr lang="en-US" sz="2000" b="1" dirty="0" err="1" smtClean="0">
                 <a:latin typeface="DINPro" panose="02000503030000020004" pitchFamily="2" charset="0"/>
               </a:rPr>
-              <a:t>ngOnContentChecked</a:t>
+              <a:t>ngOnInit</a:t>
             </a:r>
             <a:endParaRPr lang="en-US" sz="2000" b="1" dirty="0" smtClean="0">
               <a:latin typeface="DINPro" panose="02000503030000020004" pitchFamily="2" charset="0"/>
@@ -22291,19 +22480,7 @@
               <a:rPr lang="en-US" sz="2000" dirty="0" smtClean="0">
                 <a:latin typeface="DINPro" panose="02000503030000020004" pitchFamily="2" charset="0"/>
               </a:rPr>
-              <a:t>  - Its called after angular checks </a:t>
-            </a:r>
-            <a:r>
-              <a:rPr lang="en-US" sz="2000" dirty="0" err="1" smtClean="0">
-                <a:latin typeface="DINPro" panose="02000503030000020004" pitchFamily="2" charset="0"/>
-              </a:rPr>
-              <a:t>ng</a:t>
-            </a:r>
-            <a:r>
-              <a:rPr lang="en-US" sz="2000" dirty="0" smtClean="0">
-                <a:latin typeface="DINPro" panose="02000503030000020004" pitchFamily="2" charset="0"/>
-              </a:rPr>
-              <a:t>-content projected into the component view</a:t>
+              <a:t>  - Its called when component is initialized</a:t>
             </a:r>
           </a:p>
           <a:p>
@@ -22329,7 +22506,7 @@
               <a:rPr lang="en-US" sz="2000" b="1" dirty="0" err="1" smtClean="0">
                 <a:latin typeface="DINPro" panose="02000503030000020004" pitchFamily="2" charset="0"/>
               </a:rPr>
-              <a:t>ngAfterViewInit</a:t>
+              <a:t>ngDoCheck</a:t>
             </a:r>
             <a:endParaRPr lang="en-US" sz="2000" b="1" dirty="0" smtClean="0">
               <a:latin typeface="DINPro" panose="02000503030000020004" pitchFamily="2" charset="0"/>
@@ -22343,48 +22520,13 @@
               <a:rPr lang="en-US" sz="2000" dirty="0" smtClean="0">
                 <a:latin typeface="DINPro" panose="02000503030000020004" pitchFamily="2" charset="0"/>
               </a:rPr>
-              <a:t>  - Its called after the component view – child view initialized</a:t>
+              <a:t>  - Its called when any change detection</a:t>
             </a:r>
           </a:p>
           <a:p>
             <a:pPr lvl="1">
               <a:buNone/>
             </a:pPr>
-            <a:endParaRPr lang="fr-FR" sz="2000" dirty="0" smtClean="0">
-              <a:latin typeface="DINPro" panose="02000503030000020004" pitchFamily="2" charset="0"/>
-            </a:endParaRPr>
-          </a:p>
-          <a:p>
-            <a:pPr lvl="1">
-              <a:buFont typeface="Wingdings" pitchFamily="2" charset="2"/>
-              <a:buChar char="Ø"/>
-            </a:pPr>
-            <a:r>
-              <a:rPr lang="en-US" sz="2000" b="1" dirty="0" smtClean="0">
-                <a:latin typeface="DINPro" panose="02000503030000020004" pitchFamily="2" charset="0"/>
-              </a:rPr>
-              <a:t> </a:t>
-            </a:r>
-            <a:r>
-              <a:rPr lang="en-US" sz="2000" b="1" dirty="0" err="1" smtClean="0">
-                <a:latin typeface="DINPro" panose="02000503030000020004" pitchFamily="2" charset="0"/>
-              </a:rPr>
-              <a:t>ngAfterViewChecked</a:t>
-            </a:r>
-            <a:endParaRPr lang="en-US" sz="2000" b="1" dirty="0" smtClean="0">
-              <a:latin typeface="DINPro" panose="02000503030000020004" pitchFamily="2" charset="0"/>
-            </a:endParaRPr>
-          </a:p>
-          <a:p>
-            <a:pPr lvl="1">
-              <a:buNone/>
-            </a:pPr>
-            <a:r>
-              <a:rPr lang="en-US" sz="2000" dirty="0" smtClean="0">
-                <a:latin typeface="DINPro" panose="02000503030000020004" pitchFamily="2" charset="0"/>
-              </a:rPr>
-              <a:t>  - Its called after the component view – child view checked</a:t>
-            </a:r>
             <a:endParaRPr lang="en-US" b="1" dirty="0">
               <a:latin typeface="DINPro" panose="02000503030000020004" pitchFamily="2" charset="0"/>
             </a:endParaRPr>
@@ -22507,103 +22649,97 @@
               </a:rPr>
               <a:t> </a:t>
             </a:r>
+            <a:r>
+              <a:rPr lang="fr-FR" sz="2000" b="1" dirty="0" err="1" smtClean="0">
+                <a:latin typeface="DINPro" panose="02000503030000020004" pitchFamily="2" charset="0"/>
+              </a:rPr>
+              <a:t>ngAfterContentInit</a:t>
+            </a:r>
+            <a:endParaRPr lang="fr-FR" sz="2000" b="1" dirty="0" smtClean="0">
+              <a:latin typeface="DINPro" panose="02000503030000020004" pitchFamily="2" charset="0"/>
+            </a:endParaRPr>
+          </a:p>
+          <a:p>
+            <a:pPr lvl="1">
+              <a:buNone/>
+            </a:pPr>
+            <a:r>
+              <a:rPr lang="fr-FR" sz="2000" b="1" dirty="0" smtClean="0">
+                <a:latin typeface="DINPro" panose="02000503030000020004" pitchFamily="2" charset="0"/>
+              </a:rPr>
+              <a:t>	</a:t>
+            </a:r>
+            <a:r>
+              <a:rPr lang="fr-FR" sz="2000" dirty="0" smtClean="0">
+                <a:latin typeface="DINPro" panose="02000503030000020004" pitchFamily="2" charset="0"/>
+              </a:rPr>
+              <a:t>- </a:t>
+            </a:r>
+            <a:r>
+              <a:rPr lang="fr-FR" sz="2000" dirty="0" err="1" smtClean="0">
+                <a:latin typeface="DINPro" panose="02000503030000020004" pitchFamily="2" charset="0"/>
+              </a:rPr>
+              <a:t>Its</a:t>
+            </a:r>
+            <a:r>
+              <a:rPr lang="fr-FR" sz="2000" dirty="0" smtClean="0">
+                <a:latin typeface="DINPro" panose="02000503030000020004" pitchFamily="2" charset="0"/>
+              </a:rPr>
+              <a:t> </a:t>
+            </a:r>
+            <a:r>
+              <a:rPr lang="fr-FR" sz="2000" dirty="0" err="1" smtClean="0">
+                <a:latin typeface="DINPro" panose="02000503030000020004" pitchFamily="2" charset="0"/>
+              </a:rPr>
+              <a:t>called</a:t>
+            </a:r>
+            <a:r>
+              <a:rPr lang="fr-FR" sz="2000" dirty="0" smtClean="0">
+                <a:latin typeface="DINPro" panose="02000503030000020004" pitchFamily="2" charset="0"/>
+              </a:rPr>
+              <a:t> </a:t>
+            </a:r>
+            <a:r>
+              <a:rPr lang="fr-FR" sz="2000" dirty="0" err="1" smtClean="0">
+                <a:latin typeface="DINPro" panose="02000503030000020004" pitchFamily="2" charset="0"/>
+              </a:rPr>
+              <a:t>after</a:t>
+            </a:r>
+            <a:r>
+              <a:rPr lang="fr-FR" sz="2000" dirty="0" smtClean="0">
+                <a:latin typeface="DINPro" panose="02000503030000020004" pitchFamily="2" charset="0"/>
+              </a:rPr>
+              <a:t> content </a:t>
+            </a:r>
+            <a:r>
+              <a:rPr lang="fr-FR" sz="2000" dirty="0" err="1" smtClean="0">
+                <a:latin typeface="DINPro" panose="02000503030000020004" pitchFamily="2" charset="0"/>
+              </a:rPr>
+              <a:t>projected</a:t>
+            </a:r>
+            <a:r>
+              <a:rPr lang="fr-FR" sz="2000" dirty="0" smtClean="0">
+                <a:latin typeface="DINPro" panose="02000503030000020004" pitchFamily="2" charset="0"/>
+              </a:rPr>
+              <a:t> in to the component </a:t>
+            </a:r>
+            <a:r>
+              <a:rPr lang="fr-FR" sz="2000" dirty="0" err="1" smtClean="0">
+                <a:latin typeface="DINPro" panose="02000503030000020004" pitchFamily="2" charset="0"/>
+              </a:rPr>
+              <a:t>view</a:t>
+            </a:r>
             <a:endParaRPr lang="fr-FR" sz="2000" dirty="0" smtClean="0">
               <a:latin typeface="DINPro" panose="02000503030000020004" pitchFamily="2" charset="0"/>
             </a:endParaRPr>
           </a:p>
           <a:p>
             <a:pPr lvl="1">
-              <a:buFont typeface="Wingdings" pitchFamily="2" charset="2"/>
-              <a:buChar char="Ø"/>
-            </a:pPr>
-            <a:r>
-              <a:rPr lang="en-US" sz="2000" b="1" dirty="0" smtClean="0">
-                <a:latin typeface="DINPro" panose="02000503030000020004" pitchFamily="2" charset="0"/>
-              </a:rPr>
-              <a:t> </a:t>
-            </a:r>
-            <a:r>
-              <a:rPr lang="en-US" sz="2000" b="1" dirty="0" err="1" smtClean="0">
-                <a:latin typeface="DINPro" panose="02000503030000020004" pitchFamily="2" charset="0"/>
-              </a:rPr>
-              <a:t>ngOnDestroy</a:t>
-            </a:r>
-            <a:endParaRPr lang="en-US" sz="2000" dirty="0" smtClean="0">
+              <a:buNone/>
+            </a:pPr>
+            <a:endParaRPr lang="fr-FR" sz="2000" dirty="0" smtClean="0">
               <a:latin typeface="DINPro" panose="02000503030000020004" pitchFamily="2" charset="0"/>
             </a:endParaRPr>
-          </a:p>
-          <a:p>
-            <a:pPr lvl="1">
-              <a:buNone/>
-            </a:pPr>
-            <a:r>
-              <a:rPr lang="en-US" sz="2000" dirty="0" smtClean="0">
-                <a:latin typeface="DINPro" panose="02000503030000020004" pitchFamily="2" charset="0"/>
-              </a:rPr>
-              <a:t>	- Its called when the component will destroyed.</a:t>
-            </a:r>
-            <a:endParaRPr lang="en-US" b="1" dirty="0">
-              <a:latin typeface="DINPro" panose="02000503030000020004" pitchFamily="2" charset="0"/>
-            </a:endParaRPr>
-          </a:p>
-          <a:p>
-            <a:pPr lvl="1">
-              <a:buNone/>
-            </a:pPr>
-            <a:r>
-              <a:rPr lang="en-US" sz="2000" b="1" dirty="0" smtClean="0">
-                <a:latin typeface="DINPro" panose="02000503030000020004" pitchFamily="2" charset="0"/>
-              </a:rPr>
-              <a:t>	</a:t>
-            </a:r>
-            <a:r>
-              <a:rPr lang="en-US" sz="2000" dirty="0" smtClean="0">
-                <a:latin typeface="DINPro" panose="02000503030000020004" pitchFamily="2" charset="0"/>
-              </a:rPr>
-              <a:t>- Clean up just before Angular destroys the directives or components.</a:t>
-            </a:r>
-          </a:p>
-          <a:p>
-            <a:pPr lvl="1">
-              <a:buNone/>
-            </a:pPr>
-            <a:r>
-              <a:rPr lang="en-US" sz="2000" dirty="0" smtClean="0">
-                <a:latin typeface="DINPro" panose="02000503030000020004" pitchFamily="2" charset="0"/>
-              </a:rPr>
-              <a:t>	- *</a:t>
-            </a:r>
-            <a:r>
-              <a:rPr lang="en-US" sz="2000" dirty="0" err="1" smtClean="0">
-                <a:latin typeface="DINPro" panose="02000503030000020004" pitchFamily="2" charset="0"/>
-              </a:rPr>
-              <a:t>ngIf</a:t>
-            </a:r>
-            <a:r>
-              <a:rPr lang="en-US" sz="2000" dirty="0" smtClean="0">
-                <a:latin typeface="DINPro" panose="02000503030000020004" pitchFamily="2" charset="0"/>
-              </a:rPr>
-              <a:t> element removed.</a:t>
-            </a:r>
-          </a:p>
-          <a:p>
-            <a:pPr lvl="1">
-              <a:buNone/>
-            </a:pPr>
-            <a:endParaRPr lang="en-US" sz="2000" dirty="0" smtClean="0">
-              <a:latin typeface="DINPro" panose="02000503030000020004" pitchFamily="2" charset="0"/>
-            </a:endParaRPr>
-          </a:p>
-          <a:p>
-            <a:pPr lvl="1">
-              <a:buNone/>
-            </a:pPr>
-            <a:r>
-              <a:rPr lang="en-US" sz="2000" dirty="0" smtClean="0">
-                <a:latin typeface="DINPro" panose="02000503030000020004" pitchFamily="2" charset="0"/>
-              </a:rPr>
-              <a:t>Note:</a:t>
-            </a:r>
           </a:p>
           <a:p>
             <a:pPr lvl="1">
@@ -22611,29 +22747,51 @@
               <a:buChar char="Ø"/>
             </a:pPr>
             <a:r>
+              <a:rPr lang="en-US" sz="2000" b="1" dirty="0" smtClean="0">
+                <a:latin typeface="DINPro" panose="02000503030000020004" pitchFamily="2" charset="0"/>
+              </a:rPr>
+              <a:t> </a:t>
+            </a:r>
+            <a:r>
+              <a:rPr lang="en-US" sz="2000" b="1" dirty="0" err="1" smtClean="0">
+                <a:latin typeface="DINPro" panose="02000503030000020004" pitchFamily="2" charset="0"/>
+              </a:rPr>
+              <a:t>ngOnContentChecked</a:t>
+            </a:r>
+            <a:endParaRPr lang="en-US" sz="2000" b="1" dirty="0" smtClean="0">
+              <a:latin typeface="DINPro" panose="02000503030000020004" pitchFamily="2" charset="0"/>
+            </a:endParaRPr>
+          </a:p>
+          <a:p>
+            <a:pPr lvl="1">
+              <a:buNone/>
+            </a:pPr>
+            <a:r>
               <a:rPr lang="en-US" sz="2000" dirty="0" smtClean="0">
-                <a:latin typeface="DINPro"/>
-              </a:rPr>
-              <a:t> </a:t>
-            </a:r>
-            <a:r>
-              <a:rPr lang="en-GB" sz="2000" dirty="0" smtClean="0">
-                <a:latin typeface="DINPro"/>
-              </a:rPr>
-              <a:t>initialise your components is in the </a:t>
-            </a:r>
-            <a:r>
-              <a:rPr lang="en-GB" sz="2000" dirty="0" err="1" smtClean="0">
-                <a:latin typeface="DINPro"/>
-              </a:rPr>
-              <a:t>ngOnInit</a:t>
-            </a:r>
-            <a:r>
-              <a:rPr lang="en-GB" sz="2000" dirty="0" smtClean="0">
-                <a:latin typeface="DINPro"/>
-              </a:rPr>
-              <a:t> not in constructor</a:t>
-            </a:r>
+                <a:latin typeface="DINPro" panose="02000503030000020004" pitchFamily="2" charset="0"/>
+              </a:rPr>
+              <a:t>  - Its called after angular checks </a:t>
+            </a:r>
+            <a:r>
+              <a:rPr lang="en-US" sz="2000" dirty="0" err="1" smtClean="0">
+                <a:latin typeface="DINPro" panose="02000503030000020004" pitchFamily="2" charset="0"/>
+              </a:rPr>
+              <a:t>ng</a:t>
+            </a:r>
+            <a:r>
+              <a:rPr lang="en-US" sz="2000" dirty="0" smtClean="0">
+                <a:latin typeface="DINPro" panose="02000503030000020004" pitchFamily="2" charset="0"/>
+              </a:rPr>
+              <a:t>-content projected into the component view</a:t>
+            </a:r>
+          </a:p>
+          <a:p>
+            <a:pPr lvl="1">
+              <a:buNone/>
+            </a:pPr>
+            <a:endParaRPr lang="fr-FR" sz="2000" dirty="0" smtClean="0">
+              <a:latin typeface="DINPro" panose="02000503030000020004" pitchFamily="2" charset="0"/>
+            </a:endParaRPr>
           </a:p>
           <a:p>
             <a:pPr lvl="1">
@@ -22641,35 +22799,39 @@
               <a:buChar char="Ø"/>
             </a:pPr>
             <a:r>
-              <a:rPr lang="en-GB" sz="2000" dirty="0" smtClean="0">
-                <a:latin typeface="DINPro"/>
-              </a:rPr>
-              <a:t> mostly don’t use </a:t>
-            </a:r>
-            <a:r>
-              <a:rPr lang="en-GB" sz="2000" dirty="0" err="1" smtClean="0">
-                <a:latin typeface="DINPro"/>
-              </a:rPr>
-              <a:t>ngOnChanges</a:t>
-            </a:r>
-            <a:r>
-              <a:rPr lang="en-GB" sz="2000" dirty="0" smtClean="0">
-                <a:latin typeface="DINPro"/>
-              </a:rPr>
-              <a:t> and </a:t>
-            </a:r>
-            <a:r>
-              <a:rPr lang="en-GB" sz="2000" dirty="0" err="1" smtClean="0">
-                <a:latin typeface="DINPro"/>
-              </a:rPr>
-              <a:t>ngDoCheck</a:t>
-            </a:r>
-            <a:r>
-              <a:rPr lang="en-GB" sz="2000" dirty="0" smtClean="0">
-                <a:latin typeface="DINPro"/>
-              </a:rPr>
-              <a:t> in same component</a:t>
-            </a:r>
+              <a:rPr lang="en-US" sz="2000" b="1" dirty="0" smtClean="0">
+                <a:latin typeface="DINPro" panose="02000503030000020004" pitchFamily="2" charset="0"/>
+              </a:rPr>
+              <a:t> </a:t>
+            </a:r>
+            <a:r>
+              <a:rPr lang="en-US" sz="2000" b="1" dirty="0" err="1" smtClean="0">
+                <a:latin typeface="DINPro" panose="02000503030000020004" pitchFamily="2" charset="0"/>
+              </a:rPr>
+              <a:t>ngAfterViewInit</a:t>
+            </a:r>
+            <a:endParaRPr lang="en-US" sz="2000" b="1" dirty="0" smtClean="0">
+              <a:latin typeface="DINPro" panose="02000503030000020004" pitchFamily="2" charset="0"/>
+            </a:endParaRPr>
+          </a:p>
+          <a:p>
+            <a:pPr lvl="1">
+              <a:buNone/>
+            </a:pPr>
+            <a:r>
+              <a:rPr lang="en-US" sz="2000" dirty="0" smtClean="0">
+                <a:latin typeface="DINPro" panose="02000503030000020004" pitchFamily="2" charset="0"/>
+              </a:rPr>
+              <a:t>  - Its called after the component view – child view initialized</a:t>
+            </a:r>
+          </a:p>
+          <a:p>
+            <a:pPr lvl="1">
+              <a:buNone/>
+            </a:pPr>
+            <a:endParaRPr lang="fr-FR" sz="2000" dirty="0" smtClean="0">
+              <a:latin typeface="DINPro" panose="02000503030000020004" pitchFamily="2" charset="0"/>
+            </a:endParaRPr>
           </a:p>
           <a:p>
             <a:pPr lvl="1">
@@ -22677,31 +22839,33 @@
               <a:buChar char="Ø"/>
             </a:pPr>
             <a:r>
-              <a:rPr lang="en-GB" sz="2000" dirty="0" smtClean="0">
-                <a:latin typeface="DINPro"/>
+              <a:rPr lang="en-US" sz="2000" b="1" dirty="0" smtClean="0">
+                <a:latin typeface="DINPro" panose="02000503030000020004" pitchFamily="2" charset="0"/>
               </a:rPr>
               <a:t> </a:t>
             </a:r>
             <a:r>
-              <a:rPr lang="en-GB" sz="2000" dirty="0" err="1" smtClean="0">
-                <a:latin typeface="DINPro"/>
-              </a:rPr>
-              <a:t>ngOnChanges</a:t>
-            </a:r>
-            <a:r>
-              <a:rPr lang="en-GB" sz="2000" dirty="0" smtClean="0">
-                <a:latin typeface="DINPro"/>
-              </a:rPr>
-              <a:t> not detect object passed by reference</a:t>
-            </a:r>
+              <a:rPr lang="en-US" sz="2000" b="1" dirty="0" err="1" smtClean="0">
+                <a:latin typeface="DINPro" panose="02000503030000020004" pitchFamily="2" charset="0"/>
+              </a:rPr>
+              <a:t>ngAfterViewChecked</a:t>
+            </a:r>
+            <a:endParaRPr lang="en-US" sz="2000" b="1" dirty="0" smtClean="0">
+              <a:latin typeface="DINPro" panose="02000503030000020004" pitchFamily="2" charset="0"/>
+            </a:endParaRPr>
           </a:p>
           <a:p>
             <a:pPr lvl="1">
-              <a:buFont typeface="Wingdings" pitchFamily="2" charset="2"/>
-              <a:buChar char="Ø"/>
-            </a:pPr>
-            <a:endParaRPr lang="en-GB" sz="2000" dirty="0" smtClean="0">
-              <a:latin typeface="DINPro"/>
+              <a:buNone/>
+            </a:pPr>
+            <a:r>
+              <a:rPr lang="en-US" sz="2000" dirty="0" smtClean="0">
+                <a:latin typeface="DINPro" panose="02000503030000020004" pitchFamily="2" charset="0"/>
+              </a:rPr>
+              <a:t>  - Its called after the component view – child view checked</a:t>
+            </a:r>
+            <a:endParaRPr lang="en-US" b="1" dirty="0">
+              <a:latin typeface="DINPro" panose="02000503030000020004" pitchFamily="2" charset="0"/>
             </a:endParaRPr>
           </a:p>
         </p:txBody>
@@ -22783,7 +22947,7 @@
               <a:rPr lang="en-US" sz="3000" dirty="0" smtClean="0">
                 <a:latin typeface="DINPro" panose="02000503030000020004" pitchFamily="2" charset="0"/>
               </a:rPr>
-              <a:t>Lifecycle Hooks – With live example</a:t>
+              <a:t>Lifecycle Hooks</a:t>
             </a:r>
             <a:endParaRPr lang="en-US" sz="3000" dirty="0">
               <a:latin typeface="DINPro" panose="02000503030000020004" pitchFamily="2" charset="0"/>
@@ -22816,77 +22980,11 @@
             <a:pPr lvl="1">
               <a:buNone/>
             </a:pPr>
-            <a:endParaRPr lang="fr-FR" sz="2000" b="1" dirty="0" smtClean="0">
-              <a:latin typeface="DINPro" panose="02000503030000020004" pitchFamily="2" charset="0"/>
-            </a:endParaRPr>
-          </a:p>
-          <a:p>
-            <a:pPr lvl="1"/>
-            <a:r>
-              <a:rPr lang="fr-FR" sz="2000" dirty="0" smtClean="0">
-                <a:latin typeface="DINPro" panose="02000503030000020004" pitchFamily="2" charset="0"/>
-              </a:rPr>
-              <a:t>Import the class in top</a:t>
-            </a:r>
-          </a:p>
-          <a:p>
-            <a:pPr lvl="1"/>
-            <a:r>
-              <a:rPr lang="fr-FR" sz="2000" dirty="0" err="1" smtClean="0">
-                <a:latin typeface="DINPro" panose="02000503030000020004" pitchFamily="2" charset="0"/>
-              </a:rPr>
-              <a:t>Implement</a:t>
-            </a:r>
-            <a:r>
-              <a:rPr lang="fr-FR" sz="2000" dirty="0" smtClean="0">
-                <a:latin typeface="DINPro" panose="02000503030000020004" pitchFamily="2" charset="0"/>
-              </a:rPr>
-              <a:t> the interface</a:t>
-            </a:r>
-          </a:p>
-          <a:p>
-            <a:pPr lvl="1"/>
-            <a:r>
-              <a:rPr lang="fr-FR" sz="2000" dirty="0" err="1" smtClean="0">
-                <a:latin typeface="DINPro" panose="02000503030000020004" pitchFamily="2" charset="0"/>
-              </a:rPr>
-              <a:t>Create</a:t>
-            </a:r>
-            <a:r>
-              <a:rPr lang="fr-FR" sz="2000" dirty="0" smtClean="0">
+            <a:r>
+              <a:rPr lang="fr-FR" sz="2000" b="1" dirty="0" smtClean="0">
                 <a:latin typeface="DINPro" panose="02000503030000020004" pitchFamily="2" charset="0"/>
               </a:rPr>
               <a:t> </a:t>
-            </a:r>
-            <a:r>
-              <a:rPr lang="fr-FR" sz="2000" dirty="0" err="1" smtClean="0">
-                <a:latin typeface="DINPro" panose="02000503030000020004" pitchFamily="2" charset="0"/>
-              </a:rPr>
-              <a:t>lifecycle</a:t>
-            </a:r>
-            <a:r>
-              <a:rPr lang="fr-FR" sz="2000" dirty="0" smtClean="0">
-                <a:latin typeface="DINPro" panose="02000503030000020004" pitchFamily="2" charset="0"/>
-              </a:rPr>
-              <a:t> </a:t>
-            </a:r>
-            <a:r>
-              <a:rPr lang="fr-FR" sz="2000" dirty="0" err="1" smtClean="0">
-                <a:latin typeface="DINPro" panose="02000503030000020004" pitchFamily="2" charset="0"/>
-              </a:rPr>
-              <a:t>hook</a:t>
-            </a:r>
-            <a:r>
-              <a:rPr lang="fr-FR" sz="2000" dirty="0" smtClean="0">
-                <a:latin typeface="DINPro" panose="02000503030000020004" pitchFamily="2" charset="0"/>
-              </a:rPr>
-              <a:t> </a:t>
-            </a:r>
-            <a:r>
-              <a:rPr lang="fr-FR" sz="2000" dirty="0" err="1" smtClean="0">
-                <a:latin typeface="DINPro" panose="02000503030000020004" pitchFamily="2" charset="0"/>
-              </a:rPr>
-              <a:t>function</a:t>
             </a:r>
             <a:endParaRPr lang="fr-FR" sz="2000" dirty="0" smtClean="0">
               <a:latin typeface="DINPro" panose="02000503030000020004" pitchFamily="2" charset="0"/>
@@ -22894,11 +22992,97 @@
           </a:p>
           <a:p>
             <a:pPr lvl="1">
-              <a:buNone/>
-            </a:pPr>
-            <a:endParaRPr lang="fr-FR" sz="2000" dirty="0" smtClean="0">
+              <a:buFont typeface="Wingdings" pitchFamily="2" charset="2"/>
+              <a:buChar char="Ø"/>
+            </a:pPr>
+            <a:r>
+              <a:rPr lang="en-US" sz="2000" b="1" dirty="0" smtClean="0">
+                <a:latin typeface="DINPro" panose="02000503030000020004" pitchFamily="2" charset="0"/>
+              </a:rPr>
+              <a:t> </a:t>
+            </a:r>
+            <a:r>
+              <a:rPr lang="en-US" sz="2000" b="1" dirty="0" err="1" smtClean="0">
+                <a:latin typeface="DINPro" panose="02000503030000020004" pitchFamily="2" charset="0"/>
+              </a:rPr>
+              <a:t>ngOnDestroy</a:t>
+            </a:r>
+            <a:endParaRPr lang="en-US" sz="2000" dirty="0" smtClean="0">
               <a:latin typeface="DINPro" panose="02000503030000020004" pitchFamily="2" charset="0"/>
             </a:endParaRPr>
+          </a:p>
+          <a:p>
+            <a:pPr lvl="1">
+              <a:buNone/>
+            </a:pPr>
+            <a:r>
+              <a:rPr lang="en-US" sz="2000" dirty="0" smtClean="0">
+                <a:latin typeface="DINPro" panose="02000503030000020004" pitchFamily="2" charset="0"/>
+              </a:rPr>
+              <a:t>	- Its called when the component will destroyed.</a:t>
+            </a:r>
+            <a:endParaRPr lang="en-US" b="1" dirty="0">
+              <a:latin typeface="DINPro" panose="02000503030000020004" pitchFamily="2" charset="0"/>
+            </a:endParaRPr>
+          </a:p>
+          <a:p>
+            <a:pPr lvl="1">
+              <a:buNone/>
+            </a:pPr>
+            <a:r>
+              <a:rPr lang="en-US" sz="2000" b="1" dirty="0" smtClean="0">
+                <a:latin typeface="DINPro" panose="02000503030000020004" pitchFamily="2" charset="0"/>
+              </a:rPr>
+              <a:t>	</a:t>
+            </a:r>
+            <a:r>
+              <a:rPr lang="en-US" sz="2000" dirty="0" smtClean="0">
+                <a:latin typeface="DINPro" panose="02000503030000020004" pitchFamily="2" charset="0"/>
+              </a:rPr>
+              <a:t>- Clean up just before Angular destroys the directives or components.</a:t>
+            </a:r>
+          </a:p>
+          <a:p>
+            <a:pPr lvl="1">
+              <a:buNone/>
+            </a:pPr>
+            <a:r>
+              <a:rPr lang="en-US" sz="2000" dirty="0" smtClean="0">
+                <a:latin typeface="DINPro" panose="02000503030000020004" pitchFamily="2" charset="0"/>
+              </a:rPr>
+              <a:t>	- *</a:t>
+            </a:r>
+            <a:r>
+              <a:rPr lang="en-US" sz="2000" dirty="0" err="1" smtClean="0">
+                <a:latin typeface="DINPro" panose="02000503030000020004" pitchFamily="2" charset="0"/>
+              </a:rPr>
+              <a:t>ngIf</a:t>
+            </a:r>
+            <a:r>
+              <a:rPr lang="en-US" sz="2000" dirty="0" smtClean="0">
+                <a:latin typeface="DINPro" panose="02000503030000020004" pitchFamily="2" charset="0"/>
+              </a:rPr>
+              <a:t> element removed.</a:t>
+            </a:r>
+          </a:p>
+          <a:p>
+            <a:pPr lvl="1">
+              <a:buNone/>
+            </a:pPr>
+            <a:endParaRPr lang="en-US" sz="2000" dirty="0" smtClean="0">
+              <a:latin typeface="DINPro" panose="02000503030000020004" pitchFamily="2" charset="0"/>
+            </a:endParaRPr>
+          </a:p>
+          <a:p>
+            <a:pPr lvl="1">
+              <a:buNone/>
+            </a:pPr>
+            <a:r>
+              <a:rPr lang="en-US" sz="2000" dirty="0" smtClean="0">
+                <a:latin typeface="DINPro" panose="02000503030000020004" pitchFamily="2" charset="0"/>
+              </a:rPr>
+              <a:t>Note:</a:t>
+            </a:r>
           </a:p>
           <a:p>
             <a:pPr lvl="1">
@@ -22906,19 +23090,29 @@
               <a:buChar char="Ø"/>
             </a:pPr>
             <a:r>
-              <a:rPr lang="en-US" sz="2000" b="1" dirty="0" smtClean="0">
-                <a:latin typeface="DINPro" panose="02000503030000020004" pitchFamily="2" charset="0"/>
-              </a:rPr>
-              <a:t> Constructor</a:t>
-            </a:r>
-          </a:p>
-          <a:p>
-            <a:pPr lvl="1">
-              <a:buNone/>
-            </a:pPr>
-            <a:endParaRPr lang="en-US" sz="2000" b="1" dirty="0" smtClean="0">
-              <a:latin typeface="DINPro" panose="02000503030000020004" pitchFamily="2" charset="0"/>
-            </a:endParaRPr>
+              <a:rPr lang="en-US" sz="2000" dirty="0" smtClean="0">
+                <a:latin typeface="DINPro"/>
+              </a:rPr>
+              <a:t> </a:t>
+            </a:r>
+            <a:r>
+              <a:rPr lang="en-GB" sz="2000" dirty="0" smtClean="0">
+                <a:latin typeface="DINPro"/>
+              </a:rPr>
+              <a:t>initialise your components is in the </a:t>
+            </a:r>
+            <a:r>
+              <a:rPr lang="en-GB" sz="2000" dirty="0" err="1" smtClean="0">
+                <a:latin typeface="DINPro"/>
+              </a:rPr>
+              <a:t>ngOnInit</a:t>
+            </a:r>
+            <a:r>
+              <a:rPr lang="en-GB" sz="2000" dirty="0" smtClean="0">
+                <a:latin typeface="DINPro"/>
+              </a:rPr>
+              <a:t> not in constructor</a:t>
+            </a:r>
           </a:p>
           <a:p>
             <a:pPr lvl="1">
@@ -22926,28 +23120,35 @@
               <a:buChar char="Ø"/>
             </a:pPr>
             <a:r>
-              <a:rPr lang="en-US" sz="2000" b="1" dirty="0" smtClean="0">
-                <a:latin typeface="DINPro" panose="02000503030000020004" pitchFamily="2" charset="0"/>
-              </a:rPr>
-              <a:t> </a:t>
-            </a:r>
-            <a:r>
-              <a:rPr lang="en-US" sz="2000" b="1" dirty="0" err="1" smtClean="0">
-                <a:latin typeface="DINPro" panose="02000503030000020004" pitchFamily="2" charset="0"/>
-              </a:rPr>
-              <a:t>OnInit</a:t>
-            </a:r>
-            <a:endParaRPr lang="en-US" sz="2000" b="1" dirty="0" smtClean="0">
-              <a:latin typeface="DINPro" panose="02000503030000020004" pitchFamily="2" charset="0"/>
-            </a:endParaRPr>
-          </a:p>
-          <a:p>
-            <a:pPr lvl="1">
-              <a:buNone/>
-            </a:pPr>
-            <a:endParaRPr lang="en-US" sz="2000" b="1" dirty="0" smtClean="0">
-              <a:latin typeface="DINPro" panose="02000503030000020004" pitchFamily="2" charset="0"/>
-            </a:endParaRPr>
+              <a:rPr lang="en-GB" sz="2000" dirty="0" smtClean="0">
+                <a:latin typeface="DINPro"/>
+              </a:rPr>
+              <a:t> mostly don’t use </a:t>
+            </a:r>
+            <a:r>
+              <a:rPr lang="en-GB" sz="2000" dirty="0" err="1" smtClean="0">
+                <a:latin typeface="DINPro"/>
+              </a:rPr>
+              <a:t>ngOnChanges</a:t>
+            </a:r>
+            <a:r>
+              <a:rPr lang="en-GB" sz="2000" dirty="0" smtClean="0">
+                <a:latin typeface="DINPro"/>
+              </a:rPr>
+              <a:t> and </a:t>
+            </a:r>
+            <a:r>
+              <a:rPr lang="en-GB" sz="2000" dirty="0" err="1" smtClean="0">
+                <a:latin typeface="DINPro"/>
+              </a:rPr>
+              <a:t>ngDoCheck</a:t>
+            </a:r>
+            <a:r>
+              <a:rPr lang="en-GB" sz="2000" dirty="0" smtClean="0">
+                <a:latin typeface="DINPro"/>
+              </a:rPr>
+              <a:t> in same component</a:t>
+            </a:r>
           </a:p>
           <a:p>
             <a:pPr lvl="1">
@@ -22955,24 +23156,28 @@
               <a:buChar char="Ø"/>
             </a:pPr>
             <a:r>
-              <a:rPr lang="en-US" sz="2000" b="1" dirty="0" smtClean="0">
-                <a:latin typeface="DINPro" panose="02000503030000020004" pitchFamily="2" charset="0"/>
+              <a:rPr lang="en-GB" sz="2000" dirty="0" smtClean="0">
+                <a:latin typeface="DINPro"/>
               </a:rPr>
               <a:t> </a:t>
             </a:r>
             <a:r>
-              <a:rPr lang="en-US" sz="2000" b="1" dirty="0" err="1" smtClean="0">
-                <a:latin typeface="DINPro" panose="02000503030000020004" pitchFamily="2" charset="0"/>
-              </a:rPr>
-              <a:t>OnChanges</a:t>
-            </a:r>
-            <a:endParaRPr lang="en-GB" sz="2000" dirty="0" smtClean="0">
-              <a:latin typeface="DINPro"/>
-            </a:endParaRPr>
+              <a:rPr lang="en-GB" sz="2000" dirty="0" err="1" smtClean="0">
+                <a:latin typeface="DINPro"/>
+              </a:rPr>
+              <a:t>ngOnChanges</a:t>
+            </a:r>
+            <a:r>
+              <a:rPr lang="en-GB" sz="2000" dirty="0" smtClean="0">
+                <a:latin typeface="DINPro"/>
+              </a:rPr>
+              <a:t> not detect object passed by reference</a:t>
+            </a:r>
           </a:p>
           <a:p>
             <a:pPr lvl="1">
-              <a:buNone/>
+              <a:buFont typeface="Wingdings" pitchFamily="2" charset="2"/>
+              <a:buChar char="Ø"/>
             </a:pPr>
             <a:endParaRPr lang="en-GB" sz="2000" dirty="0" smtClean="0">
               <a:latin typeface="DINPro"/>
@@ -23033,315 +23238,233 @@
       </p:grpSpPr>
       <p:sp>
         <p:nvSpPr>
-          <p:cNvPr id="4" name="TextBox 3">
-            <a:extLst>
-              <a:ext uri="{FF2B5EF4-FFF2-40B4-BE49-F238E27FC236}">
-                <a16:creationId xmlns="" xmlns:a16="http://schemas.microsoft.com/office/drawing/2014/main" id="{016EA3DF-7AA5-4C40-9597-C63E78C1700C}"/>
-              </a:ext>
-            </a:extLst>
-          </p:cNvPr>
-          <p:cNvSpPr txBox="1"/>
-          <p:nvPr/>
+          <p:cNvPr id="2" name="Title 1"/>
+          <p:cNvSpPr>
+            <a:spLocks noGrp="1"/>
+          </p:cNvSpPr>
+          <p:nvPr>
+            <p:ph type="title"/>
+          </p:nvPr>
         </p:nvSpPr>
         <p:spPr>
-          <a:xfrm flipH="1">
-            <a:off x="369923" y="2106593"/>
-            <a:ext cx="6318259" cy="984885"/>
+          <a:xfrm>
+            <a:off x="370771" y="1207025"/>
+            <a:ext cx="10058400" cy="559913"/>
           </a:xfrm>
-          <a:prstGeom prst="rect">
-            <a:avLst/>
-          </a:prstGeom>
-          <a:noFill/>
         </p:spPr>
         <p:txBody>
-          <a:bodyPr wrap="square" rtlCol="0">
-            <a:spAutoFit/>
+          <a:bodyPr>
+            <a:normAutofit/>
           </a:bodyPr>
           <a:lstStyle/>
           <a:p>
             <a:r>
-              <a:rPr lang="en-US" sz="2200" dirty="0">
-                <a:latin typeface="DINPro-Medium" pitchFamily="2" charset="0"/>
-              </a:rPr>
-              <a:t>Chapter </a:t>
-            </a:r>
-            <a:r>
-              <a:rPr lang="en-US" sz="2200" dirty="0" smtClean="0">
-                <a:latin typeface="DINPro-Medium" pitchFamily="2" charset="0"/>
-              </a:rPr>
-              <a:t>11</a:t>
-            </a:r>
-            <a:endParaRPr lang="en-US" sz="2200" dirty="0">
-              <a:latin typeface="DINPro-Medium" pitchFamily="2" charset="0"/>
-            </a:endParaRPr>
-          </a:p>
-          <a:p>
-            <a:r>
-              <a:rPr lang="en-US" sz="3600" dirty="0" smtClean="0">
-                <a:latin typeface="DINPro-Medium" pitchFamily="2" charset="0"/>
-              </a:rPr>
-              <a:t>Lifecycle Hooks – example </a:t>
-            </a:r>
-            <a:endParaRPr lang="en-US" sz="3600" dirty="0">
-              <a:latin typeface="DINPro-Medium" pitchFamily="2" charset="0"/>
+              <a:rPr lang="en-US" sz="3000" dirty="0" smtClean="0">
+                <a:latin typeface="DINPro" panose="02000503030000020004" pitchFamily="2" charset="0"/>
+              </a:rPr>
+              <a:t>Lifecycle Hooks – With live example</a:t>
+            </a:r>
+            <a:endParaRPr lang="en-US" sz="3000" dirty="0">
+              <a:latin typeface="DINPro" panose="02000503030000020004" pitchFamily="2" charset="0"/>
             </a:endParaRPr>
           </a:p>
         </p:txBody>
       </p:sp>
       <p:sp>
         <p:nvSpPr>
-          <p:cNvPr id="5" name="TextBox 4">
-            <a:extLst>
-              <a:ext uri="{FF2B5EF4-FFF2-40B4-BE49-F238E27FC236}">
-                <a16:creationId xmlns="" xmlns:a16="http://schemas.microsoft.com/office/drawing/2014/main" id="{4163B0A3-E282-B14E-A444-D0FEF1EC8A24}"/>
-              </a:ext>
-            </a:extLst>
-          </p:cNvPr>
-          <p:cNvSpPr txBox="1"/>
-          <p:nvPr/>
+          <p:cNvPr id="3" name="Content Placeholder 2"/>
+          <p:cNvSpPr>
+            <a:spLocks noGrp="1"/>
+          </p:cNvSpPr>
+          <p:nvPr>
+            <p:ph idx="1"/>
+          </p:nvPr>
         </p:nvSpPr>
         <p:spPr>
           <a:xfrm>
-            <a:off x="393074" y="3530279"/>
-            <a:ext cx="4595149" cy="2719784"/>
+            <a:off x="270563" y="1886952"/>
+            <a:ext cx="10058400" cy="4023360"/>
           </a:xfrm>
-          <a:prstGeom prst="rect">
-            <a:avLst/>
-          </a:prstGeom>
-          <a:noFill/>
         </p:spPr>
         <p:txBody>
-          <a:bodyPr wrap="square" rtlCol="0">
-            <a:spAutoFit/>
+          <a:bodyPr>
+            <a:noAutofit/>
           </a:bodyPr>
           <a:lstStyle/>
           <a:p>
-            <a:pPr>
-              <a:lnSpc>
-                <a:spcPct val="120000"/>
-              </a:lnSpc>
-              <a:buClr>
-                <a:srgbClr val="C00000"/>
-              </a:buClr>
-              <a:buSzPct val="130000"/>
-              <a:buFont typeface="Arial" pitchFamily="34" charset="0"/>
-              <a:buChar char="•"/>
-            </a:pPr>
-            <a:r>
-              <a:rPr lang="en-US" dirty="0" smtClean="0">
-                <a:latin typeface="DINPro-Light" pitchFamily="2" charset="0"/>
-              </a:rPr>
-              <a:t>  </a:t>
-            </a:r>
-            <a:r>
-              <a:rPr lang="en-US" dirty="0" err="1" smtClean="0">
-                <a:latin typeface="DINPro-Light" pitchFamily="2" charset="0"/>
-              </a:rPr>
-              <a:t>ngOnChanges</a:t>
-            </a:r>
-            <a:endParaRPr lang="en-US" dirty="0" smtClean="0">
-              <a:latin typeface="DINPro-Light" pitchFamily="2" charset="0"/>
+            <a:pPr lvl="1">
+              <a:buNone/>
+            </a:pPr>
+            <a:endParaRPr lang="fr-FR" sz="2000" b="1" dirty="0" smtClean="0">
+              <a:latin typeface="DINPro" panose="02000503030000020004" pitchFamily="2" charset="0"/>
             </a:endParaRPr>
           </a:p>
           <a:p>
-            <a:pPr>
-              <a:lnSpc>
-                <a:spcPct val="120000"/>
-              </a:lnSpc>
-              <a:buClr>
-                <a:srgbClr val="C00000"/>
-              </a:buClr>
-              <a:buSzPct val="130000"/>
-              <a:buFont typeface="Arial" pitchFamily="34" charset="0"/>
-              <a:buChar char="•"/>
-            </a:pPr>
-            <a:r>
-              <a:rPr lang="en-US" dirty="0" smtClean="0">
-                <a:latin typeface="DINPro-Light" pitchFamily="2" charset="0"/>
+            <a:pPr lvl="1"/>
+            <a:r>
+              <a:rPr lang="fr-FR" sz="2000" dirty="0" smtClean="0">
+                <a:latin typeface="DINPro" panose="02000503030000020004" pitchFamily="2" charset="0"/>
+              </a:rPr>
+              <a:t>Import the class in top</a:t>
+            </a:r>
+          </a:p>
+          <a:p>
+            <a:pPr lvl="1"/>
+            <a:r>
+              <a:rPr lang="fr-FR" sz="2000" dirty="0" err="1" smtClean="0">
+                <a:latin typeface="DINPro" panose="02000503030000020004" pitchFamily="2" charset="0"/>
+              </a:rPr>
+              <a:t>Implement</a:t>
+            </a:r>
+            <a:r>
+              <a:rPr lang="fr-FR" sz="2000" dirty="0" smtClean="0">
+                <a:latin typeface="DINPro" panose="02000503030000020004" pitchFamily="2" charset="0"/>
+              </a:rPr>
+              <a:t> the interface</a:t>
+            </a:r>
+          </a:p>
+          <a:p>
+            <a:pPr lvl="1"/>
+            <a:r>
+              <a:rPr lang="fr-FR" sz="2000" dirty="0" err="1" smtClean="0">
+                <a:latin typeface="DINPro" panose="02000503030000020004" pitchFamily="2" charset="0"/>
+              </a:rPr>
+              <a:t>Create</a:t>
+            </a:r>
+            <a:r>
+              <a:rPr lang="fr-FR" sz="2000" dirty="0" smtClean="0">
+                <a:latin typeface="DINPro" panose="02000503030000020004" pitchFamily="2" charset="0"/>
               </a:rPr>
               <a:t> </a:t>
             </a:r>
             <a:r>
-              <a:rPr lang="en-US" dirty="0" err="1" smtClean="0">
-                <a:latin typeface="DINPro-Light" pitchFamily="2" charset="0"/>
-              </a:rPr>
-              <a:t>ngOnInit</a:t>
-            </a:r>
-            <a:endParaRPr lang="en-US" dirty="0" smtClean="0">
-              <a:latin typeface="DINPro-Light" pitchFamily="2" charset="0"/>
+              <a:rPr lang="fr-FR" sz="2000" dirty="0" err="1" smtClean="0">
+                <a:latin typeface="DINPro" panose="02000503030000020004" pitchFamily="2" charset="0"/>
+              </a:rPr>
+              <a:t>lifecycle</a:t>
+            </a:r>
+            <a:r>
+              <a:rPr lang="fr-FR" sz="2000" dirty="0" smtClean="0">
+                <a:latin typeface="DINPro" panose="02000503030000020004" pitchFamily="2" charset="0"/>
+              </a:rPr>
+              <a:t> </a:t>
+            </a:r>
+            <a:r>
+              <a:rPr lang="fr-FR" sz="2000" dirty="0" err="1" smtClean="0">
+                <a:latin typeface="DINPro" panose="02000503030000020004" pitchFamily="2" charset="0"/>
+              </a:rPr>
+              <a:t>hook</a:t>
+            </a:r>
+            <a:r>
+              <a:rPr lang="fr-FR" sz="2000" dirty="0" smtClean="0">
+                <a:latin typeface="DINPro" panose="02000503030000020004" pitchFamily="2" charset="0"/>
+              </a:rPr>
+              <a:t> </a:t>
+            </a:r>
+            <a:r>
+              <a:rPr lang="fr-FR" sz="2000" dirty="0" err="1" smtClean="0">
+                <a:latin typeface="DINPro" panose="02000503030000020004" pitchFamily="2" charset="0"/>
+              </a:rPr>
+              <a:t>function</a:t>
+            </a:r>
+            <a:endParaRPr lang="fr-FR" sz="2000" dirty="0" smtClean="0">
+              <a:latin typeface="DINPro" panose="02000503030000020004" pitchFamily="2" charset="0"/>
             </a:endParaRPr>
           </a:p>
           <a:p>
-            <a:pPr>
-              <a:lnSpc>
-                <a:spcPct val="120000"/>
-              </a:lnSpc>
-              <a:buClr>
-                <a:srgbClr val="C00000"/>
-              </a:buClr>
-              <a:buSzPct val="130000"/>
-              <a:buFont typeface="Arial" pitchFamily="34" charset="0"/>
-              <a:buChar char="•"/>
-            </a:pPr>
-            <a:r>
-              <a:rPr lang="en-US" dirty="0" smtClean="0">
-                <a:latin typeface="DINPro-Light" pitchFamily="2" charset="0"/>
+            <a:pPr lvl="1">
+              <a:buNone/>
+            </a:pPr>
+            <a:endParaRPr lang="fr-FR" sz="2000" dirty="0" smtClean="0">
+              <a:latin typeface="DINPro" panose="02000503030000020004" pitchFamily="2" charset="0"/>
+            </a:endParaRPr>
+          </a:p>
+          <a:p>
+            <a:pPr lvl="1">
+              <a:buFont typeface="Wingdings" pitchFamily="2" charset="2"/>
+              <a:buChar char="Ø"/>
+            </a:pPr>
+            <a:r>
+              <a:rPr lang="en-US" sz="2000" b="1" dirty="0" smtClean="0">
+                <a:latin typeface="DINPro" panose="02000503030000020004" pitchFamily="2" charset="0"/>
+              </a:rPr>
+              <a:t> Constructor</a:t>
+            </a:r>
+          </a:p>
+          <a:p>
+            <a:pPr lvl="1">
+              <a:buNone/>
+            </a:pPr>
+            <a:endParaRPr lang="en-US" sz="2000" b="1" dirty="0" smtClean="0">
+              <a:latin typeface="DINPro" panose="02000503030000020004" pitchFamily="2" charset="0"/>
+            </a:endParaRPr>
+          </a:p>
+          <a:p>
+            <a:pPr lvl="1">
+              <a:buFont typeface="Wingdings" pitchFamily="2" charset="2"/>
+              <a:buChar char="Ø"/>
+            </a:pPr>
+            <a:r>
+              <a:rPr lang="en-US" sz="2000" b="1" dirty="0" smtClean="0">
+                <a:latin typeface="DINPro" panose="02000503030000020004" pitchFamily="2" charset="0"/>
               </a:rPr>
               <a:t> </a:t>
             </a:r>
             <a:r>
-              <a:rPr lang="en-US" dirty="0" err="1" smtClean="0">
-                <a:latin typeface="DINPro-Light" pitchFamily="2" charset="0"/>
-              </a:rPr>
-              <a:t>ngDoCheck</a:t>
-            </a:r>
-            <a:endParaRPr lang="en-US" dirty="0" smtClean="0">
-              <a:latin typeface="DINPro-Light" pitchFamily="2" charset="0"/>
+              <a:rPr lang="en-US" sz="2000" b="1" dirty="0" err="1" smtClean="0">
+                <a:latin typeface="DINPro" panose="02000503030000020004" pitchFamily="2" charset="0"/>
+              </a:rPr>
+              <a:t>OnInit</a:t>
+            </a:r>
+            <a:endParaRPr lang="en-US" sz="2000" b="1" dirty="0" smtClean="0">
+              <a:latin typeface="DINPro" panose="02000503030000020004" pitchFamily="2" charset="0"/>
             </a:endParaRPr>
           </a:p>
           <a:p>
-            <a:pPr>
-              <a:lnSpc>
-                <a:spcPct val="120000"/>
-              </a:lnSpc>
-              <a:buClr>
-                <a:srgbClr val="C00000"/>
-              </a:buClr>
-              <a:buSzPct val="130000"/>
-              <a:buFont typeface="Arial" pitchFamily="34" charset="0"/>
-              <a:buChar char="•"/>
-            </a:pPr>
-            <a:r>
-              <a:rPr lang="en-US" dirty="0" smtClean="0">
-                <a:latin typeface="DINPro-Light" pitchFamily="2" charset="0"/>
+            <a:pPr lvl="1">
+              <a:buNone/>
+            </a:pPr>
+            <a:endParaRPr lang="en-US" sz="2000" b="1" dirty="0" smtClean="0">
+              <a:latin typeface="DINPro" panose="02000503030000020004" pitchFamily="2" charset="0"/>
+            </a:endParaRPr>
+          </a:p>
+          <a:p>
+            <a:pPr lvl="1">
+              <a:buFont typeface="Wingdings" pitchFamily="2" charset="2"/>
+              <a:buChar char="Ø"/>
+            </a:pPr>
+            <a:r>
+              <a:rPr lang="en-US" sz="2000" b="1" dirty="0" smtClean="0">
+                <a:latin typeface="DINPro" panose="02000503030000020004" pitchFamily="2" charset="0"/>
               </a:rPr>
               <a:t> </a:t>
             </a:r>
             <a:r>
-              <a:rPr lang="en-US" dirty="0" err="1" smtClean="0">
-                <a:latin typeface="DINPro-Light" pitchFamily="2" charset="0"/>
-              </a:rPr>
-              <a:t>ngAfterContentInit</a:t>
-            </a:r>
-            <a:endParaRPr lang="en-US" dirty="0" smtClean="0">
-              <a:latin typeface="DINPro-Light" pitchFamily="2" charset="0"/>
+              <a:rPr lang="en-US" sz="2000" b="1" dirty="0" err="1" smtClean="0">
+                <a:latin typeface="DINPro" panose="02000503030000020004" pitchFamily="2" charset="0"/>
+              </a:rPr>
+              <a:t>OnChanges</a:t>
+            </a:r>
+            <a:endParaRPr lang="en-GB" sz="2000" dirty="0" smtClean="0">
+              <a:latin typeface="DINPro"/>
             </a:endParaRPr>
           </a:p>
           <a:p>
-            <a:pPr>
-              <a:lnSpc>
-                <a:spcPct val="120000"/>
-              </a:lnSpc>
-              <a:buClr>
-                <a:srgbClr val="C00000"/>
-              </a:buClr>
-              <a:buSzPct val="130000"/>
-              <a:buFont typeface="Arial" pitchFamily="34" charset="0"/>
-              <a:buChar char="•"/>
-            </a:pPr>
-            <a:r>
-              <a:rPr lang="en-US" dirty="0" smtClean="0">
-                <a:latin typeface="DINPro-Light" pitchFamily="2" charset="0"/>
-              </a:rPr>
-              <a:t> </a:t>
-            </a:r>
-            <a:r>
-              <a:rPr lang="en-US" dirty="0" err="1" smtClean="0">
-                <a:latin typeface="DINPro-Light" pitchFamily="2" charset="0"/>
-              </a:rPr>
-              <a:t>ngAfterContentChecked</a:t>
-            </a:r>
-            <a:endParaRPr lang="en-US" dirty="0" smtClean="0">
-              <a:latin typeface="DINPro-Light" pitchFamily="2" charset="0"/>
-            </a:endParaRPr>
-          </a:p>
-          <a:p>
-            <a:pPr>
-              <a:lnSpc>
-                <a:spcPct val="120000"/>
-              </a:lnSpc>
-              <a:buClr>
-                <a:srgbClr val="C00000"/>
-              </a:buClr>
-              <a:buSzPct val="130000"/>
-              <a:buFont typeface="Arial" pitchFamily="34" charset="0"/>
-              <a:buChar char="•"/>
-            </a:pPr>
-            <a:r>
-              <a:rPr lang="en-US" dirty="0" smtClean="0">
-                <a:latin typeface="DINPro-Light" pitchFamily="2" charset="0"/>
-              </a:rPr>
-              <a:t> </a:t>
-            </a:r>
-            <a:r>
-              <a:rPr lang="en-US" dirty="0" err="1" smtClean="0">
-                <a:latin typeface="DINPro-Light" pitchFamily="2" charset="0"/>
-              </a:rPr>
-              <a:t>ngAfterViewInit</a:t>
-            </a:r>
-            <a:endParaRPr lang="en-US" dirty="0" smtClean="0">
-              <a:latin typeface="DINPro-Light" pitchFamily="2" charset="0"/>
-            </a:endParaRPr>
-          </a:p>
-          <a:p>
-            <a:pPr>
-              <a:lnSpc>
-                <a:spcPct val="120000"/>
-              </a:lnSpc>
-              <a:buClr>
-                <a:srgbClr val="C00000"/>
-              </a:buClr>
-              <a:buSzPct val="130000"/>
-              <a:buFont typeface="Arial" pitchFamily="34" charset="0"/>
-              <a:buChar char="•"/>
-            </a:pPr>
-            <a:r>
-              <a:rPr lang="en-US" dirty="0" smtClean="0">
-                <a:latin typeface="DINPro-Light" pitchFamily="2" charset="0"/>
-              </a:rPr>
-              <a:t> </a:t>
-            </a:r>
-            <a:r>
-              <a:rPr lang="en-US" dirty="0" err="1" smtClean="0">
-                <a:latin typeface="DINPro-Light" pitchFamily="2" charset="0"/>
-              </a:rPr>
-              <a:t>ngAfterViewChecked</a:t>
-            </a:r>
-            <a:endParaRPr lang="en-US" dirty="0" smtClean="0">
-              <a:latin typeface="DINPro-Light" pitchFamily="2" charset="0"/>
-            </a:endParaRPr>
-          </a:p>
-          <a:p>
-            <a:pPr>
-              <a:lnSpc>
-                <a:spcPct val="120000"/>
-              </a:lnSpc>
-              <a:buClr>
-                <a:srgbClr val="C00000"/>
-              </a:buClr>
-              <a:buSzPct val="130000"/>
-              <a:buFont typeface="Arial" pitchFamily="34" charset="0"/>
-              <a:buChar char="•"/>
-            </a:pPr>
-            <a:r>
-              <a:rPr lang="en-US" dirty="0" smtClean="0">
-                <a:latin typeface="DINPro-Light" pitchFamily="2" charset="0"/>
-              </a:rPr>
-              <a:t> </a:t>
-            </a:r>
-            <a:r>
-              <a:rPr lang="en-US" dirty="0" err="1" smtClean="0">
-                <a:latin typeface="DINPro-Light" pitchFamily="2" charset="0"/>
-              </a:rPr>
-              <a:t>ngOnDestroy</a:t>
-            </a:r>
-            <a:endParaRPr lang="en-US" dirty="0">
-              <a:latin typeface="DINPro-Light" pitchFamily="2" charset="0"/>
+            <a:pPr lvl="1">
+              <a:buNone/>
+            </a:pPr>
+            <a:endParaRPr lang="en-GB" sz="2000" dirty="0" smtClean="0">
+              <a:latin typeface="DINPro"/>
             </a:endParaRPr>
           </a:p>
         </p:txBody>
       </p:sp>
     </p:spTree>
+    <p:extLst>
+      <p:ext uri="{BB962C8B-B14F-4D97-AF65-F5344CB8AC3E}">
+        <p14:creationId xmlns:p14="http://schemas.microsoft.com/office/powerpoint/2010/main" xmlns="" val="1189706594"/>
+      </p:ext>
+    </p:extLst>
   </p:cSld>
   <p:clrMapOvr>
     <a:masterClrMapping/>
@@ -24464,343 +24587,315 @@
       </p:grpSpPr>
       <p:sp>
         <p:nvSpPr>
-          <p:cNvPr id="2" name="Title 1"/>
-          <p:cNvSpPr>
-            <a:spLocks noGrp="1"/>
-          </p:cNvSpPr>
-          <p:nvPr>
-            <p:ph type="title"/>
-          </p:nvPr>
+          <p:cNvPr id="4" name="TextBox 3">
+            <a:extLst>
+              <a:ext uri="{FF2B5EF4-FFF2-40B4-BE49-F238E27FC236}">
+                <a16:creationId xmlns="" xmlns:a16="http://schemas.microsoft.com/office/drawing/2014/main" id="{016EA3DF-7AA5-4C40-9597-C63E78C1700C}"/>
+              </a:ext>
+            </a:extLst>
+          </p:cNvPr>
+          <p:cNvSpPr txBox="1"/>
+          <p:nvPr/>
         </p:nvSpPr>
         <p:spPr>
-          <a:xfrm>
-            <a:off x="370771" y="1207025"/>
-            <a:ext cx="10058400" cy="559913"/>
+          <a:xfrm flipH="1">
+            <a:off x="369923" y="2106593"/>
+            <a:ext cx="6318259" cy="984885"/>
           </a:xfrm>
+          <a:prstGeom prst="rect">
+            <a:avLst/>
+          </a:prstGeom>
+          <a:noFill/>
         </p:spPr>
         <p:txBody>
-          <a:bodyPr>
-            <a:normAutofit/>
+          <a:bodyPr wrap="square" rtlCol="0">
+            <a:spAutoFit/>
           </a:bodyPr>
           <a:lstStyle/>
           <a:p>
             <a:r>
-              <a:rPr lang="en-US" sz="3000" dirty="0" smtClean="0">
-                <a:latin typeface="DINPro" panose="02000503030000020004" pitchFamily="2" charset="0"/>
-              </a:rPr>
-              <a:t>Lifecycle Hooks – With </a:t>
-            </a:r>
-            <a:r>
-              <a:rPr lang="en-US" sz="3000" dirty="0" smtClean="0">
-                <a:latin typeface="DINPro" panose="02000503030000020004" pitchFamily="2" charset="0"/>
-              </a:rPr>
-              <a:t>example</a:t>
-            </a:r>
-            <a:endParaRPr lang="en-US" sz="3000" dirty="0">
-              <a:latin typeface="DINPro" panose="02000503030000020004" pitchFamily="2" charset="0"/>
+              <a:rPr lang="en-US" sz="2200" dirty="0">
+                <a:latin typeface="DINPro-Medium" pitchFamily="2" charset="0"/>
+              </a:rPr>
+              <a:t>Chapter </a:t>
+            </a:r>
+            <a:r>
+              <a:rPr lang="en-US" sz="2200" dirty="0" smtClean="0">
+                <a:latin typeface="DINPro-Medium" pitchFamily="2" charset="0"/>
+              </a:rPr>
+              <a:t>11</a:t>
+            </a:r>
+            <a:endParaRPr lang="en-US" sz="2200" dirty="0">
+              <a:latin typeface="DINPro-Medium" pitchFamily="2" charset="0"/>
+            </a:endParaRPr>
+          </a:p>
+          <a:p>
+            <a:r>
+              <a:rPr lang="en-US" sz="3600" dirty="0" smtClean="0">
+                <a:latin typeface="DINPro-Medium" pitchFamily="2" charset="0"/>
+              </a:rPr>
+              <a:t>Lifecycle Hooks – example </a:t>
+            </a:r>
+            <a:endParaRPr lang="en-US" sz="3600" dirty="0">
+              <a:latin typeface="DINPro-Medium" pitchFamily="2" charset="0"/>
             </a:endParaRPr>
           </a:p>
         </p:txBody>
       </p:sp>
       <p:sp>
         <p:nvSpPr>
-          <p:cNvPr id="3" name="Content Placeholder 2"/>
-          <p:cNvSpPr>
-            <a:spLocks noGrp="1"/>
-          </p:cNvSpPr>
-          <p:nvPr>
-            <p:ph idx="1"/>
-          </p:nvPr>
+          <p:cNvPr id="5" name="TextBox 4">
+            <a:extLst>
+              <a:ext uri="{FF2B5EF4-FFF2-40B4-BE49-F238E27FC236}">
+                <a16:creationId xmlns="" xmlns:a16="http://schemas.microsoft.com/office/drawing/2014/main" id="{4163B0A3-E282-B14E-A444-D0FEF1EC8A24}"/>
+              </a:ext>
+            </a:extLst>
+          </p:cNvPr>
+          <p:cNvSpPr txBox="1"/>
+          <p:nvPr/>
         </p:nvSpPr>
         <p:spPr>
           <a:xfrm>
-            <a:off x="270563" y="1886952"/>
-            <a:ext cx="10058400" cy="4023360"/>
+            <a:off x="393074" y="3530279"/>
+            <a:ext cx="4595149" cy="2719784"/>
           </a:xfrm>
+          <a:prstGeom prst="rect">
+            <a:avLst/>
+          </a:prstGeom>
+          <a:noFill/>
         </p:spPr>
         <p:txBody>
-          <a:bodyPr>
-            <a:noAutofit/>
+          <a:bodyPr wrap="square" rtlCol="0">
+            <a:spAutoFit/>
           </a:bodyPr>
           <a:lstStyle/>
           <a:p>
-            <a:pPr lvl="1">
+            <a:pPr>
               <a:lnSpc>
-                <a:spcPct val="150000"/>
+                <a:spcPct val="120000"/>
               </a:lnSpc>
-              <a:buFont typeface="Wingdings" pitchFamily="2" charset="2"/>
-              <a:buChar char="Ø"/>
-            </a:pPr>
-            <a:r>
-              <a:rPr lang="en-US" sz="2000" dirty="0" err="1" smtClean="0">
-                <a:latin typeface="DINPro" panose="02000503030000020004" pitchFamily="2" charset="0"/>
-              </a:rPr>
-              <a:t>DoCheck</a:t>
-            </a:r>
-            <a:endParaRPr lang="en-US" sz="2000" dirty="0" smtClean="0">
-              <a:latin typeface="DINPro" panose="02000503030000020004" pitchFamily="2" charset="0"/>
+              <a:buClr>
+                <a:srgbClr val="C00000"/>
+              </a:buClr>
+              <a:buSzPct val="130000"/>
+              <a:buFont typeface="Arial" pitchFamily="34" charset="0"/>
+              <a:buChar char="•"/>
+            </a:pPr>
+            <a:r>
+              <a:rPr lang="en-US" dirty="0" smtClean="0">
+                <a:latin typeface="DINPro-Light" pitchFamily="2" charset="0"/>
+              </a:rPr>
+              <a:t>  </a:t>
+            </a:r>
+            <a:r>
+              <a:rPr lang="en-US" dirty="0" err="1" smtClean="0">
+                <a:latin typeface="DINPro-Light" pitchFamily="2" charset="0"/>
+              </a:rPr>
+              <a:t>ngOnChanges</a:t>
+            </a:r>
+            <a:endParaRPr lang="en-US" dirty="0" smtClean="0">
+              <a:latin typeface="DINPro-Light" pitchFamily="2" charset="0"/>
             </a:endParaRPr>
           </a:p>
           <a:p>
-            <a:pPr lvl="1">
+            <a:pPr>
               <a:lnSpc>
-                <a:spcPct val="150000"/>
+                <a:spcPct val="120000"/>
               </a:lnSpc>
-              <a:buFont typeface="Wingdings" pitchFamily="2" charset="2"/>
-              <a:buChar char="Ø"/>
-            </a:pPr>
-            <a:r>
-              <a:rPr lang="en-US" sz="2000" dirty="0" smtClean="0">
-                <a:latin typeface="DINPro" panose="02000503030000020004" pitchFamily="2" charset="0"/>
+              <a:buClr>
+                <a:srgbClr val="C00000"/>
+              </a:buClr>
+              <a:buSzPct val="130000"/>
+              <a:buFont typeface="Arial" pitchFamily="34" charset="0"/>
+              <a:buChar char="•"/>
+            </a:pPr>
+            <a:r>
+              <a:rPr lang="en-US" dirty="0" smtClean="0">
+                <a:latin typeface="DINPro-Light" pitchFamily="2" charset="0"/>
               </a:rPr>
               <a:t> </a:t>
             </a:r>
             <a:r>
-              <a:rPr lang="en-US" sz="2000" dirty="0" smtClean="0">
-                <a:latin typeface="DINPro" panose="02000503030000020004" pitchFamily="2" charset="0"/>
-              </a:rPr>
-              <a:t>Difference between </a:t>
-            </a:r>
-            <a:r>
-              <a:rPr lang="en-US" sz="2000" dirty="0" err="1" smtClean="0">
-                <a:latin typeface="DINPro" panose="02000503030000020004" pitchFamily="2" charset="0"/>
-              </a:rPr>
-              <a:t>OnChanges</a:t>
-            </a:r>
-            <a:r>
-              <a:rPr lang="en-US" sz="2000" dirty="0" smtClean="0">
-                <a:latin typeface="DINPro" panose="02000503030000020004" pitchFamily="2" charset="0"/>
-              </a:rPr>
-              <a:t> and </a:t>
-            </a:r>
-            <a:r>
-              <a:rPr lang="en-US" sz="2000" dirty="0" err="1" smtClean="0">
-                <a:latin typeface="DINPro" panose="02000503030000020004" pitchFamily="2" charset="0"/>
-              </a:rPr>
-              <a:t>DoCheck</a:t>
-            </a:r>
-            <a:endParaRPr lang="en-US" sz="2000" dirty="0" smtClean="0">
-              <a:latin typeface="DINPro" panose="02000503030000020004" pitchFamily="2" charset="0"/>
+              <a:rPr lang="en-US" dirty="0" err="1" smtClean="0">
+                <a:latin typeface="DINPro-Light" pitchFamily="2" charset="0"/>
+              </a:rPr>
+              <a:t>ngOnInit</a:t>
+            </a:r>
+            <a:endParaRPr lang="en-US" dirty="0" smtClean="0">
+              <a:latin typeface="DINPro-Light" pitchFamily="2" charset="0"/>
             </a:endParaRPr>
           </a:p>
           <a:p>
-            <a:pPr lvl="1">
+            <a:pPr>
               <a:lnSpc>
-                <a:spcPct val="150000"/>
+                <a:spcPct val="120000"/>
               </a:lnSpc>
-              <a:buFont typeface="Wingdings" pitchFamily="2" charset="2"/>
-              <a:buChar char="Ø"/>
-            </a:pPr>
-            <a:r>
-              <a:rPr lang="en-US" sz="2000" dirty="0" smtClean="0">
-                <a:latin typeface="DINPro" panose="02000503030000020004" pitchFamily="2" charset="0"/>
+              <a:buClr>
+                <a:srgbClr val="C00000"/>
+              </a:buClr>
+              <a:buSzPct val="130000"/>
+              <a:buFont typeface="Arial" pitchFamily="34" charset="0"/>
+              <a:buChar char="•"/>
+            </a:pPr>
+            <a:r>
+              <a:rPr lang="en-US" dirty="0" smtClean="0">
+                <a:latin typeface="DINPro-Light" pitchFamily="2" charset="0"/>
               </a:rPr>
               <a:t> </a:t>
             </a:r>
             <a:r>
-              <a:rPr lang="en-US" sz="2000" dirty="0" err="1" smtClean="0"/>
-              <a:t>AfterContentInit</a:t>
-            </a:r>
-            <a:endParaRPr lang="en-US" sz="2000" dirty="0" smtClean="0">
-              <a:latin typeface="DINPro" panose="02000503030000020004" pitchFamily="2" charset="0"/>
+              <a:rPr lang="en-US" dirty="0" err="1" smtClean="0">
+                <a:latin typeface="DINPro-Light" pitchFamily="2" charset="0"/>
+              </a:rPr>
+              <a:t>ngDoCheck</a:t>
+            </a:r>
+            <a:endParaRPr lang="en-US" dirty="0" smtClean="0">
+              <a:latin typeface="DINPro-Light" pitchFamily="2" charset="0"/>
             </a:endParaRPr>
           </a:p>
           <a:p>
-            <a:pPr lvl="1">
+            <a:pPr>
               <a:lnSpc>
-                <a:spcPct val="150000"/>
+                <a:spcPct val="120000"/>
               </a:lnSpc>
-              <a:buFont typeface="Wingdings" pitchFamily="2" charset="2"/>
-              <a:buChar char="Ø"/>
-            </a:pPr>
-            <a:r>
-              <a:rPr lang="en-US" sz="2000" dirty="0" smtClean="0">
-                <a:latin typeface="DINPro" panose="02000503030000020004" pitchFamily="2" charset="0"/>
+              <a:buClr>
+                <a:srgbClr val="C00000"/>
+              </a:buClr>
+              <a:buSzPct val="130000"/>
+              <a:buFont typeface="Arial" pitchFamily="34" charset="0"/>
+              <a:buChar char="•"/>
+            </a:pPr>
+            <a:r>
+              <a:rPr lang="en-US" dirty="0" smtClean="0">
+                <a:latin typeface="DINPro-Light" pitchFamily="2" charset="0"/>
               </a:rPr>
               <a:t> </a:t>
             </a:r>
             <a:r>
-              <a:rPr lang="en-US" sz="2000" dirty="0" err="1" smtClean="0"/>
-              <a:t>AfterContentChecked</a:t>
-            </a:r>
-            <a:endParaRPr lang="en-GB" sz="2000" dirty="0" smtClean="0">
-              <a:latin typeface="DINPro"/>
+              <a:rPr lang="en-US" dirty="0" err="1" smtClean="0">
+                <a:latin typeface="DINPro-Light" pitchFamily="2" charset="0"/>
+              </a:rPr>
+              <a:t>ngAfterContentInit</a:t>
+            </a:r>
+            <a:endParaRPr lang="en-US" dirty="0" smtClean="0">
+              <a:latin typeface="DINPro-Light" pitchFamily="2" charset="0"/>
             </a:endParaRPr>
           </a:p>
           <a:p>
-            <a:pPr lvl="1">
-              <a:buNone/>
-            </a:pPr>
-            <a:endParaRPr lang="fr-FR" sz="2400" b="1" dirty="0" smtClean="0">
-              <a:latin typeface="DINPro" panose="02000503030000020004" pitchFamily="2" charset="0"/>
+            <a:pPr>
+              <a:lnSpc>
+                <a:spcPct val="120000"/>
+              </a:lnSpc>
+              <a:buClr>
+                <a:srgbClr val="C00000"/>
+              </a:buClr>
+              <a:buSzPct val="130000"/>
+              <a:buFont typeface="Arial" pitchFamily="34" charset="0"/>
+              <a:buChar char="•"/>
+            </a:pPr>
+            <a:r>
+              <a:rPr lang="en-US" dirty="0" smtClean="0">
+                <a:latin typeface="DINPro-Light" pitchFamily="2" charset="0"/>
+              </a:rPr>
+              <a:t> </a:t>
+            </a:r>
+            <a:r>
+              <a:rPr lang="en-US" dirty="0" err="1" smtClean="0">
+                <a:latin typeface="DINPro-Light" pitchFamily="2" charset="0"/>
+              </a:rPr>
+              <a:t>ngAfterContentChecked</a:t>
+            </a:r>
+            <a:endParaRPr lang="en-US" dirty="0" smtClean="0">
+              <a:latin typeface="DINPro-Light" pitchFamily="2" charset="0"/>
             </a:endParaRPr>
           </a:p>
           <a:p>
-            <a:pPr lvl="1">
-              <a:buNone/>
-            </a:pPr>
-            <a:endParaRPr lang="fr-FR" sz="2400" b="1" dirty="0" smtClean="0">
-              <a:latin typeface="DINPro" panose="02000503030000020004" pitchFamily="2" charset="0"/>
+            <a:pPr>
+              <a:lnSpc>
+                <a:spcPct val="120000"/>
+              </a:lnSpc>
+              <a:buClr>
+                <a:srgbClr val="C00000"/>
+              </a:buClr>
+              <a:buSzPct val="130000"/>
+              <a:buFont typeface="Arial" pitchFamily="34" charset="0"/>
+              <a:buChar char="•"/>
+            </a:pPr>
+            <a:r>
+              <a:rPr lang="en-US" dirty="0" smtClean="0">
+                <a:latin typeface="DINPro-Light" pitchFamily="2" charset="0"/>
+              </a:rPr>
+              <a:t> </a:t>
+            </a:r>
+            <a:r>
+              <a:rPr lang="en-US" dirty="0" err="1" smtClean="0">
+                <a:latin typeface="DINPro-Light" pitchFamily="2" charset="0"/>
+              </a:rPr>
+              <a:t>ngAfterViewInit</a:t>
+            </a:r>
+            <a:endParaRPr lang="en-US" dirty="0" smtClean="0">
+              <a:latin typeface="DINPro-Light" pitchFamily="2" charset="0"/>
             </a:endParaRPr>
           </a:p>
           <a:p>
-            <a:pPr lvl="1">
-              <a:buNone/>
-            </a:pPr>
-            <a:r>
-              <a:rPr lang="fr-FR" sz="2400" dirty="0" smtClean="0">
-                <a:latin typeface="DINPro" panose="02000503030000020004" pitchFamily="2" charset="0"/>
-              </a:rPr>
-              <a:t>(</a:t>
-            </a:r>
-            <a:r>
-              <a:rPr lang="fr-FR" b="1" dirty="0" smtClean="0">
-                <a:latin typeface="DINPro" panose="02000503030000020004" pitchFamily="2" charset="0"/>
-              </a:rPr>
-              <a:t>note</a:t>
-            </a:r>
-            <a:r>
-              <a:rPr lang="fr-FR" dirty="0" smtClean="0">
-                <a:latin typeface="DINPro" panose="02000503030000020004" pitchFamily="2" charset="0"/>
-              </a:rPr>
-              <a:t>: Import the class </a:t>
-            </a:r>
-            <a:r>
-              <a:rPr lang="fr-FR" dirty="0" err="1" smtClean="0">
-                <a:latin typeface="DINPro" panose="02000503030000020004" pitchFamily="2" charset="0"/>
-              </a:rPr>
-              <a:t>name</a:t>
-            </a:r>
-            <a:r>
-              <a:rPr lang="fr-FR" dirty="0" smtClean="0">
-                <a:latin typeface="DINPro" panose="02000503030000020004" pitchFamily="2" charset="0"/>
-              </a:rPr>
-              <a:t> in top, </a:t>
-            </a:r>
-            <a:r>
-              <a:rPr lang="fr-FR" dirty="0" err="1" smtClean="0">
-                <a:latin typeface="DINPro" panose="02000503030000020004" pitchFamily="2" charset="0"/>
-              </a:rPr>
-              <a:t>Implements</a:t>
-            </a:r>
-            <a:r>
-              <a:rPr lang="fr-FR" dirty="0" smtClean="0">
-                <a:latin typeface="DINPro" panose="02000503030000020004" pitchFamily="2" charset="0"/>
-              </a:rPr>
-              <a:t> the </a:t>
-            </a:r>
-            <a:r>
-              <a:rPr lang="fr-FR" dirty="0" smtClean="0">
-                <a:latin typeface="DINPro" panose="02000503030000020004" pitchFamily="2" charset="0"/>
-              </a:rPr>
-              <a:t>interface, </a:t>
-            </a:r>
-            <a:r>
-              <a:rPr lang="fr-FR" dirty="0" smtClean="0">
-                <a:latin typeface="DINPro" panose="02000503030000020004" pitchFamily="2" charset="0"/>
-              </a:rPr>
-              <a:t>Inside </a:t>
-            </a:r>
-            <a:r>
-              <a:rPr lang="fr-FR" dirty="0" smtClean="0">
-                <a:latin typeface="DINPro" panose="02000503030000020004" pitchFamily="2" charset="0"/>
-              </a:rPr>
-              <a:t>of </a:t>
-            </a:r>
-            <a:r>
-              <a:rPr lang="fr-FR" dirty="0" smtClean="0">
-                <a:latin typeface="DINPro" panose="02000503030000020004" pitchFamily="2" charset="0"/>
-              </a:rPr>
-              <a:t>component </a:t>
-            </a:r>
-            <a:r>
-              <a:rPr lang="fr-FR" dirty="0" err="1" smtClean="0">
-                <a:latin typeface="DINPro" panose="02000503030000020004" pitchFamily="2" charset="0"/>
-              </a:rPr>
-              <a:t>should</a:t>
-            </a:r>
-            <a:r>
-              <a:rPr lang="fr-FR" dirty="0" smtClean="0">
-                <a:latin typeface="DINPro" panose="02000503030000020004" pitchFamily="2" charset="0"/>
+            <a:pPr>
+              <a:lnSpc>
+                <a:spcPct val="120000"/>
+              </a:lnSpc>
+              <a:buClr>
+                <a:srgbClr val="C00000"/>
+              </a:buClr>
+              <a:buSzPct val="130000"/>
+              <a:buFont typeface="Arial" pitchFamily="34" charset="0"/>
+              <a:buChar char="•"/>
+            </a:pPr>
+            <a:r>
+              <a:rPr lang="en-US" dirty="0" smtClean="0">
+                <a:latin typeface="DINPro-Light" pitchFamily="2" charset="0"/>
               </a:rPr>
               <a:t> </a:t>
             </a:r>
             <a:r>
-              <a:rPr lang="fr-FR" dirty="0" err="1" smtClean="0">
-                <a:latin typeface="DINPro" panose="02000503030000020004" pitchFamily="2" charset="0"/>
-              </a:rPr>
-              <a:t>be</a:t>
-            </a:r>
-            <a:r>
-              <a:rPr lang="fr-FR" dirty="0" smtClean="0">
-                <a:latin typeface="DINPro" panose="02000503030000020004" pitchFamily="2" charset="0"/>
+              <a:rPr lang="en-US" dirty="0" err="1" smtClean="0">
+                <a:latin typeface="DINPro-Light" pitchFamily="2" charset="0"/>
+              </a:rPr>
+              <a:t>ngAfterViewChecked</a:t>
+            </a:r>
+            <a:endParaRPr lang="en-US" dirty="0" smtClean="0">
+              <a:latin typeface="DINPro-Light" pitchFamily="2" charset="0"/>
+            </a:endParaRPr>
+          </a:p>
+          <a:p>
+            <a:pPr>
+              <a:lnSpc>
+                <a:spcPct val="120000"/>
+              </a:lnSpc>
+              <a:buClr>
+                <a:srgbClr val="C00000"/>
+              </a:buClr>
+              <a:buSzPct val="130000"/>
+              <a:buFont typeface="Arial" pitchFamily="34" charset="0"/>
+              <a:buChar char="•"/>
+            </a:pPr>
+            <a:r>
+              <a:rPr lang="en-US" dirty="0" smtClean="0">
+                <a:latin typeface="DINPro-Light" pitchFamily="2" charset="0"/>
               </a:rPr>
               <a:t> </a:t>
             </a:r>
             <a:r>
-              <a:rPr lang="fr-FR" dirty="0" err="1" smtClean="0">
-                <a:latin typeface="DINPro" panose="02000503030000020004" pitchFamily="2" charset="0"/>
-              </a:rPr>
-              <a:t>declare</a:t>
-            </a:r>
-            <a:r>
-              <a:rPr lang="fr-FR" dirty="0" smtClean="0">
-                <a:latin typeface="DINPro" panose="02000503030000020004" pitchFamily="2" charset="0"/>
-              </a:rPr>
-              <a:t> the </a:t>
-            </a:r>
-            <a:r>
-              <a:rPr lang="fr-FR" dirty="0" err="1" smtClean="0">
-                <a:latin typeface="DINPro" panose="02000503030000020004" pitchFamily="2" charset="0"/>
-              </a:rPr>
-              <a:t>property</a:t>
-            </a:r>
-            <a:r>
-              <a:rPr lang="fr-FR" dirty="0" smtClean="0">
-                <a:latin typeface="DINPro" panose="02000503030000020004" pitchFamily="2" charset="0"/>
-              </a:rPr>
-              <a:t> </a:t>
-            </a:r>
-            <a:r>
-              <a:rPr lang="fr-FR" dirty="0" err="1" smtClean="0">
-                <a:latin typeface="DINPro" panose="02000503030000020004" pitchFamily="2" charset="0"/>
-              </a:rPr>
-              <a:t>name</a:t>
-            </a:r>
-            <a:r>
-              <a:rPr lang="fr-FR" sz="2400" dirty="0" smtClean="0">
-                <a:latin typeface="DINPro" panose="02000503030000020004" pitchFamily="2" charset="0"/>
-              </a:rPr>
-              <a:t>)</a:t>
-            </a:r>
-            <a:endParaRPr lang="fr-FR" sz="2400" dirty="0" smtClean="0">
-              <a:latin typeface="DINPro" panose="02000503030000020004" pitchFamily="2" charset="0"/>
-            </a:endParaRPr>
-          </a:p>
-          <a:p>
-            <a:pPr lvl="1">
-              <a:buNone/>
-            </a:pPr>
-            <a:endParaRPr lang="en-GB" sz="2000" dirty="0" smtClean="0">
-              <a:latin typeface="DINPro"/>
-            </a:endParaRPr>
-          </a:p>
-          <a:p>
-            <a:pPr lvl="1">
-              <a:buNone/>
-            </a:pPr>
-            <a:endParaRPr lang="en-GB" sz="2000" dirty="0" smtClean="0">
-              <a:latin typeface="DINPro"/>
+              <a:rPr lang="en-US" dirty="0" err="1" smtClean="0">
+                <a:latin typeface="DINPro-Light" pitchFamily="2" charset="0"/>
+              </a:rPr>
+              <a:t>ngOnDestroy</a:t>
+            </a:r>
+            <a:endParaRPr lang="en-US" dirty="0">
+              <a:latin typeface="DINPro-Light" pitchFamily="2" charset="0"/>
             </a:endParaRPr>
           </a:p>
         </p:txBody>
       </p:sp>
     </p:spTree>
-    <p:extLst>
-      <p:ext uri="{BB962C8B-B14F-4D97-AF65-F5344CB8AC3E}">
-        <p14:creationId xmlns:p14="http://schemas.microsoft.com/office/powerpoint/2010/main" xmlns="" val="1189706594"/>
-      </p:ext>
-    </p:extLst>
   </p:cSld>
   <p:clrMapOvr>
     <a:masterClrMapping/>
@@ -24872,25 +24967,7 @@
               <a:rPr lang="en-US" sz="3000" dirty="0" smtClean="0">
                 <a:latin typeface="DINPro" panose="02000503030000020004" pitchFamily="2" charset="0"/>
               </a:rPr>
-              <a:t>Difference between </a:t>
-            </a:r>
-            <a:r>
-              <a:rPr lang="en-US" sz="3000" dirty="0" err="1" smtClean="0">
-                <a:latin typeface="DINPro" panose="02000503030000020004" pitchFamily="2" charset="0"/>
-              </a:rPr>
-              <a:t>Onchanges</a:t>
-            </a:r>
-            <a:r>
-              <a:rPr lang="en-US" sz="3000" dirty="0" smtClean="0">
-                <a:latin typeface="DINPro" panose="02000503030000020004" pitchFamily="2" charset="0"/>
-              </a:rPr>
-              <a:t> and </a:t>
-            </a:r>
-            <a:r>
-              <a:rPr lang="en-US" sz="3000" dirty="0" err="1" smtClean="0">
-                <a:latin typeface="DINPro" panose="02000503030000020004" pitchFamily="2" charset="0"/>
-              </a:rPr>
-              <a:t>DoCheck</a:t>
+              <a:t>Lifecycle Hooks – With example</a:t>
             </a:r>
             <a:endParaRPr lang="en-US" sz="3000" dirty="0">
               <a:latin typeface="DINPro" panose="02000503030000020004" pitchFamily="2" charset="0"/>
@@ -24928,35 +25005,14 @@
               <a:buChar char="Ø"/>
             </a:pPr>
             <a:r>
-              <a:rPr lang="en-US" sz="2000" dirty="0" smtClean="0">
-                <a:latin typeface="DINPro" panose="02000503030000020004" pitchFamily="2" charset="0"/>
-              </a:rPr>
-              <a:t> </a:t>
-            </a:r>
-            <a:r>
               <a:rPr lang="en-US" sz="2000" dirty="0" err="1" smtClean="0">
                 <a:latin typeface="DINPro" panose="02000503030000020004" pitchFamily="2" charset="0"/>
               </a:rPr>
-              <a:t>ngOnChanges</a:t>
-            </a:r>
-            <a:r>
-              <a:rPr lang="en-US" sz="2000" dirty="0" smtClean="0">
-                <a:latin typeface="DINPro" panose="02000503030000020004" pitchFamily="2" charset="0"/>
-              </a:rPr>
-              <a:t> called when input property changed but </a:t>
-            </a:r>
-            <a:r>
-              <a:rPr lang="en-US" sz="2000" dirty="0" err="1" smtClean="0">
-                <a:latin typeface="DINPro" panose="02000503030000020004" pitchFamily="2" charset="0"/>
-              </a:rPr>
-              <a:t>ngDoCheck</a:t>
-            </a:r>
-            <a:r>
-              <a:rPr lang="en-US" sz="2000" dirty="0" smtClean="0">
-                <a:latin typeface="DINPro" panose="02000503030000020004" pitchFamily="2" charset="0"/>
-              </a:rPr>
-              <a:t> called all the time when view detect any changes</a:t>
-            </a:r>
+              <a:t>DoCheck</a:t>
+            </a:r>
+            <a:endParaRPr lang="en-US" sz="2000" dirty="0" smtClean="0">
+              <a:latin typeface="DINPro" panose="02000503030000020004" pitchFamily="2" charset="0"/>
+            </a:endParaRPr>
           </a:p>
           <a:p>
             <a:pPr lvl="1">
@@ -24970,31 +25026,69 @@
               <a:rPr lang="en-US" sz="2000" dirty="0" smtClean="0">
                 <a:latin typeface="DINPro" panose="02000503030000020004" pitchFamily="2" charset="0"/>
               </a:rPr>
+              <a:t> Difference between </a:t>
+            </a:r>
+            <a:r>
+              <a:rPr lang="en-US" sz="2000" dirty="0" err="1" smtClean="0">
+                <a:latin typeface="DINPro" panose="02000503030000020004" pitchFamily="2" charset="0"/>
+              </a:rPr>
+              <a:t>OnChanges</a:t>
+            </a:r>
+            <a:r>
+              <a:rPr lang="en-US" sz="2000" dirty="0" smtClean="0">
+                <a:latin typeface="DINPro" panose="02000503030000020004" pitchFamily="2" charset="0"/>
+              </a:rPr>
+              <a:t> and </a:t>
+            </a:r>
+            <a:r>
+              <a:rPr lang="en-US" sz="2000" dirty="0" err="1" smtClean="0">
+                <a:latin typeface="DINPro" panose="02000503030000020004" pitchFamily="2" charset="0"/>
+              </a:rPr>
+              <a:t>DoCheck</a:t>
+            </a:r>
+            <a:endParaRPr lang="en-US" sz="2000" dirty="0" smtClean="0">
+              <a:latin typeface="DINPro" panose="02000503030000020004" pitchFamily="2" charset="0"/>
+            </a:endParaRPr>
+          </a:p>
+          <a:p>
+            <a:pPr lvl="1">
+              <a:lnSpc>
+                <a:spcPct val="150000"/>
+              </a:lnSpc>
+              <a:buFont typeface="Wingdings" pitchFamily="2" charset="2"/>
+              <a:buChar char="Ø"/>
+            </a:pPr>
+            <a:r>
+              <a:rPr lang="en-US" sz="2000" dirty="0" smtClean="0">
+                <a:latin typeface="DINPro" panose="02000503030000020004" pitchFamily="2" charset="0"/>
+              </a:rPr>
               <a:t> </a:t>
             </a:r>
             <a:r>
-              <a:rPr lang="en-US" sz="2000" dirty="0" err="1" smtClean="0">
-                <a:latin typeface="DINPro" panose="02000503030000020004" pitchFamily="2" charset="0"/>
-              </a:rPr>
-              <a:t>ngOnChanges</a:t>
-            </a:r>
+              <a:rPr lang="en-US" sz="2000" dirty="0" err="1" smtClean="0"/>
+              <a:t>AfterContentInit</a:t>
+            </a:r>
+            <a:endParaRPr lang="en-US" sz="2000" dirty="0" smtClean="0">
+              <a:latin typeface="DINPro" panose="02000503030000020004" pitchFamily="2" charset="0"/>
+            </a:endParaRPr>
+          </a:p>
+          <a:p>
+            <a:pPr lvl="1">
+              <a:lnSpc>
+                <a:spcPct val="150000"/>
+              </a:lnSpc>
+              <a:buFont typeface="Wingdings" pitchFamily="2" charset="2"/>
+              <a:buChar char="Ø"/>
+            </a:pPr>
             <a:r>
               <a:rPr lang="en-US" sz="2000" dirty="0" smtClean="0">
                 <a:latin typeface="DINPro" panose="02000503030000020004" pitchFamily="2" charset="0"/>
               </a:rPr>
-              <a:t> not detect passed by Reference but </a:t>
-            </a:r>
-            <a:r>
-              <a:rPr lang="en-US" sz="2000" dirty="0" err="1" smtClean="0">
-                <a:latin typeface="DINPro" panose="02000503030000020004" pitchFamily="2" charset="0"/>
-              </a:rPr>
-              <a:t>ngDoCheck</a:t>
-            </a:r>
-            <a:r>
-              <a:rPr lang="en-US" sz="2000" dirty="0" smtClean="0">
-                <a:latin typeface="DINPro" panose="02000503030000020004" pitchFamily="2" charset="0"/>
-              </a:rPr>
-              <a:t> detect</a:t>
+              <a:t> </a:t>
+            </a:r>
+            <a:r>
+              <a:rPr lang="en-US" sz="2000" dirty="0" err="1" smtClean="0"/>
+              <a:t>AfterContentChecked</a:t>
             </a:r>
             <a:endParaRPr lang="en-GB" sz="2000" dirty="0" smtClean="0">
               <a:latin typeface="DINPro"/>
@@ -25020,22 +25114,6 @@
             <a:pPr lvl="1">
               <a:buNone/>
             </a:pPr>
-            <a:endParaRPr lang="fr-FR" sz="2400" b="1" dirty="0" smtClean="0">
-              <a:latin typeface="DINPro" panose="02000503030000020004" pitchFamily="2" charset="0"/>
-            </a:endParaRPr>
-          </a:p>
-          <a:p>
-            <a:pPr lvl="1">
-              <a:buNone/>
-            </a:pPr>
-            <a:endParaRPr lang="fr-FR" sz="2400" b="1" dirty="0" smtClean="0">
-              <a:latin typeface="DINPro" panose="02000503030000020004" pitchFamily="2" charset="0"/>
-            </a:endParaRPr>
-          </a:p>
-          <a:p>
-            <a:pPr lvl="1">
-              <a:buNone/>
-            </a:pPr>
             <a:r>
               <a:rPr lang="fr-FR" sz="2400" dirty="0" smtClean="0">
                 <a:latin typeface="DINPro" panose="02000503030000020004" pitchFamily="2" charset="0"/>
@@ -25076,84 +25154,60 @@
               <a:rPr lang="fr-FR" dirty="0" smtClean="0">
                 <a:latin typeface="DINPro" panose="02000503030000020004" pitchFamily="2" charset="0"/>
               </a:rPr>
+              <a:t> the interface, Inside of component </a:t>
+            </a:r>
+            <a:r>
+              <a:rPr lang="fr-FR" dirty="0" err="1" smtClean="0">
+                <a:latin typeface="DINPro" panose="02000503030000020004" pitchFamily="2" charset="0"/>
+              </a:rPr>
+              <a:t>should</a:t>
+            </a:r>
+            <a:r>
+              <a:rPr lang="fr-FR" dirty="0" smtClean="0">
+                <a:latin typeface="DINPro" panose="02000503030000020004" pitchFamily="2" charset="0"/>
+              </a:rPr>
+              <a:t> </a:t>
+            </a:r>
+            <a:r>
+              <a:rPr lang="fr-FR" dirty="0" err="1" smtClean="0">
+                <a:latin typeface="DINPro" panose="02000503030000020004" pitchFamily="2" charset="0"/>
+              </a:rPr>
+              <a:t>be</a:t>
+            </a:r>
+            <a:r>
+              <a:rPr lang="fr-FR" dirty="0" smtClean="0">
+                <a:latin typeface="DINPro" panose="02000503030000020004" pitchFamily="2" charset="0"/>
+              </a:rPr>
+              <a:t> </a:t>
+            </a:r>
+            <a:r>
+              <a:rPr lang="fr-FR" dirty="0" err="1" smtClean="0">
+                <a:latin typeface="DINPro" panose="02000503030000020004" pitchFamily="2" charset="0"/>
+              </a:rPr>
+              <a:t>declare</a:t>
+            </a:r>
+            <a:r>
+              <a:rPr lang="fr-FR" dirty="0" smtClean="0">
+                <a:latin typeface="DINPro" panose="02000503030000020004" pitchFamily="2" charset="0"/>
+              </a:rPr>
               <a:t> the </a:t>
             </a:r>
             <a:r>
+              <a:rPr lang="fr-FR" dirty="0" err="1" smtClean="0">
+                <a:latin typeface="DINPro" panose="02000503030000020004" pitchFamily="2" charset="0"/>
+              </a:rPr>
+              <a:t>property</a:t>
+            </a:r>
+            <a:r>
               <a:rPr lang="fr-FR" dirty="0" smtClean="0">
                 <a:latin typeface="DINPro" panose="02000503030000020004" pitchFamily="2" charset="0"/>
               </a:rPr>
-              <a:t>interface, </a:t>
-            </a:r>
-            <a:r>
-              <a:rPr lang="fr-FR" dirty="0" smtClean="0">
-                <a:latin typeface="DINPro" panose="02000503030000020004" pitchFamily="2" charset="0"/>
-              </a:rPr>
-              <a:t>Inside </a:t>
-            </a:r>
-            <a:r>
-              <a:rPr lang="fr-FR" dirty="0" smtClean="0">
-                <a:latin typeface="DINPro" panose="02000503030000020004" pitchFamily="2" charset="0"/>
-              </a:rPr>
-              <a:t>of </a:t>
-            </a:r>
-            <a:r>
-              <a:rPr lang="fr-FR" dirty="0" smtClean="0">
-                <a:latin typeface="DINPro" panose="02000503030000020004" pitchFamily="2" charset="0"/>
-              </a:rPr>
-              <a:t>component </a:t>
+              <a:t> </a:t>
             </a:r>
             <a:r>
               <a:rPr lang="fr-FR" dirty="0" err="1" smtClean="0">
                 <a:latin typeface="DINPro" panose="02000503030000020004" pitchFamily="2" charset="0"/>
               </a:rPr>
-              <a:t>should</a:t>
-            </a:r>
-            <a:r>
-              <a:rPr lang="fr-FR" dirty="0" smtClean="0">
-                <a:latin typeface="DINPro" panose="02000503030000020004" pitchFamily="2" charset="0"/>
-              </a:rPr>
-              <a:t> </a:t>
-            </a:r>
-            <a:r>
-              <a:rPr lang="fr-FR" dirty="0" err="1" smtClean="0">
-                <a:latin typeface="DINPro" panose="02000503030000020004" pitchFamily="2" charset="0"/>
-              </a:rPr>
-              <a:t>be</a:t>
-            </a:r>
-            <a:r>
-              <a:rPr lang="fr-FR" dirty="0" smtClean="0">
-                <a:latin typeface="DINPro" panose="02000503030000020004" pitchFamily="2" charset="0"/>
-              </a:rPr>
-              <a:t> </a:t>
-            </a:r>
-            <a:r>
-              <a:rPr lang="fr-FR" dirty="0" err="1" smtClean="0">
-                <a:latin typeface="DINPro" panose="02000503030000020004" pitchFamily="2" charset="0"/>
-              </a:rPr>
-              <a:t>declare</a:t>
-            </a:r>
-            <a:r>
-              <a:rPr lang="fr-FR" dirty="0" smtClean="0">
-                <a:latin typeface="DINPro" panose="02000503030000020004" pitchFamily="2" charset="0"/>
-              </a:rPr>
-              <a:t> the </a:t>
-            </a:r>
-            <a:r>
-              <a:rPr lang="fr-FR" dirty="0" err="1" smtClean="0">
-                <a:latin typeface="DINPro" panose="02000503030000020004" pitchFamily="2" charset="0"/>
-              </a:rPr>
-              <a:t>property</a:t>
-            </a:r>
-            <a:r>
-              <a:rPr lang="fr-FR" dirty="0" smtClean="0">
-                <a:latin typeface="DINPro" panose="02000503030000020004" pitchFamily="2" charset="0"/>
-              </a:rPr>
-              <a:t> </a:t>
-            </a:r>
-            <a:r>
-              <a:rPr lang="fr-FR" dirty="0" err="1" smtClean="0">
-                <a:latin typeface="DINPro" panose="02000503030000020004" pitchFamily="2" charset="0"/>
-              </a:rPr>
               <a:t>name</a:t>
             </a:r>
             <a:r>
@@ -25162,9 +25216,6 @@
               </a:rPr>
               <a:t>)</a:t>
             </a:r>
-            <a:endParaRPr lang="fr-FR" sz="2400" dirty="0" smtClean="0">
-              <a:latin typeface="DINPro" panose="02000503030000020004" pitchFamily="2" charset="0"/>
-            </a:endParaRPr>
           </a:p>
           <a:p>
             <a:pPr lvl="1">
@@ -25205,6 +25256,368 @@
 </file>
 
 <file path=ppt/slides/slide52.xml><?xml version="1.0" encoding="utf-8"?>
+<p:sld xmlns:a="http://schemas.openxmlformats.org/drawingml/2006/main" xmlns:r="http://schemas.openxmlformats.org/officeDocument/2006/relationships" xmlns:p="http://schemas.openxmlformats.org/presentationml/2006/main" showMasterSp="0">
+  <p:cSld>
+    <p:bg>
+      <p:bgPr>
+        <a:blipFill dpi="0" rotWithShape="1">
+          <a:blip r:embed="rId2" cstate="print">
+            <a:lum/>
+          </a:blip>
+          <a:srcRect/>
+          <a:stretch>
+            <a:fillRect/>
+          </a:stretch>
+        </a:blipFill>
+        <a:effectLst/>
+      </p:bgPr>
+    </p:bg>
+    <p:spTree>
+      <p:nvGrpSpPr>
+        <p:cNvPr id="1" name=""/>
+        <p:cNvGrpSpPr/>
+        <p:nvPr/>
+      </p:nvGrpSpPr>
+      <p:grpSpPr>
+        <a:xfrm>
+          <a:off x="0" y="0"/>
+          <a:ext cx="0" cy="0"/>
+          <a:chOff x="0" y="0"/>
+          <a:chExt cx="0" cy="0"/>
+        </a:xfrm>
+      </p:grpSpPr>
+      <p:sp>
+        <p:nvSpPr>
+          <p:cNvPr id="2" name="Title 1"/>
+          <p:cNvSpPr>
+            <a:spLocks noGrp="1"/>
+          </p:cNvSpPr>
+          <p:nvPr>
+            <p:ph type="title"/>
+          </p:nvPr>
+        </p:nvSpPr>
+        <p:spPr>
+          <a:xfrm>
+            <a:off x="370771" y="1207025"/>
+            <a:ext cx="10058400" cy="559913"/>
+          </a:xfrm>
+        </p:spPr>
+        <p:txBody>
+          <a:bodyPr>
+            <a:normAutofit/>
+          </a:bodyPr>
+          <a:lstStyle/>
+          <a:p>
+            <a:r>
+              <a:rPr lang="en-US" sz="3000" dirty="0" smtClean="0">
+                <a:latin typeface="DINPro" panose="02000503030000020004" pitchFamily="2" charset="0"/>
+              </a:rPr>
+              <a:t>Difference between </a:t>
+            </a:r>
+            <a:r>
+              <a:rPr lang="en-US" sz="3000" dirty="0" err="1" smtClean="0">
+                <a:latin typeface="DINPro" panose="02000503030000020004" pitchFamily="2" charset="0"/>
+              </a:rPr>
+              <a:t>Onchanges</a:t>
+            </a:r>
+            <a:r>
+              <a:rPr lang="en-US" sz="3000" dirty="0" smtClean="0">
+                <a:latin typeface="DINPro" panose="02000503030000020004" pitchFamily="2" charset="0"/>
+              </a:rPr>
+              <a:t> and </a:t>
+            </a:r>
+            <a:r>
+              <a:rPr lang="en-US" sz="3000" dirty="0" err="1" smtClean="0">
+                <a:latin typeface="DINPro" panose="02000503030000020004" pitchFamily="2" charset="0"/>
+              </a:rPr>
+              <a:t>DoCheck</a:t>
+            </a:r>
+            <a:endParaRPr lang="en-US" sz="3000" dirty="0">
+              <a:latin typeface="DINPro" panose="02000503030000020004" pitchFamily="2" charset="0"/>
+            </a:endParaRPr>
+          </a:p>
+        </p:txBody>
+      </p:sp>
+      <p:sp>
+        <p:nvSpPr>
+          <p:cNvPr id="3" name="Content Placeholder 2"/>
+          <p:cNvSpPr>
+            <a:spLocks noGrp="1"/>
+          </p:cNvSpPr>
+          <p:nvPr>
+            <p:ph idx="1"/>
+          </p:nvPr>
+        </p:nvSpPr>
+        <p:spPr>
+          <a:xfrm>
+            <a:off x="270563" y="1886952"/>
+            <a:ext cx="10058400" cy="4023360"/>
+          </a:xfrm>
+        </p:spPr>
+        <p:txBody>
+          <a:bodyPr>
+            <a:noAutofit/>
+          </a:bodyPr>
+          <a:lstStyle/>
+          <a:p>
+            <a:pPr lvl="1">
+              <a:lnSpc>
+                <a:spcPct val="150000"/>
+              </a:lnSpc>
+              <a:buFont typeface="Wingdings" pitchFamily="2" charset="2"/>
+              <a:buChar char="Ø"/>
+            </a:pPr>
+            <a:r>
+              <a:rPr lang="en-US" sz="2000" dirty="0" smtClean="0">
+                <a:latin typeface="DINPro" panose="02000503030000020004" pitchFamily="2" charset="0"/>
+              </a:rPr>
+              <a:t> </a:t>
+            </a:r>
+            <a:r>
+              <a:rPr lang="en-US" sz="2000" dirty="0" err="1" smtClean="0">
+                <a:latin typeface="DINPro" panose="02000503030000020004" pitchFamily="2" charset="0"/>
+              </a:rPr>
+              <a:t>ngOnChanges</a:t>
+            </a:r>
+            <a:r>
+              <a:rPr lang="en-US" sz="2000" dirty="0" smtClean="0">
+                <a:latin typeface="DINPro" panose="02000503030000020004" pitchFamily="2" charset="0"/>
+              </a:rPr>
+              <a:t> called when input property changed but </a:t>
+            </a:r>
+            <a:r>
+              <a:rPr lang="en-US" sz="2000" dirty="0" err="1" smtClean="0">
+                <a:latin typeface="DINPro" panose="02000503030000020004" pitchFamily="2" charset="0"/>
+              </a:rPr>
+              <a:t>ngDoCheck</a:t>
+            </a:r>
+            <a:r>
+              <a:rPr lang="en-US" sz="2000" dirty="0" smtClean="0">
+                <a:latin typeface="DINPro" panose="02000503030000020004" pitchFamily="2" charset="0"/>
+              </a:rPr>
+              <a:t> called all the time when view detect any changes</a:t>
+            </a:r>
+          </a:p>
+          <a:p>
+            <a:pPr lvl="1">
+              <a:lnSpc>
+                <a:spcPct val="150000"/>
+              </a:lnSpc>
+              <a:buFont typeface="Wingdings" pitchFamily="2" charset="2"/>
+              <a:buChar char="Ø"/>
+            </a:pPr>
+            <a:r>
+              <a:rPr lang="en-US" sz="2000" dirty="0" smtClean="0">
+                <a:latin typeface="DINPro" panose="02000503030000020004" pitchFamily="2" charset="0"/>
+              </a:rPr>
+              <a:t> </a:t>
+            </a:r>
+            <a:r>
+              <a:rPr lang="en-US" sz="2000" dirty="0" err="1" smtClean="0">
+                <a:latin typeface="DINPro" panose="02000503030000020004" pitchFamily="2" charset="0"/>
+              </a:rPr>
+              <a:t>ngOnChanges</a:t>
+            </a:r>
+            <a:r>
+              <a:rPr lang="en-US" sz="2000" dirty="0" smtClean="0">
+                <a:latin typeface="DINPro" panose="02000503030000020004" pitchFamily="2" charset="0"/>
+              </a:rPr>
+              <a:t> not detect passed by Reference but </a:t>
+            </a:r>
+            <a:r>
+              <a:rPr lang="en-US" sz="2000" dirty="0" err="1" smtClean="0">
+                <a:latin typeface="DINPro" panose="02000503030000020004" pitchFamily="2" charset="0"/>
+              </a:rPr>
+              <a:t>ngDoCheck</a:t>
+            </a:r>
+            <a:r>
+              <a:rPr lang="en-US" sz="2000" dirty="0" smtClean="0">
+                <a:latin typeface="DINPro" panose="02000503030000020004" pitchFamily="2" charset="0"/>
+              </a:rPr>
+              <a:t> detect</a:t>
+            </a:r>
+            <a:endParaRPr lang="en-GB" sz="2000" dirty="0" smtClean="0">
+              <a:latin typeface="DINPro"/>
+            </a:endParaRPr>
+          </a:p>
+          <a:p>
+            <a:pPr lvl="1">
+              <a:buNone/>
+            </a:pPr>
+            <a:endParaRPr lang="fr-FR" sz="2400" b="1" dirty="0" smtClean="0">
+              <a:latin typeface="DINPro" panose="02000503030000020004" pitchFamily="2" charset="0"/>
+            </a:endParaRPr>
+          </a:p>
+          <a:p>
+            <a:pPr lvl="1">
+              <a:buNone/>
+            </a:pPr>
+            <a:endParaRPr lang="fr-FR" sz="2400" b="1" dirty="0" smtClean="0">
+              <a:latin typeface="DINPro" panose="02000503030000020004" pitchFamily="2" charset="0"/>
+            </a:endParaRPr>
+          </a:p>
+          <a:p>
+            <a:pPr lvl="1">
+              <a:buNone/>
+            </a:pPr>
+            <a:endParaRPr lang="fr-FR" sz="2400" b="1" dirty="0" smtClean="0">
+              <a:latin typeface="DINPro" panose="02000503030000020004" pitchFamily="2" charset="0"/>
+            </a:endParaRPr>
+          </a:p>
+          <a:p>
+            <a:pPr lvl="1">
+              <a:buNone/>
+            </a:pPr>
+            <a:endParaRPr lang="fr-FR" sz="2400" b="1" dirty="0" smtClean="0">
+              <a:latin typeface="DINPro" panose="02000503030000020004" pitchFamily="2" charset="0"/>
+            </a:endParaRPr>
+          </a:p>
+          <a:p>
+            <a:pPr lvl="1">
+              <a:buNone/>
+            </a:pPr>
+            <a:r>
+              <a:rPr lang="fr-FR" sz="2400" dirty="0" smtClean="0">
+                <a:latin typeface="DINPro" panose="02000503030000020004" pitchFamily="2" charset="0"/>
+              </a:rPr>
+              <a:t>(</a:t>
+            </a:r>
+            <a:r>
+              <a:rPr lang="fr-FR" b="1" dirty="0" smtClean="0">
+                <a:latin typeface="DINPro" panose="02000503030000020004" pitchFamily="2" charset="0"/>
+              </a:rPr>
+              <a:t>note</a:t>
+            </a:r>
+            <a:r>
+              <a:rPr lang="fr-FR" dirty="0" smtClean="0">
+                <a:latin typeface="DINPro" panose="02000503030000020004" pitchFamily="2" charset="0"/>
+              </a:rPr>
+              <a:t>: Import the class </a:t>
+            </a:r>
+            <a:r>
+              <a:rPr lang="fr-FR" dirty="0" err="1" smtClean="0">
+                <a:latin typeface="DINPro" panose="02000503030000020004" pitchFamily="2" charset="0"/>
+              </a:rPr>
+              <a:t>name</a:t>
+            </a:r>
+            <a:r>
+              <a:rPr lang="fr-FR" dirty="0" smtClean="0">
+                <a:latin typeface="DINPro" panose="02000503030000020004" pitchFamily="2" charset="0"/>
+              </a:rPr>
+              <a:t> in top, </a:t>
+            </a:r>
+            <a:r>
+              <a:rPr lang="fr-FR" dirty="0" err="1" smtClean="0">
+                <a:latin typeface="DINPro" panose="02000503030000020004" pitchFamily="2" charset="0"/>
+              </a:rPr>
+              <a:t>Implements</a:t>
+            </a:r>
+            <a:r>
+              <a:rPr lang="fr-FR" dirty="0" smtClean="0">
+                <a:latin typeface="DINPro" panose="02000503030000020004" pitchFamily="2" charset="0"/>
+              </a:rPr>
+              <a:t> the interface, Inside of component </a:t>
+            </a:r>
+            <a:r>
+              <a:rPr lang="fr-FR" dirty="0" err="1" smtClean="0">
+                <a:latin typeface="DINPro" panose="02000503030000020004" pitchFamily="2" charset="0"/>
+              </a:rPr>
+              <a:t>should</a:t>
+            </a:r>
+            <a:r>
+              <a:rPr lang="fr-FR" dirty="0" smtClean="0">
+                <a:latin typeface="DINPro" panose="02000503030000020004" pitchFamily="2" charset="0"/>
+              </a:rPr>
+              <a:t> </a:t>
+            </a:r>
+            <a:r>
+              <a:rPr lang="fr-FR" dirty="0" err="1" smtClean="0">
+                <a:latin typeface="DINPro" panose="02000503030000020004" pitchFamily="2" charset="0"/>
+              </a:rPr>
+              <a:t>be</a:t>
+            </a:r>
+            <a:r>
+              <a:rPr lang="fr-FR" dirty="0" smtClean="0">
+                <a:latin typeface="DINPro" panose="02000503030000020004" pitchFamily="2" charset="0"/>
+              </a:rPr>
+              <a:t> </a:t>
+            </a:r>
+            <a:r>
+              <a:rPr lang="fr-FR" dirty="0" err="1" smtClean="0">
+                <a:latin typeface="DINPro" panose="02000503030000020004" pitchFamily="2" charset="0"/>
+              </a:rPr>
+              <a:t>declare</a:t>
+            </a:r>
+            <a:r>
+              <a:rPr lang="fr-FR" dirty="0" smtClean="0">
+                <a:latin typeface="DINPro" panose="02000503030000020004" pitchFamily="2" charset="0"/>
+              </a:rPr>
+              <a:t> the </a:t>
+            </a:r>
+            <a:r>
+              <a:rPr lang="fr-FR" dirty="0" err="1" smtClean="0">
+                <a:latin typeface="DINPro" panose="02000503030000020004" pitchFamily="2" charset="0"/>
+              </a:rPr>
+              <a:t>property</a:t>
+            </a:r>
+            <a:r>
+              <a:rPr lang="fr-FR" dirty="0" smtClean="0">
+                <a:latin typeface="DINPro" panose="02000503030000020004" pitchFamily="2" charset="0"/>
+              </a:rPr>
+              <a:t> </a:t>
+            </a:r>
+            <a:r>
+              <a:rPr lang="fr-FR" dirty="0" err="1" smtClean="0">
+                <a:latin typeface="DINPro" panose="02000503030000020004" pitchFamily="2" charset="0"/>
+              </a:rPr>
+              <a:t>name</a:t>
+            </a:r>
+            <a:r>
+              <a:rPr lang="fr-FR" sz="2400" dirty="0" smtClean="0">
+                <a:latin typeface="DINPro" panose="02000503030000020004" pitchFamily="2" charset="0"/>
+              </a:rPr>
+              <a:t>)</a:t>
+            </a:r>
+          </a:p>
+          <a:p>
+            <a:pPr lvl="1">
+              <a:buNone/>
+            </a:pPr>
+            <a:endParaRPr lang="en-GB" sz="2000" dirty="0" smtClean="0">
+              <a:latin typeface="DINPro"/>
+            </a:endParaRPr>
+          </a:p>
+          <a:p>
+            <a:pPr lvl="1">
+              <a:buNone/>
+            </a:pPr>
+            <a:endParaRPr lang="en-GB" sz="2000" dirty="0" smtClean="0">
+              <a:latin typeface="DINPro"/>
+            </a:endParaRPr>
+          </a:p>
+        </p:txBody>
+      </p:sp>
+    </p:spTree>
+    <p:extLst>
+      <p:ext uri="{BB962C8B-B14F-4D97-AF65-F5344CB8AC3E}">
+        <p14:creationId xmlns:p14="http://schemas.microsoft.com/office/powerpoint/2010/main" xmlns="" val="1189706594"/>
+      </p:ext>
+    </p:extLst>
+  </p:cSld>
+  <p:clrMapOvr>
+    <a:masterClrMapping/>
+  </p:clrMapOvr>
+  <p:timing>
+    <p:tnLst>
+      <p:par>
+        <p:cTn id="1" dur="indefinite" restart="never" nodeType="tmRoot"/>
+      </p:par>
+    </p:tnLst>
+  </p:timing>
+</p:sld>
+</file>
+
+<file path=ppt/slides/slide53.xml><?xml version="1.0" encoding="utf-8"?>
 <p:sld xmlns:a="http://schemas.openxmlformats.org/drawingml/2006/main" xmlns:r="http://schemas.openxmlformats.org/officeDocument/2006/relationships" xmlns:p="http://schemas.openxmlformats.org/presentationml/2006/main" showMasterSp="0">
   <p:cSld>
     <p:bg>
@@ -25560,7 +25973,7 @@
 </p:sld>
 </file>
 
-<file path=ppt/slides/slide53.xml><?xml version="1.0" encoding="utf-8"?>
+<file path=ppt/slides/slide54.xml><?xml version="1.0" encoding="utf-8"?>
 <p:sld xmlns:a="http://schemas.openxmlformats.org/drawingml/2006/main" xmlns:r="http://schemas.openxmlformats.org/officeDocument/2006/relationships" xmlns:p="http://schemas.openxmlformats.org/presentationml/2006/main" showMasterSp="0">
   <p:cSld>
     <p:bg>
